--- a/Audits/WS2020_Mohr-Dama_Johannsen_Präsentation_audit2.pptx
+++ b/Audits/WS2020_Mohr-Dama_Johannsen_Präsentation_audit2.pptx
@@ -5,10 +5,10 @@
     <p:sldMasterId id="2147483648" r:id="rId4"/>
   </p:sldMasterIdLst>
   <p:notesMasterIdLst>
-    <p:notesMasterId r:id="rId14"/>
+    <p:notesMasterId r:id="rId21"/>
   </p:notesMasterIdLst>
   <p:handoutMasterIdLst>
-    <p:handoutMasterId r:id="rId15"/>
+    <p:handoutMasterId r:id="rId22"/>
   </p:handoutMasterIdLst>
   <p:sldIdLst>
     <p:sldId id="256" r:id="rId5"/>
@@ -16,10 +16,17 @@
     <p:sldId id="261" r:id="rId7"/>
     <p:sldId id="262" r:id="rId8"/>
     <p:sldId id="257" r:id="rId9"/>
-    <p:sldId id="258" r:id="rId10"/>
-    <p:sldId id="265" r:id="rId11"/>
-    <p:sldId id="266" r:id="rId12"/>
-    <p:sldId id="269" r:id="rId13"/>
+    <p:sldId id="270" r:id="rId10"/>
+    <p:sldId id="258" r:id="rId11"/>
+    <p:sldId id="265" r:id="rId12"/>
+    <p:sldId id="267" r:id="rId13"/>
+    <p:sldId id="268" r:id="rId14"/>
+    <p:sldId id="266" r:id="rId15"/>
+    <p:sldId id="269" r:id="rId16"/>
+    <p:sldId id="260" r:id="rId17"/>
+    <p:sldId id="264" r:id="rId18"/>
+    <p:sldId id="271" r:id="rId19"/>
+    <p:sldId id="272" r:id="rId20"/>
   </p:sldIdLst>
   <p:sldSz cx="9144000" cy="6858000" type="screen4x3"/>
   <p:notesSz cx="6797675" cy="9928225"/>
@@ -3874,7 +3881,7 @@
           <a:bodyPr/>
           <a:lstStyle/>
           <a:p>
-            <a:endParaRPr lang="de-DE"/>
+            <a:endParaRPr lang="de-DE" dirty="0"/>
           </a:p>
         </p:txBody>
       </p:sp>
@@ -3905,6 +3912,1032 @@
     <p:extLst>
       <p:ext uri="{BB962C8B-B14F-4D97-AF65-F5344CB8AC3E}">
         <p14:creationId xmlns:p14="http://schemas.microsoft.com/office/powerpoint/2010/main" val="2478638095"/>
+      </p:ext>
+    </p:extLst>
+  </p:cSld>
+  <p:clrMapOvr>
+    <a:masterClrMapping/>
+  </p:clrMapOvr>
+</p:notes>
+</file>
+
+<file path=ppt/notesSlides/notesSlide10.xml><?xml version="1.0" encoding="utf-8"?>
+<p:notes xmlns:a="http://schemas.openxmlformats.org/drawingml/2006/main" xmlns:r="http://schemas.openxmlformats.org/officeDocument/2006/relationships" xmlns:p="http://schemas.openxmlformats.org/presentationml/2006/main">
+  <p:cSld>
+    <p:spTree>
+      <p:nvGrpSpPr>
+        <p:cNvPr id="1" name=""/>
+        <p:cNvGrpSpPr/>
+        <p:nvPr/>
+      </p:nvGrpSpPr>
+      <p:grpSpPr>
+        <a:xfrm>
+          <a:off x="0" y="0"/>
+          <a:ext cx="0" cy="0"/>
+          <a:chOff x="0" y="0"/>
+          <a:chExt cx="0" cy="0"/>
+        </a:xfrm>
+      </p:grpSpPr>
+      <p:sp>
+        <p:nvSpPr>
+          <p:cNvPr id="2" name="Folienbildplatzhalter 1"/>
+          <p:cNvSpPr>
+            <a:spLocks noGrp="1" noRot="1" noChangeAspect="1"/>
+          </p:cNvSpPr>
+          <p:nvPr>
+            <p:ph type="sldImg"/>
+          </p:nvPr>
+        </p:nvSpPr>
+        <p:spPr/>
+      </p:sp>
+      <p:sp>
+        <p:nvSpPr>
+          <p:cNvPr id="3" name="Notizenplatzhalter 2"/>
+          <p:cNvSpPr>
+            <a:spLocks noGrp="1"/>
+          </p:cNvSpPr>
+          <p:nvPr>
+            <p:ph type="body" idx="1"/>
+          </p:nvPr>
+        </p:nvSpPr>
+        <p:spPr/>
+        <p:txBody>
+          <a:bodyPr/>
+          <a:lstStyle/>
+          <a:p>
+            <a:pPr>
+              <a:lnSpc>
+                <a:spcPct val="107000"/>
+              </a:lnSpc>
+              <a:spcAft>
+                <a:spcPts val="800"/>
+              </a:spcAft>
+            </a:pPr>
+            <a:endParaRPr lang="de-DE" sz="1200" dirty="0">
+              <a:effectLst/>
+              <a:latin typeface="+mn-lt"/>
+              <a:ea typeface="Calibri" panose="020F0502020204030204" pitchFamily="34" charset="0"/>
+              <a:cs typeface="Times New Roman" panose="02020603050405020304" pitchFamily="18" charset="0"/>
+            </a:endParaRPr>
+          </a:p>
+          <a:p>
+            <a:pPr>
+              <a:lnSpc>
+                <a:spcPct val="107000"/>
+              </a:lnSpc>
+              <a:spcAft>
+                <a:spcPts val="800"/>
+              </a:spcAft>
+            </a:pPr>
+            <a:endParaRPr lang="de-DE" sz="1200" dirty="0">
+              <a:effectLst/>
+              <a:latin typeface="+mn-lt"/>
+              <a:ea typeface="Calibri" panose="020F0502020204030204" pitchFamily="34" charset="0"/>
+              <a:cs typeface="Times New Roman" panose="02020603050405020304" pitchFamily="18" charset="0"/>
+            </a:endParaRPr>
+          </a:p>
+          <a:p>
+            <a:pPr>
+              <a:lnSpc>
+                <a:spcPct val="107000"/>
+              </a:lnSpc>
+              <a:spcAft>
+                <a:spcPts val="800"/>
+              </a:spcAft>
+            </a:pPr>
+            <a:r>
+              <a:rPr lang="de-DE" sz="1200" dirty="0">
+                <a:effectLst/>
+                <a:latin typeface="+mn-lt"/>
+                <a:ea typeface="Calibri" panose="020F0502020204030204" pitchFamily="34" charset="0"/>
+                <a:cs typeface="Times New Roman" panose="02020603050405020304" pitchFamily="18" charset="0"/>
+              </a:rPr>
+              <a:t>Für die Umsetzung des Projektes wurde die Google Maps API favorisiert, da kombiniert mit dem Google Charts Tool die angestrebten Visualisierungen auf der Karte umgesetzt werden können.</a:t>
+            </a:r>
+          </a:p>
+        </p:txBody>
+      </p:sp>
+      <p:sp>
+        <p:nvSpPr>
+          <p:cNvPr id="4" name="Foliennummernplatzhalter 3"/>
+          <p:cNvSpPr>
+            <a:spLocks noGrp="1"/>
+          </p:cNvSpPr>
+          <p:nvPr>
+            <p:ph type="sldNum" sz="quarter" idx="5"/>
+          </p:nvPr>
+        </p:nvSpPr>
+        <p:spPr/>
+        <p:txBody>
+          <a:bodyPr/>
+          <a:lstStyle/>
+          <a:p>
+            <a:fld id="{996E54E2-22E2-44C2-8C41-A992617FFD87}" type="slidenum">
+              <a:rPr lang="de-DE" smtClean="0"/>
+              <a:t>10</a:t>
+            </a:fld>
+            <a:endParaRPr lang="de-DE"/>
+          </a:p>
+        </p:txBody>
+      </p:sp>
+    </p:spTree>
+    <p:extLst>
+      <p:ext uri="{BB962C8B-B14F-4D97-AF65-F5344CB8AC3E}">
+        <p14:creationId xmlns:p14="http://schemas.microsoft.com/office/powerpoint/2010/main" val="2848322980"/>
+      </p:ext>
+    </p:extLst>
+  </p:cSld>
+  <p:clrMapOvr>
+    <a:masterClrMapping/>
+  </p:clrMapOvr>
+</p:notes>
+</file>
+
+<file path=ppt/notesSlides/notesSlide11.xml><?xml version="1.0" encoding="utf-8"?>
+<p:notes xmlns:a="http://schemas.openxmlformats.org/drawingml/2006/main" xmlns:r="http://schemas.openxmlformats.org/officeDocument/2006/relationships" xmlns:p="http://schemas.openxmlformats.org/presentationml/2006/main">
+  <p:cSld>
+    <p:spTree>
+      <p:nvGrpSpPr>
+        <p:cNvPr id="1" name=""/>
+        <p:cNvGrpSpPr/>
+        <p:nvPr/>
+      </p:nvGrpSpPr>
+      <p:grpSpPr>
+        <a:xfrm>
+          <a:off x="0" y="0"/>
+          <a:ext cx="0" cy="0"/>
+          <a:chOff x="0" y="0"/>
+          <a:chExt cx="0" cy="0"/>
+        </a:xfrm>
+      </p:grpSpPr>
+      <p:sp>
+        <p:nvSpPr>
+          <p:cNvPr id="2" name="Folienbildplatzhalter 1"/>
+          <p:cNvSpPr>
+            <a:spLocks noGrp="1" noRot="1" noChangeAspect="1"/>
+          </p:cNvSpPr>
+          <p:nvPr>
+            <p:ph type="sldImg"/>
+          </p:nvPr>
+        </p:nvSpPr>
+        <p:spPr/>
+      </p:sp>
+      <p:sp>
+        <p:nvSpPr>
+          <p:cNvPr id="3" name="Notizenplatzhalter 2"/>
+          <p:cNvSpPr>
+            <a:spLocks noGrp="1"/>
+          </p:cNvSpPr>
+          <p:nvPr>
+            <p:ph type="body" idx="1"/>
+          </p:nvPr>
+        </p:nvSpPr>
+        <p:spPr/>
+        <p:txBody>
+          <a:bodyPr/>
+          <a:lstStyle/>
+          <a:p>
+            <a:r>
+              <a:rPr lang="de-DE" dirty="0"/>
+              <a:t>Risiken</a:t>
+            </a:r>
+          </a:p>
+          <a:p>
+            <a:endParaRPr lang="de-DE" dirty="0"/>
+          </a:p>
+          <a:p>
+            <a:r>
+              <a:rPr lang="de-DE" dirty="0"/>
+              <a:t>Basierend auf den Anforderungen und den Zielen wurden Risiken identifiziert. Dabei wurden auch die möglichen Ursachen der Risiken betrachtet. Die Risiken dieser Folie beziehen sich auch Probleme der Datenbank, beziehungsweise der Kommunikation mit dieser. Dies wirkt sich auf die Verfügbarkeit der Daten aus.</a:t>
+            </a:r>
+          </a:p>
+        </p:txBody>
+      </p:sp>
+      <p:sp>
+        <p:nvSpPr>
+          <p:cNvPr id="4" name="Foliennummernplatzhalter 3"/>
+          <p:cNvSpPr>
+            <a:spLocks noGrp="1"/>
+          </p:cNvSpPr>
+          <p:nvPr>
+            <p:ph type="sldNum" sz="quarter" idx="5"/>
+          </p:nvPr>
+        </p:nvSpPr>
+        <p:spPr/>
+        <p:txBody>
+          <a:bodyPr/>
+          <a:lstStyle/>
+          <a:p>
+            <a:fld id="{996E54E2-22E2-44C2-8C41-A992617FFD87}" type="slidenum">
+              <a:rPr lang="de-DE" smtClean="0"/>
+              <a:t>11</a:t>
+            </a:fld>
+            <a:endParaRPr lang="de-DE"/>
+          </a:p>
+        </p:txBody>
+      </p:sp>
+    </p:spTree>
+    <p:extLst>
+      <p:ext uri="{BB962C8B-B14F-4D97-AF65-F5344CB8AC3E}">
+        <p14:creationId xmlns:p14="http://schemas.microsoft.com/office/powerpoint/2010/main" val="23658927"/>
+      </p:ext>
+    </p:extLst>
+  </p:cSld>
+  <p:clrMapOvr>
+    <a:masterClrMapping/>
+  </p:clrMapOvr>
+</p:notes>
+</file>
+
+<file path=ppt/notesSlides/notesSlide12.xml><?xml version="1.0" encoding="utf-8"?>
+<p:notes xmlns:a="http://schemas.openxmlformats.org/drawingml/2006/main" xmlns:r="http://schemas.openxmlformats.org/officeDocument/2006/relationships" xmlns:p="http://schemas.openxmlformats.org/presentationml/2006/main">
+  <p:cSld>
+    <p:spTree>
+      <p:nvGrpSpPr>
+        <p:cNvPr id="1" name=""/>
+        <p:cNvGrpSpPr/>
+        <p:nvPr/>
+      </p:nvGrpSpPr>
+      <p:grpSpPr>
+        <a:xfrm>
+          <a:off x="0" y="0"/>
+          <a:ext cx="0" cy="0"/>
+          <a:chOff x="0" y="0"/>
+          <a:chExt cx="0" cy="0"/>
+        </a:xfrm>
+      </p:grpSpPr>
+      <p:sp>
+        <p:nvSpPr>
+          <p:cNvPr id="2" name="Folienbildplatzhalter 1"/>
+          <p:cNvSpPr>
+            <a:spLocks noGrp="1" noRot="1" noChangeAspect="1"/>
+          </p:cNvSpPr>
+          <p:nvPr>
+            <p:ph type="sldImg"/>
+          </p:nvPr>
+        </p:nvSpPr>
+        <p:spPr/>
+      </p:sp>
+      <p:sp>
+        <p:nvSpPr>
+          <p:cNvPr id="3" name="Notizenplatzhalter 2"/>
+          <p:cNvSpPr>
+            <a:spLocks noGrp="1"/>
+          </p:cNvSpPr>
+          <p:nvPr>
+            <p:ph type="body" idx="1"/>
+          </p:nvPr>
+        </p:nvSpPr>
+        <p:spPr/>
+        <p:txBody>
+          <a:bodyPr/>
+          <a:lstStyle/>
+          <a:p>
+            <a:r>
+              <a:rPr lang="de-DE" dirty="0"/>
+              <a:t>Diese Risiken beziehen sich auf die Kommunikation mit den verwendeten APIs. Beispielsweise wirkt sich eine nicht ansprechbare Karten API kritisch auf die Applikation aus, da so keine Daten mehr visualisiert werden können. Außerdem sind hier Risiken ersichtlich, welche aus der Kommunikation zwischen unseren Anwendungsobjekten hervorgehen. Beispielsweise kann die Karte keine Informationen darstellen, wenn die Datenbank keiner hervorgibt. </a:t>
+            </a:r>
+          </a:p>
+        </p:txBody>
+      </p:sp>
+      <p:sp>
+        <p:nvSpPr>
+          <p:cNvPr id="4" name="Foliennummernplatzhalter 3"/>
+          <p:cNvSpPr>
+            <a:spLocks noGrp="1"/>
+          </p:cNvSpPr>
+          <p:nvPr>
+            <p:ph type="sldNum" sz="quarter" idx="5"/>
+          </p:nvPr>
+        </p:nvSpPr>
+        <p:spPr/>
+        <p:txBody>
+          <a:bodyPr/>
+          <a:lstStyle/>
+          <a:p>
+            <a:fld id="{548D7E64-8424-4764-AF7C-3E9336290528}" type="slidenum">
+              <a:rPr lang="de-DE" smtClean="0"/>
+              <a:t>12</a:t>
+            </a:fld>
+            <a:endParaRPr lang="de-DE"/>
+          </a:p>
+        </p:txBody>
+      </p:sp>
+    </p:spTree>
+    <p:extLst>
+      <p:ext uri="{BB962C8B-B14F-4D97-AF65-F5344CB8AC3E}">
+        <p14:creationId xmlns:p14="http://schemas.microsoft.com/office/powerpoint/2010/main" val="2330331724"/>
+      </p:ext>
+    </p:extLst>
+  </p:cSld>
+  <p:clrMapOvr>
+    <a:masterClrMapping/>
+  </p:clrMapOvr>
+</p:notes>
+</file>
+
+<file path=ppt/notesSlides/notesSlide13.xml><?xml version="1.0" encoding="utf-8"?>
+<p:notes xmlns:a="http://schemas.openxmlformats.org/drawingml/2006/main" xmlns:r="http://schemas.openxmlformats.org/officeDocument/2006/relationships" xmlns:p="http://schemas.openxmlformats.org/presentationml/2006/main">
+  <p:cSld>
+    <p:spTree>
+      <p:nvGrpSpPr>
+        <p:cNvPr id="1" name=""/>
+        <p:cNvGrpSpPr/>
+        <p:nvPr/>
+      </p:nvGrpSpPr>
+      <p:grpSpPr>
+        <a:xfrm>
+          <a:off x="0" y="0"/>
+          <a:ext cx="0" cy="0"/>
+          <a:chOff x="0" y="0"/>
+          <a:chExt cx="0" cy="0"/>
+        </a:xfrm>
+      </p:grpSpPr>
+      <p:sp>
+        <p:nvSpPr>
+          <p:cNvPr id="2" name="Folienbildplatzhalter 1"/>
+          <p:cNvSpPr>
+            <a:spLocks noGrp="1" noRot="1" noChangeAspect="1"/>
+          </p:cNvSpPr>
+          <p:nvPr>
+            <p:ph type="sldImg"/>
+          </p:nvPr>
+        </p:nvSpPr>
+        <p:spPr/>
+      </p:sp>
+      <p:sp>
+        <p:nvSpPr>
+          <p:cNvPr id="3" name="Notizenplatzhalter 2"/>
+          <p:cNvSpPr>
+            <a:spLocks noGrp="1"/>
+          </p:cNvSpPr>
+          <p:nvPr>
+            <p:ph type="body" idx="1"/>
+          </p:nvPr>
+        </p:nvSpPr>
+        <p:spPr/>
+        <p:txBody>
+          <a:bodyPr/>
+          <a:lstStyle/>
+          <a:p>
+            <a:pPr>
+              <a:lnSpc>
+                <a:spcPct val="107000"/>
+              </a:lnSpc>
+              <a:spcAft>
+                <a:spcPts val="800"/>
+              </a:spcAft>
+            </a:pPr>
+            <a:r>
+              <a:rPr lang="de-DE" sz="1200" dirty="0" err="1">
+                <a:effectLst/>
+                <a:latin typeface="+mn-lt"/>
+                <a:ea typeface="Calibri" panose="020F0502020204030204" pitchFamily="34" charset="0"/>
+                <a:cs typeface="Times New Roman" panose="02020603050405020304" pitchFamily="18" charset="0"/>
+              </a:rPr>
+              <a:t>Fallback</a:t>
+            </a:r>
+            <a:r>
+              <a:rPr lang="de-DE" sz="1200" dirty="0">
+                <a:effectLst/>
+                <a:latin typeface="+mn-lt"/>
+                <a:ea typeface="Calibri" panose="020F0502020204030204" pitchFamily="34" charset="0"/>
+                <a:cs typeface="Times New Roman" panose="02020603050405020304" pitchFamily="18" charset="0"/>
+              </a:rPr>
+              <a:t>:</a:t>
+            </a:r>
+          </a:p>
+          <a:p>
+            <a:pPr>
+              <a:lnSpc>
+                <a:spcPct val="107000"/>
+              </a:lnSpc>
+              <a:spcAft>
+                <a:spcPts val="800"/>
+              </a:spcAft>
+            </a:pPr>
+            <a:r>
+              <a:rPr lang="de-DE" sz="1200" dirty="0">
+                <a:effectLst/>
+                <a:latin typeface="+mn-lt"/>
+                <a:ea typeface="Calibri" panose="020F0502020204030204" pitchFamily="34" charset="0"/>
+                <a:cs typeface="Times New Roman" panose="02020603050405020304" pitchFamily="18" charset="0"/>
+              </a:rPr>
+              <a:t>Zu 1. und 2. Es wird der Fehler ausgegeben, dass der Begriff nicht in der Datenbank gefunden wurde.</a:t>
+            </a:r>
+            <a:br>
+              <a:rPr lang="de-DE" sz="1200" dirty="0">
+                <a:effectLst/>
+                <a:latin typeface="+mn-lt"/>
+                <a:ea typeface="Calibri" panose="020F0502020204030204" pitchFamily="34" charset="0"/>
+                <a:cs typeface="Times New Roman" panose="02020603050405020304" pitchFamily="18" charset="0"/>
+              </a:rPr>
+            </a:br>
+            <a:r>
+              <a:rPr lang="de-DE" sz="1200" dirty="0">
+                <a:effectLst/>
+                <a:latin typeface="+mn-lt"/>
+                <a:ea typeface="Calibri" panose="020F0502020204030204" pitchFamily="34" charset="0"/>
+                <a:cs typeface="Times New Roman" panose="02020603050405020304" pitchFamily="18" charset="0"/>
+              </a:rPr>
+              <a:t>Der Benutzer wird aufgefordert die Schreibweise der Eingabe zu überprüfen. Sollte diese korrekt sein, wird darauf hingewiesen das noch nicht alle Begriffe unterstützt werden.</a:t>
+            </a:r>
+          </a:p>
+          <a:p>
+            <a:pPr>
+              <a:lnSpc>
+                <a:spcPct val="107000"/>
+              </a:lnSpc>
+              <a:spcAft>
+                <a:spcPts val="800"/>
+              </a:spcAft>
+            </a:pPr>
+            <a:r>
+              <a:rPr lang="de-DE" sz="1200" dirty="0">
+                <a:effectLst/>
+                <a:latin typeface="+mn-lt"/>
+                <a:ea typeface="Calibri" panose="020F0502020204030204" pitchFamily="34" charset="0"/>
+                <a:cs typeface="Times New Roman" panose="02020603050405020304" pitchFamily="18" charset="0"/>
+              </a:rPr>
+              <a:t>Zu 3. Es wird der Fehler ausgegeben, dass das angefragte Datenbit nicht ausgegeben werden konnte. Des Weiteren wird darauf hingewiesen, dass ein Verbindungsproblem bestehen könnte.</a:t>
+            </a:r>
+          </a:p>
+        </p:txBody>
+      </p:sp>
+      <p:sp>
+        <p:nvSpPr>
+          <p:cNvPr id="4" name="Foliennummernplatzhalter 3"/>
+          <p:cNvSpPr>
+            <a:spLocks noGrp="1"/>
+          </p:cNvSpPr>
+          <p:nvPr>
+            <p:ph type="sldNum" sz="quarter" idx="5"/>
+          </p:nvPr>
+        </p:nvSpPr>
+        <p:spPr/>
+        <p:txBody>
+          <a:bodyPr/>
+          <a:lstStyle/>
+          <a:p>
+            <a:fld id="{996E54E2-22E2-44C2-8C41-A992617FFD87}" type="slidenum">
+              <a:rPr lang="de-DE" smtClean="0"/>
+              <a:t>13</a:t>
+            </a:fld>
+            <a:endParaRPr lang="de-DE"/>
+          </a:p>
+        </p:txBody>
+      </p:sp>
+    </p:spTree>
+    <p:extLst>
+      <p:ext uri="{BB962C8B-B14F-4D97-AF65-F5344CB8AC3E}">
+        <p14:creationId xmlns:p14="http://schemas.microsoft.com/office/powerpoint/2010/main" val="4175277933"/>
+      </p:ext>
+    </p:extLst>
+  </p:cSld>
+  <p:clrMapOvr>
+    <a:masterClrMapping/>
+  </p:clrMapOvr>
+</p:notes>
+</file>
+
+<file path=ppt/notesSlides/notesSlide14.xml><?xml version="1.0" encoding="utf-8"?>
+<p:notes xmlns:a="http://schemas.openxmlformats.org/drawingml/2006/main" xmlns:r="http://schemas.openxmlformats.org/officeDocument/2006/relationships" xmlns:p="http://schemas.openxmlformats.org/presentationml/2006/main">
+  <p:cSld>
+    <p:spTree>
+      <p:nvGrpSpPr>
+        <p:cNvPr id="1" name=""/>
+        <p:cNvGrpSpPr/>
+        <p:nvPr/>
+      </p:nvGrpSpPr>
+      <p:grpSpPr>
+        <a:xfrm>
+          <a:off x="0" y="0"/>
+          <a:ext cx="0" cy="0"/>
+          <a:chOff x="0" y="0"/>
+          <a:chExt cx="0" cy="0"/>
+        </a:xfrm>
+      </p:grpSpPr>
+      <p:sp>
+        <p:nvSpPr>
+          <p:cNvPr id="2" name="Folienbildplatzhalter 1"/>
+          <p:cNvSpPr>
+            <a:spLocks noGrp="1" noRot="1" noChangeAspect="1"/>
+          </p:cNvSpPr>
+          <p:nvPr>
+            <p:ph type="sldImg"/>
+          </p:nvPr>
+        </p:nvSpPr>
+        <p:spPr/>
+      </p:sp>
+      <p:sp>
+        <p:nvSpPr>
+          <p:cNvPr id="3" name="Notizenplatzhalter 2"/>
+          <p:cNvSpPr>
+            <a:spLocks noGrp="1"/>
+          </p:cNvSpPr>
+          <p:nvPr>
+            <p:ph type="body" idx="1"/>
+          </p:nvPr>
+        </p:nvSpPr>
+        <p:spPr/>
+        <p:txBody>
+          <a:bodyPr/>
+          <a:lstStyle/>
+          <a:p>
+            <a:pPr>
+              <a:lnSpc>
+                <a:spcPct val="107000"/>
+              </a:lnSpc>
+              <a:spcAft>
+                <a:spcPts val="800"/>
+              </a:spcAft>
+            </a:pPr>
+            <a:r>
+              <a:rPr lang="de-DE" sz="1200" dirty="0" err="1">
+                <a:effectLst/>
+                <a:latin typeface="+mn-lt"/>
+                <a:ea typeface="Calibri" panose="020F0502020204030204" pitchFamily="34" charset="0"/>
+                <a:cs typeface="Times New Roman" panose="02020603050405020304" pitchFamily="18" charset="0"/>
+              </a:rPr>
+              <a:t>Fallback</a:t>
+            </a:r>
+            <a:r>
+              <a:rPr lang="de-DE" sz="1200" dirty="0">
+                <a:effectLst/>
+                <a:latin typeface="+mn-lt"/>
+                <a:ea typeface="Calibri" panose="020F0502020204030204" pitchFamily="34" charset="0"/>
+                <a:cs typeface="Times New Roman" panose="02020603050405020304" pitchFamily="18" charset="0"/>
+              </a:rPr>
+              <a:t>:</a:t>
+            </a:r>
+          </a:p>
+          <a:p>
+            <a:pPr>
+              <a:lnSpc>
+                <a:spcPct val="107000"/>
+              </a:lnSpc>
+              <a:spcAft>
+                <a:spcPts val="800"/>
+              </a:spcAft>
+            </a:pPr>
+            <a:r>
+              <a:rPr lang="de-DE" sz="1200" dirty="0">
+                <a:effectLst/>
+                <a:latin typeface="+mn-lt"/>
+                <a:ea typeface="Calibri" panose="020F0502020204030204" pitchFamily="34" charset="0"/>
+                <a:cs typeface="Times New Roman" panose="02020603050405020304" pitchFamily="18" charset="0"/>
+              </a:rPr>
+              <a:t>Zu 1. Es wird dem Benutzer eine Meldung eingeblendet, die mitteilt, dass es sich um keinen Fehler handelt,</a:t>
+            </a:r>
+            <a:br>
+              <a:rPr lang="de-DE" sz="1200" dirty="0">
+                <a:effectLst/>
+                <a:latin typeface="+mn-lt"/>
+                <a:ea typeface="Calibri" panose="020F0502020204030204" pitchFamily="34" charset="0"/>
+                <a:cs typeface="Times New Roman" panose="02020603050405020304" pitchFamily="18" charset="0"/>
+              </a:rPr>
+            </a:br>
+            <a:r>
+              <a:rPr lang="de-DE" sz="1200" dirty="0">
+                <a:effectLst/>
+                <a:latin typeface="+mn-lt"/>
+                <a:ea typeface="Calibri" panose="020F0502020204030204" pitchFamily="34" charset="0"/>
+                <a:cs typeface="Times New Roman" panose="02020603050405020304" pitchFamily="18" charset="0"/>
+              </a:rPr>
+              <a:t>sondern dass es für den gewählten Begriff keine Saison in Deutschland gibt. Außerdem werden mögliche Importländer für den Zeitraum angezeigt.</a:t>
+            </a:r>
+          </a:p>
+          <a:p>
+            <a:pPr>
+              <a:lnSpc>
+                <a:spcPct val="107000"/>
+              </a:lnSpc>
+              <a:spcAft>
+                <a:spcPts val="800"/>
+              </a:spcAft>
+            </a:pPr>
+            <a:r>
+              <a:rPr lang="de-DE" sz="1200" dirty="0">
+                <a:effectLst/>
+                <a:latin typeface="+mn-lt"/>
+                <a:ea typeface="Calibri" panose="020F0502020204030204" pitchFamily="34" charset="0"/>
+                <a:cs typeface="Times New Roman" panose="02020603050405020304" pitchFamily="18" charset="0"/>
+              </a:rPr>
+              <a:t>Zu 2. Fehlermeldung wird ausgegeben, dass zu dem gewählten Begriff keine Informationen vorliegen.</a:t>
+            </a:r>
+          </a:p>
+          <a:p>
+            <a:pPr>
+              <a:lnSpc>
+                <a:spcPct val="107000"/>
+              </a:lnSpc>
+              <a:spcAft>
+                <a:spcPts val="800"/>
+              </a:spcAft>
+            </a:pPr>
+            <a:r>
+              <a:rPr lang="de-DE" sz="1200" dirty="0">
+                <a:effectLst/>
+                <a:latin typeface="+mn-lt"/>
+                <a:ea typeface="Calibri" panose="020F0502020204030204" pitchFamily="34" charset="0"/>
+                <a:cs typeface="Times New Roman" panose="02020603050405020304" pitchFamily="18" charset="0"/>
+              </a:rPr>
+              <a:t>Zu 3. Es wird der Fehler ausgegeben, dass der Server nicht erreichbar ist. Der Benutzer wird aufgefordert auszuwählen, ob er eine erneute Anfrage senden möchte. Wenn ja, wird die gleiche Anfrage erneut gesendet.</a:t>
+            </a:r>
+          </a:p>
+          <a:p>
+            <a:endParaRPr lang="de-DE" sz="1200" dirty="0">
+              <a:latin typeface="+mn-lt"/>
+            </a:endParaRPr>
+          </a:p>
+        </p:txBody>
+      </p:sp>
+      <p:sp>
+        <p:nvSpPr>
+          <p:cNvPr id="4" name="Foliennummernplatzhalter 3"/>
+          <p:cNvSpPr>
+            <a:spLocks noGrp="1"/>
+          </p:cNvSpPr>
+          <p:nvPr>
+            <p:ph type="sldNum" sz="quarter" idx="5"/>
+          </p:nvPr>
+        </p:nvSpPr>
+        <p:spPr/>
+        <p:txBody>
+          <a:bodyPr/>
+          <a:lstStyle/>
+          <a:p>
+            <a:fld id="{996E54E2-22E2-44C2-8C41-A992617FFD87}" type="slidenum">
+              <a:rPr lang="de-DE" smtClean="0"/>
+              <a:t>14</a:t>
+            </a:fld>
+            <a:endParaRPr lang="de-DE"/>
+          </a:p>
+        </p:txBody>
+      </p:sp>
+    </p:spTree>
+    <p:extLst>
+      <p:ext uri="{BB962C8B-B14F-4D97-AF65-F5344CB8AC3E}">
+        <p14:creationId xmlns:p14="http://schemas.microsoft.com/office/powerpoint/2010/main" val="3788024277"/>
+      </p:ext>
+    </p:extLst>
+  </p:cSld>
+  <p:clrMapOvr>
+    <a:masterClrMapping/>
+  </p:clrMapOvr>
+</p:notes>
+</file>
+
+<file path=ppt/notesSlides/notesSlide15.xml><?xml version="1.0" encoding="utf-8"?>
+<p:notes xmlns:a="http://schemas.openxmlformats.org/drawingml/2006/main" xmlns:r="http://schemas.openxmlformats.org/officeDocument/2006/relationships" xmlns:p="http://schemas.openxmlformats.org/presentationml/2006/main">
+  <p:cSld>
+    <p:spTree>
+      <p:nvGrpSpPr>
+        <p:cNvPr id="1" name=""/>
+        <p:cNvGrpSpPr/>
+        <p:nvPr/>
+      </p:nvGrpSpPr>
+      <p:grpSpPr>
+        <a:xfrm>
+          <a:off x="0" y="0"/>
+          <a:ext cx="0" cy="0"/>
+          <a:chOff x="0" y="0"/>
+          <a:chExt cx="0" cy="0"/>
+        </a:xfrm>
+      </p:grpSpPr>
+      <p:sp>
+        <p:nvSpPr>
+          <p:cNvPr id="2" name="Folienbildplatzhalter 1"/>
+          <p:cNvSpPr>
+            <a:spLocks noGrp="1" noRot="1" noChangeAspect="1"/>
+          </p:cNvSpPr>
+          <p:nvPr>
+            <p:ph type="sldImg"/>
+          </p:nvPr>
+        </p:nvSpPr>
+        <p:spPr/>
+      </p:sp>
+      <p:sp>
+        <p:nvSpPr>
+          <p:cNvPr id="3" name="Notizenplatzhalter 2"/>
+          <p:cNvSpPr>
+            <a:spLocks noGrp="1"/>
+          </p:cNvSpPr>
+          <p:nvPr>
+            <p:ph type="body" idx="1"/>
+          </p:nvPr>
+        </p:nvSpPr>
+        <p:spPr/>
+        <p:txBody>
+          <a:bodyPr/>
+          <a:lstStyle/>
+          <a:p>
+            <a:pPr>
+              <a:lnSpc>
+                <a:spcPct val="107000"/>
+              </a:lnSpc>
+              <a:spcAft>
+                <a:spcPts val="800"/>
+              </a:spcAft>
+            </a:pPr>
+            <a:r>
+              <a:rPr lang="de-DE" sz="1200" dirty="0" err="1">
+                <a:effectLst/>
+                <a:latin typeface="+mn-lt"/>
+                <a:ea typeface="Calibri" panose="020F0502020204030204" pitchFamily="34" charset="0"/>
+                <a:cs typeface="Times New Roman" panose="02020603050405020304" pitchFamily="18" charset="0"/>
+              </a:rPr>
+              <a:t>Fallback</a:t>
+            </a:r>
+            <a:r>
+              <a:rPr lang="de-DE" sz="1200" dirty="0">
+                <a:effectLst/>
+                <a:latin typeface="+mn-lt"/>
+                <a:ea typeface="Calibri" panose="020F0502020204030204" pitchFamily="34" charset="0"/>
+                <a:cs typeface="Times New Roman" panose="02020603050405020304" pitchFamily="18" charset="0"/>
+              </a:rPr>
+              <a:t>:</a:t>
+            </a:r>
+          </a:p>
+          <a:p>
+            <a:pPr>
+              <a:lnSpc>
+                <a:spcPct val="107000"/>
+              </a:lnSpc>
+              <a:spcAft>
+                <a:spcPts val="800"/>
+              </a:spcAft>
+            </a:pPr>
+            <a:r>
+              <a:rPr lang="de-DE" sz="1200" dirty="0">
+                <a:effectLst/>
+                <a:latin typeface="+mn-lt"/>
+                <a:ea typeface="Calibri" panose="020F0502020204030204" pitchFamily="34" charset="0"/>
+                <a:cs typeface="Times New Roman" panose="02020603050405020304" pitchFamily="18" charset="0"/>
+              </a:rPr>
+              <a:t>Zu 1. Fehlermeldung wird ausgegeben, dass zu dem gewählten Begriff keine Herkunftsinformationen vorliegen.</a:t>
+            </a:r>
+          </a:p>
+          <a:p>
+            <a:pPr>
+              <a:lnSpc>
+                <a:spcPct val="107000"/>
+              </a:lnSpc>
+              <a:spcAft>
+                <a:spcPts val="800"/>
+              </a:spcAft>
+            </a:pPr>
+            <a:r>
+              <a:rPr lang="de-DE" sz="1200" dirty="0">
+                <a:effectLst/>
+                <a:latin typeface="+mn-lt"/>
+                <a:ea typeface="Calibri" panose="020F0502020204030204" pitchFamily="34" charset="0"/>
+                <a:cs typeface="Times New Roman" panose="02020603050405020304" pitchFamily="18" charset="0"/>
+              </a:rPr>
+              <a:t>Zu 2. Es wird der Fehler ausgegeben, dass der Server nicht erreichbar ist. Der Benutzer wird aufgefordert auszuwählen,</a:t>
+            </a:r>
+            <a:br>
+              <a:rPr lang="de-DE" sz="1200" dirty="0">
+                <a:effectLst/>
+                <a:latin typeface="+mn-lt"/>
+                <a:ea typeface="Calibri" panose="020F0502020204030204" pitchFamily="34" charset="0"/>
+                <a:cs typeface="Times New Roman" panose="02020603050405020304" pitchFamily="18" charset="0"/>
+              </a:rPr>
+            </a:br>
+            <a:r>
+              <a:rPr lang="de-DE" sz="1200" dirty="0">
+                <a:effectLst/>
+                <a:latin typeface="+mn-lt"/>
+                <a:ea typeface="Calibri" panose="020F0502020204030204" pitchFamily="34" charset="0"/>
+                <a:cs typeface="Times New Roman" panose="02020603050405020304" pitchFamily="18" charset="0"/>
+              </a:rPr>
+              <a:t> ob er eine erneute Anfrage senden möchte. Wenn ja, wird die gleiche Anfrage erneut gesendet.</a:t>
+            </a:r>
+          </a:p>
+          <a:p>
+            <a:pPr>
+              <a:lnSpc>
+                <a:spcPct val="107000"/>
+              </a:lnSpc>
+              <a:spcAft>
+                <a:spcPts val="800"/>
+              </a:spcAft>
+            </a:pPr>
+            <a:r>
+              <a:rPr lang="de-DE" sz="1200" dirty="0">
+                <a:effectLst/>
+                <a:latin typeface="+mn-lt"/>
+                <a:ea typeface="Calibri" panose="020F0502020204030204" pitchFamily="34" charset="0"/>
+                <a:cs typeface="Times New Roman" panose="02020603050405020304" pitchFamily="18" charset="0"/>
+              </a:rPr>
+              <a:t>Zu 3. Es wird ein Fehler ausgegeben, dass die Karten API nicht erreichbar ist.</a:t>
+            </a:r>
+          </a:p>
+          <a:p>
+            <a:endParaRPr lang="de-DE" sz="1200" dirty="0">
+              <a:latin typeface="+mn-lt"/>
+            </a:endParaRPr>
+          </a:p>
+        </p:txBody>
+      </p:sp>
+      <p:sp>
+        <p:nvSpPr>
+          <p:cNvPr id="4" name="Foliennummernplatzhalter 3"/>
+          <p:cNvSpPr>
+            <a:spLocks noGrp="1"/>
+          </p:cNvSpPr>
+          <p:nvPr>
+            <p:ph type="sldNum" sz="quarter" idx="5"/>
+          </p:nvPr>
+        </p:nvSpPr>
+        <p:spPr/>
+        <p:txBody>
+          <a:bodyPr/>
+          <a:lstStyle/>
+          <a:p>
+            <a:fld id="{996E54E2-22E2-44C2-8C41-A992617FFD87}" type="slidenum">
+              <a:rPr lang="de-DE" smtClean="0"/>
+              <a:t>15</a:t>
+            </a:fld>
+            <a:endParaRPr lang="de-DE"/>
+          </a:p>
+        </p:txBody>
+      </p:sp>
+    </p:spTree>
+    <p:extLst>
+      <p:ext uri="{BB962C8B-B14F-4D97-AF65-F5344CB8AC3E}">
+        <p14:creationId xmlns:p14="http://schemas.microsoft.com/office/powerpoint/2010/main" val="2487908969"/>
+      </p:ext>
+    </p:extLst>
+  </p:cSld>
+  <p:clrMapOvr>
+    <a:masterClrMapping/>
+  </p:clrMapOvr>
+</p:notes>
+</file>
+
+<file path=ppt/notesSlides/notesSlide16.xml><?xml version="1.0" encoding="utf-8"?>
+<p:notes xmlns:a="http://schemas.openxmlformats.org/drawingml/2006/main" xmlns:r="http://schemas.openxmlformats.org/officeDocument/2006/relationships" xmlns:p="http://schemas.openxmlformats.org/presentationml/2006/main">
+  <p:cSld>
+    <p:spTree>
+      <p:nvGrpSpPr>
+        <p:cNvPr id="1" name=""/>
+        <p:cNvGrpSpPr/>
+        <p:nvPr/>
+      </p:nvGrpSpPr>
+      <p:grpSpPr>
+        <a:xfrm>
+          <a:off x="0" y="0"/>
+          <a:ext cx="0" cy="0"/>
+          <a:chOff x="0" y="0"/>
+          <a:chExt cx="0" cy="0"/>
+        </a:xfrm>
+      </p:grpSpPr>
+      <p:sp>
+        <p:nvSpPr>
+          <p:cNvPr id="2" name="Folienbildplatzhalter 1"/>
+          <p:cNvSpPr>
+            <a:spLocks noGrp="1" noRot="1" noChangeAspect="1"/>
+          </p:cNvSpPr>
+          <p:nvPr>
+            <p:ph type="sldImg"/>
+          </p:nvPr>
+        </p:nvSpPr>
+        <p:spPr/>
+      </p:sp>
+      <p:sp>
+        <p:nvSpPr>
+          <p:cNvPr id="3" name="Notizenplatzhalter 2"/>
+          <p:cNvSpPr>
+            <a:spLocks noGrp="1"/>
+          </p:cNvSpPr>
+          <p:nvPr>
+            <p:ph type="body" idx="1"/>
+          </p:nvPr>
+        </p:nvSpPr>
+        <p:spPr/>
+        <p:txBody>
+          <a:bodyPr/>
+          <a:lstStyle/>
+          <a:p>
+            <a:pPr>
+              <a:lnSpc>
+                <a:spcPct val="107000"/>
+              </a:lnSpc>
+              <a:spcAft>
+                <a:spcPts val="800"/>
+              </a:spcAft>
+            </a:pPr>
+            <a:r>
+              <a:rPr lang="de-DE" sz="1200" dirty="0" err="1">
+                <a:effectLst/>
+                <a:latin typeface="+mn-lt"/>
+                <a:ea typeface="Calibri" panose="020F0502020204030204" pitchFamily="34" charset="0"/>
+                <a:cs typeface="Times New Roman" panose="02020603050405020304" pitchFamily="18" charset="0"/>
+              </a:rPr>
+              <a:t>Fallback</a:t>
+            </a:r>
+            <a:r>
+              <a:rPr lang="de-DE" sz="1200" dirty="0">
+                <a:effectLst/>
+                <a:latin typeface="+mn-lt"/>
+                <a:ea typeface="Calibri" panose="020F0502020204030204" pitchFamily="34" charset="0"/>
+                <a:cs typeface="Times New Roman" panose="02020603050405020304" pitchFamily="18" charset="0"/>
+              </a:rPr>
+              <a:t>:</a:t>
+            </a:r>
+          </a:p>
+          <a:p>
+            <a:pPr>
+              <a:lnSpc>
+                <a:spcPct val="107000"/>
+              </a:lnSpc>
+              <a:spcAft>
+                <a:spcPts val="800"/>
+              </a:spcAft>
+            </a:pPr>
+            <a:r>
+              <a:rPr lang="de-DE" sz="1200" dirty="0">
+                <a:effectLst/>
+                <a:latin typeface="+mn-lt"/>
+                <a:ea typeface="Calibri" panose="020F0502020204030204" pitchFamily="34" charset="0"/>
+                <a:cs typeface="Times New Roman" panose="02020603050405020304" pitchFamily="18" charset="0"/>
+              </a:rPr>
+              <a:t>Zu 1. Fehlermeldung wird ausgegeben, dass die Berechnung nicht durchgeführt werden konnte, da die API nicht ansprechbar ist.</a:t>
+            </a:r>
+          </a:p>
+          <a:p>
+            <a:pPr>
+              <a:lnSpc>
+                <a:spcPct val="107000"/>
+              </a:lnSpc>
+              <a:spcAft>
+                <a:spcPts val="800"/>
+              </a:spcAft>
+            </a:pPr>
+            <a:r>
+              <a:rPr lang="de-DE" sz="1200" dirty="0">
+                <a:effectLst/>
+                <a:latin typeface="+mn-lt"/>
+                <a:ea typeface="Calibri" panose="020F0502020204030204" pitchFamily="34" charset="0"/>
+                <a:cs typeface="Times New Roman" panose="02020603050405020304" pitchFamily="18" charset="0"/>
+              </a:rPr>
+              <a:t>Zu 2. Es wird der Fehler ausgegeben, dass die Route nicht auf der Karte aufgrund eines Darstellungsfehlers angezeigt werden kann.</a:t>
+            </a:r>
+          </a:p>
+          <a:p>
+            <a:pPr>
+              <a:lnSpc>
+                <a:spcPct val="107000"/>
+              </a:lnSpc>
+              <a:spcAft>
+                <a:spcPts val="800"/>
+              </a:spcAft>
+            </a:pPr>
+            <a:r>
+              <a:rPr lang="de-DE" sz="1200" dirty="0">
+                <a:effectLst/>
+                <a:latin typeface="+mn-lt"/>
+                <a:ea typeface="Calibri" panose="020F0502020204030204" pitchFamily="34" charset="0"/>
+                <a:cs typeface="Times New Roman" panose="02020603050405020304" pitchFamily="18" charset="0"/>
+              </a:rPr>
+              <a:t>Zu 3. Es wird ein Fehler ausgegeben, dass es ein Darstellungsproblem mit mehreren Routen gibt.</a:t>
+            </a:r>
+          </a:p>
+          <a:p>
+            <a:endParaRPr lang="de-DE" sz="1200" dirty="0">
+              <a:latin typeface="+mn-lt"/>
+            </a:endParaRPr>
+          </a:p>
+        </p:txBody>
+      </p:sp>
+      <p:sp>
+        <p:nvSpPr>
+          <p:cNvPr id="4" name="Foliennummernplatzhalter 3"/>
+          <p:cNvSpPr>
+            <a:spLocks noGrp="1"/>
+          </p:cNvSpPr>
+          <p:nvPr>
+            <p:ph type="sldNum" sz="quarter" idx="5"/>
+          </p:nvPr>
+        </p:nvSpPr>
+        <p:spPr/>
+        <p:txBody>
+          <a:bodyPr/>
+          <a:lstStyle/>
+          <a:p>
+            <a:fld id="{996E54E2-22E2-44C2-8C41-A992617FFD87}" type="slidenum">
+              <a:rPr lang="de-DE" smtClean="0"/>
+              <a:t>16</a:t>
+            </a:fld>
+            <a:endParaRPr lang="de-DE"/>
+          </a:p>
+        </p:txBody>
+      </p:sp>
+    </p:spTree>
+    <p:extLst>
+      <p:ext uri="{BB962C8B-B14F-4D97-AF65-F5344CB8AC3E}">
+        <p14:creationId xmlns:p14="http://schemas.microsoft.com/office/powerpoint/2010/main" val="1922337617"/>
       </p:ext>
     </p:extLst>
   </p:cSld>
@@ -4363,12 +5396,12 @@
               <a:buFontTx/>
               <a:buNone/>
             </a:pPr>
-            <a:endParaRPr lang="de-DE" sz="1800" b="0" i="0" u="none" strike="noStrike" dirty="0">
+            <a:endParaRPr lang="de-DE" sz="1200" b="0" i="0" u="none" strike="noStrike" dirty="0">
               <a:solidFill>
                 <a:srgbClr val="000000"/>
               </a:solidFill>
               <a:effectLst/>
-              <a:latin typeface="Arial" panose="020B0604020202020204" pitchFamily="34" charset="0"/>
+              <a:latin typeface="+mn-lt"/>
             </a:endParaRPr>
           </a:p>
           <a:p>
@@ -4377,14 +5410,25 @@
               <a:buNone/>
             </a:pPr>
             <a:r>
-              <a:rPr lang="de-DE" sz="1800" b="0" i="0" u="none" strike="noStrike" dirty="0">
+              <a:rPr lang="de-DE" sz="1200" b="0" i="0" u="none" strike="noStrike" dirty="0">
                 <a:solidFill>
                   <a:srgbClr val="000000"/>
                 </a:solidFill>
                 <a:effectLst/>
-                <a:latin typeface="Arial" panose="020B0604020202020204" pitchFamily="34" charset="0"/>
+                <a:latin typeface="+mn-lt"/>
               </a:rPr>
-              <a:t>-   Nutzer gibt eine Obst- oder Gemüsesorte ein um diese zu untersuchen</a:t>
+              <a:t>-   </a:t>
+            </a:r>
+            <a:r>
+              <a:rPr lang="de-DE" sz="1200" b="0" i="0" u="none" strike="noStrike" dirty="0">
+                <a:solidFill>
+                  <a:srgbClr val="000000"/>
+                </a:solidFill>
+                <a:effectLst/>
+                <a:latin typeface="+mn-lt"/>
+                <a:cs typeface="Arial" panose="020B0604020202020204" pitchFamily="34" charset="0"/>
+              </a:rPr>
+              <a:t>Nutzer gibt eine Obst- oder Gemüsesorte ein um diese zu untersuchen</a:t>
             </a:r>
           </a:p>
           <a:p>
@@ -4393,12 +5437,13 @@
               <a:buChar char="-"/>
             </a:pPr>
             <a:r>
-              <a:rPr lang="de-DE" sz="1800" b="0" i="0" u="none" strike="noStrike" dirty="0">
+              <a:rPr lang="de-DE" sz="1200" b="0" i="0" u="none" strike="noStrike" dirty="0">
                 <a:solidFill>
                   <a:srgbClr val="000000"/>
                 </a:solidFill>
                 <a:effectLst/>
-                <a:latin typeface="Arial" panose="020B0604020202020204" pitchFamily="34" charset="0"/>
+                <a:latin typeface="+mn-lt"/>
+                <a:cs typeface="Arial" panose="020B0604020202020204" pitchFamily="34" charset="0"/>
               </a:rPr>
               <a:t>Applikation durchsucht Kalender um herauszufinden woher das zu diesem Zeitpunkt wahrscheinlich kommt</a:t>
             </a:r>
@@ -4409,12 +5454,13 @@
               <a:buChar char="-"/>
             </a:pPr>
             <a:r>
-              <a:rPr lang="de-DE" sz="1800" b="0" i="0" u="none" strike="noStrike" dirty="0">
+              <a:rPr lang="de-DE" sz="1200" b="0" i="0" u="none" strike="noStrike" dirty="0">
                 <a:solidFill>
                   <a:srgbClr val="000000"/>
                 </a:solidFill>
                 <a:effectLst/>
-                <a:latin typeface="Arial" panose="020B0604020202020204" pitchFamily="34" charset="0"/>
+                <a:latin typeface="+mn-lt"/>
+                <a:cs typeface="Arial" panose="020B0604020202020204" pitchFamily="34" charset="0"/>
               </a:rPr>
               <a:t>Applikation zeigt das Herkunftsland auf der Karte an und errechnet die Länge der Route</a:t>
             </a:r>
@@ -4425,12 +5471,13 @@
               <a:buChar char="-"/>
             </a:pPr>
             <a:r>
-              <a:rPr lang="de-DE" sz="1800" b="0" i="0" u="none" strike="noStrike" dirty="0">
+              <a:rPr lang="de-DE" sz="1200" b="0" i="0" u="none" strike="noStrike" dirty="0">
                 <a:solidFill>
                   <a:srgbClr val="000000"/>
                 </a:solidFill>
                 <a:effectLst/>
-                <a:latin typeface="Arial" panose="020B0604020202020204" pitchFamily="34" charset="0"/>
+                <a:latin typeface="+mn-lt"/>
+                <a:cs typeface="Arial" panose="020B0604020202020204" pitchFamily="34" charset="0"/>
               </a:rPr>
               <a:t>Diese wird auch visuell dargestellt </a:t>
             </a:r>
@@ -4441,12 +5488,13 @@
               <a:buChar char="-"/>
             </a:pPr>
             <a:r>
-              <a:rPr lang="de-DE" sz="1800" b="0" i="0" u="none" strike="noStrike" dirty="0">
+              <a:rPr lang="de-DE" sz="1200" b="0" i="0" u="none" strike="noStrike" dirty="0">
                 <a:solidFill>
                   <a:srgbClr val="000000"/>
                 </a:solidFill>
                 <a:effectLst/>
-                <a:latin typeface="Arial" panose="020B0604020202020204" pitchFamily="34" charset="0"/>
+                <a:latin typeface="+mn-lt"/>
+                <a:cs typeface="Arial" panose="020B0604020202020204" pitchFamily="34" charset="0"/>
               </a:rPr>
               <a:t>Falls das Produkt in Deutschland angebaut wird, wird dem Nutzer angezeigt, wann dieses saisonal ist</a:t>
             </a:r>
@@ -4457,7 +5505,10 @@
               <a:buChar char="-"/>
             </a:pPr>
             <a:r>
-              <a:rPr lang="de-DE" dirty="0"/>
+              <a:rPr lang="de-DE" sz="1200" dirty="0">
+                <a:latin typeface="+mn-lt"/>
+                <a:cs typeface="Arial" panose="020B0604020202020204" pitchFamily="34" charset="0"/>
+              </a:rPr>
               <a:t>Falls das Herkunftsland Deutschland ist, wird die Anbau- bzw. Lagerform bewertet und visuell dargestellt. Hier für wird ein Ampelsystem verwendet.</a:t>
             </a:r>
           </a:p>
@@ -4466,7 +5517,10 @@
               <a:buFontTx/>
               <a:buChar char="-"/>
             </a:pPr>
-            <a:endParaRPr lang="de-DE" dirty="0"/>
+            <a:endParaRPr lang="de-DE" sz="1200" dirty="0">
+              <a:latin typeface="+mn-lt"/>
+              <a:cs typeface="Arial" panose="020B0604020202020204" pitchFamily="34" charset="0"/>
+            </a:endParaRPr>
           </a:p>
           <a:p>
             <a:pPr marL="628650" lvl="1" indent="-171450">
@@ -4474,7 +5528,10 @@
               <a:buChar char="-"/>
             </a:pPr>
             <a:r>
-              <a:rPr lang="de-DE" dirty="0"/>
+              <a:rPr lang="de-DE" sz="1200" dirty="0">
+                <a:latin typeface="+mn-lt"/>
+                <a:cs typeface="Arial" panose="020B0604020202020204" pitchFamily="34" charset="0"/>
+              </a:rPr>
               <a:t>Nutzer kann auch Herkunftsländer vergleichen</a:t>
             </a:r>
           </a:p>
@@ -4484,7 +5541,10 @@
               <a:buChar char="-"/>
             </a:pPr>
             <a:r>
-              <a:rPr lang="de-DE" dirty="0"/>
+              <a:rPr lang="de-DE" sz="1200" dirty="0">
+                <a:latin typeface="+mn-lt"/>
+                <a:cs typeface="Arial" panose="020B0604020202020204" pitchFamily="34" charset="0"/>
+              </a:rPr>
               <a:t>Dazu gibt er diese ein und sie werden auf der Karte markiert sowie die Transportrouten eingezeichnet und ihre Länge errechnet</a:t>
             </a:r>
           </a:p>
@@ -4571,9 +5631,57 @@
           <a:lstStyle/>
           <a:p>
             <a:r>
-              <a:rPr lang="de-DE" dirty="0"/>
-              <a:t>Die Zielhierarchie wurde überarbeitet um das neue Projektvorhaben zu reflektieren. Hierbei wurde der Fokus darauf gelegt, das erhofft wird dass die Visualisierung der Transportrouten den Nutzer zum Nachdenken anregt. Die Präsentation eines Saisonkalenders zur gewählten Obst- oder Gemüsesorte soll zu einem Verzicht in den Monaten, in denen es nicht heimisch verfügbar ist anregen. Die Visualisierung der Anbaumethode soll die Nutzung von beheizten Gewächshäusern und plastikreichem geschützten Anbau mindern. </a:t>
-            </a:r>
+              <a:rPr lang="de-DE" sz="1200" dirty="0">
+                <a:effectLst/>
+                <a:latin typeface="+mn-lt"/>
+                <a:ea typeface="Calibri" panose="020F0502020204030204" pitchFamily="34" charset="0"/>
+              </a:rPr>
+              <a:t>Jetset Food bietet die Möglichkeit nach Eingabe von Obst Gemüse oder Herkunftsland eine Übersicht zur Saison des Produktes. Außerdem wird, falls das Produkt zum Zeitpunkt der Suche</a:t>
+            </a:r>
+          </a:p>
+          <a:p>
+            <a:r>
+              <a:rPr lang="de-DE" sz="1200" dirty="0">
+                <a:effectLst/>
+                <a:latin typeface="+mn-lt"/>
+              </a:rPr>
+              <a:t>nicht aus Deutschland kommt, das Importland mit der Route und Entfernung nach Deutschland auf einer Karte visualisiert. F</a:t>
+            </a:r>
+            <a:r>
+              <a:rPr lang="de-DE" sz="1200" b="0" i="0" u="none" strike="noStrike" dirty="0">
+                <a:solidFill>
+                  <a:srgbClr val="000000"/>
+                </a:solidFill>
+                <a:effectLst/>
+                <a:latin typeface="+mn-lt"/>
+              </a:rPr>
+              <a:t>alls das gesuchte Obst oder Gemüse zum Suchzeitpunkt aus</a:t>
+            </a:r>
+          </a:p>
+          <a:p>
+            <a:r>
+              <a:rPr lang="de-DE" sz="1200" b="0" i="0" u="none" strike="noStrike" dirty="0">
+                <a:solidFill>
+                  <a:srgbClr val="000000"/>
+                </a:solidFill>
+                <a:effectLst/>
+                <a:latin typeface="+mn-lt"/>
+              </a:rPr>
+              <a:t>Deutschland kommt, soll farblich markiert werden, ob es sich um Freiland-, Lager- oder Gewächshausware handelt</a:t>
+            </a:r>
+            <a:r>
+              <a:rPr lang="de-DE" sz="1200" b="0" i="0" u="none" strike="noStrike" dirty="0">
+                <a:solidFill>
+                  <a:srgbClr val="000000"/>
+                </a:solidFill>
+                <a:effectLst/>
+                <a:latin typeface="+mj-lt"/>
+              </a:rPr>
+              <a:t>.</a:t>
+            </a:r>
+            <a:endParaRPr lang="de-DE" sz="1200" dirty="0">
+              <a:latin typeface="+mj-lt"/>
+            </a:endParaRPr>
           </a:p>
         </p:txBody>
       </p:sp>
@@ -4592,7 +5700,7 @@
           <a:bodyPr/>
           <a:lstStyle/>
           <a:p>
-            <a:fld id="{548D7E64-8424-4764-AF7C-3E9336290528}" type="slidenum">
+            <a:fld id="{996E54E2-22E2-44C2-8C41-A992617FFD87}" type="slidenum">
               <a:rPr lang="de-DE" smtClean="0"/>
               <a:t>6</a:t>
             </a:fld>
@@ -4603,7 +5711,7 @@
     </p:spTree>
     <p:extLst>
       <p:ext uri="{BB962C8B-B14F-4D97-AF65-F5344CB8AC3E}">
-        <p14:creationId xmlns:p14="http://schemas.microsoft.com/office/powerpoint/2010/main" val="2632187078"/>
+        <p14:creationId xmlns:p14="http://schemas.microsoft.com/office/powerpoint/2010/main" val="23658927"/>
       </p:ext>
     </p:extLst>
   </p:cSld>
@@ -4657,168 +5765,10 @@
           <a:bodyPr/>
           <a:lstStyle/>
           <a:p>
-            <a:pPr marL="0" indent="0">
-              <a:buFontTx/>
-              <a:buNone/>
-            </a:pPr>
-            <a:r>
-              <a:rPr lang="de-DE" sz="1800" dirty="0">
-                <a:effectLst/>
-                <a:latin typeface="Arial" panose="020B0604020202020204" pitchFamily="34" charset="0"/>
-              </a:rPr>
-              <a:t>Anforderungen an das System</a:t>
-            </a:r>
-          </a:p>
-          <a:p>
-            <a:pPr marL="0" indent="0">
-              <a:buFontTx/>
-              <a:buNone/>
-            </a:pPr>
-            <a:r>
-              <a:rPr lang="de-DE" sz="1800" dirty="0">
-                <a:effectLst/>
-                <a:latin typeface="Arial" panose="020B0604020202020204" pitchFamily="34" charset="0"/>
-              </a:rPr>
-              <a:t>Sonderfall: gewähltes Produkt ist aus heimischem Anbau verfügbar.</a:t>
-            </a:r>
-          </a:p>
-          <a:p>
-            <a:pPr marL="171450" indent="-171450">
-              <a:buFontTx/>
-              <a:buChar char="-"/>
-            </a:pPr>
-            <a:endParaRPr lang="de-DE" sz="1800" dirty="0">
-              <a:effectLst/>
-              <a:latin typeface="Arial" panose="020B0604020202020204" pitchFamily="34" charset="0"/>
-            </a:endParaRPr>
-          </a:p>
-          <a:p>
-            <a:pPr marL="171450" indent="-171450">
-              <a:buFontTx/>
-              <a:buChar char="-"/>
-            </a:pPr>
-            <a:r>
-              <a:rPr lang="de-DE" sz="1800" dirty="0">
-                <a:effectLst/>
-                <a:latin typeface="Arial" panose="020B0604020202020204" pitchFamily="34" charset="0"/>
-              </a:rPr>
-              <a:t>Markierung von Deutschland als Anbauland</a:t>
-            </a:r>
-          </a:p>
-          <a:p>
-            <a:pPr marL="171450" indent="-171450">
-              <a:buFontTx/>
-              <a:buChar char="-"/>
-            </a:pPr>
-            <a:r>
-              <a:rPr lang="de-DE" sz="1800" dirty="0">
-                <a:effectLst/>
-                <a:latin typeface="Arial" panose="020B0604020202020204" pitchFamily="34" charset="0"/>
-              </a:rPr>
-              <a:t>Die Farbe der Markierung wird korrelierend zur Anbau- beziehungsweise Lagerart gewählt. Dabei wird ein Ampelsystem verwendet um dem Nutzer die Nachhaltigkeit der verwendeten Methode visuell zu vermitteln.</a:t>
-            </a:r>
-          </a:p>
-          <a:p>
-            <a:pPr marL="628650" lvl="1" indent="-171450">
-              <a:buFontTx/>
-              <a:buChar char="-"/>
-            </a:pPr>
-            <a:r>
-              <a:rPr lang="de-DE" sz="1800" dirty="0">
-                <a:effectLst/>
-                <a:latin typeface="Arial" panose="020B0604020202020204" pitchFamily="34" charset="0"/>
-              </a:rPr>
-              <a:t>Bei Anbau in einem beheizten Gewächshaus rot</a:t>
-            </a:r>
-          </a:p>
-          <a:p>
-            <a:pPr marL="628650" lvl="1" indent="-171450">
-              <a:buFontTx/>
-              <a:buChar char="-"/>
-            </a:pPr>
-            <a:r>
-              <a:rPr lang="de-DE" sz="1800" dirty="0">
-                <a:effectLst/>
-                <a:latin typeface="Arial" panose="020B0604020202020204" pitchFamily="34" charset="0"/>
-              </a:rPr>
-              <a:t>Bei geschütztem Anbau oder Lagerung gelb</a:t>
-            </a:r>
-          </a:p>
-          <a:p>
-            <a:pPr marL="628650" lvl="1" indent="-171450">
-              <a:buFontTx/>
-              <a:buChar char="-"/>
-            </a:pPr>
-            <a:r>
-              <a:rPr lang="de-DE" sz="1800" dirty="0">
-                <a:effectLst/>
-                <a:latin typeface="Arial" panose="020B0604020202020204" pitchFamily="34" charset="0"/>
-              </a:rPr>
-              <a:t>Bei Freiland Anbau grün </a:t>
-            </a:r>
-          </a:p>
-          <a:p>
-            <a:pPr marL="171450" indent="-171450">
-              <a:buFontTx/>
-              <a:buChar char="-"/>
-            </a:pPr>
-            <a:r>
-              <a:rPr lang="de-DE" sz="1800" dirty="0">
-                <a:effectLst/>
-                <a:latin typeface="Arial" panose="020B0604020202020204" pitchFamily="34" charset="0"/>
-              </a:rPr>
-              <a:t>Im Gegensatz zu importierter Ware wird keine Route berechnet</a:t>
-            </a:r>
-          </a:p>
-          <a:p>
-            <a:pPr marL="171450" indent="-171450">
-              <a:buFontTx/>
-              <a:buChar char="-"/>
-            </a:pPr>
-            <a:r>
-              <a:rPr lang="de-DE" sz="1800" dirty="0">
-                <a:effectLst/>
-                <a:latin typeface="Arial" panose="020B0604020202020204" pitchFamily="34" charset="0"/>
-              </a:rPr>
-              <a:t>Saisonkalender wird angezeigt in dem das Produkt unbedeckt draußen wächst</a:t>
-            </a:r>
-          </a:p>
-          <a:p>
-            <a:pPr marL="171450" indent="-171450">
-              <a:buFontTx/>
-              <a:buChar char="-"/>
-            </a:pPr>
-            <a:endParaRPr lang="de-DE" sz="1800" dirty="0">
-              <a:effectLst/>
-              <a:latin typeface="Arial" panose="020B0604020202020204" pitchFamily="34" charset="0"/>
-            </a:endParaRPr>
-          </a:p>
-          <a:p>
-            <a:pPr marL="171450" indent="-171450">
-              <a:buFontTx/>
-              <a:buChar char="-"/>
-            </a:pPr>
-            <a:endParaRPr lang="de-DE" sz="1800" dirty="0">
-              <a:effectLst/>
-              <a:latin typeface="Arial" panose="020B0604020202020204" pitchFamily="34" charset="0"/>
-            </a:endParaRPr>
-          </a:p>
-          <a:p>
-            <a:pPr marL="171450" indent="-171450">
-              <a:buFontTx/>
-              <a:buChar char="-"/>
-            </a:pPr>
-            <a:endParaRPr lang="de-DE" sz="1800" dirty="0">
-              <a:effectLst/>
-              <a:latin typeface="Arial" panose="020B0604020202020204" pitchFamily="34" charset="0"/>
-            </a:endParaRPr>
-          </a:p>
-          <a:p>
-            <a:pPr marL="171450" indent="-171450">
-              <a:buFontTx/>
-              <a:buChar char="-"/>
-            </a:pPr>
-            <a:endParaRPr lang="de-DE" dirty="0"/>
+            <a:r>
+              <a:rPr lang="de-DE" dirty="0"/>
+              <a:t>Die Zielhierarchie wurde überarbeitet um das neue Projektvorhaben zu reflektieren. Hierbei wurde der Fokus darauf gelegt, das erhofft wird dass die Visualisierung der Transportrouten den Nutzer zum Nachdenken anregt. Die Präsentation eines Saisonkalenders zur gewählten Obst- oder Gemüsesorte soll zu einem Verzicht in den Monaten, in denen es nicht heimisch verfügbar ist anregen. Die Visualisierung der Anbaumethode soll die Nutzung von beheizten Gewächshäusern und plastikreichem geschützten Anbau mindern. </a:t>
+            </a:r>
           </a:p>
         </p:txBody>
       </p:sp>
@@ -4837,7 +5787,7 @@
           <a:bodyPr/>
           <a:lstStyle/>
           <a:p>
-            <a:fld id="{996E54E2-22E2-44C2-8C41-A992617FFD87}" type="slidenum">
+            <a:fld id="{548D7E64-8424-4764-AF7C-3E9336290528}" type="slidenum">
               <a:rPr lang="de-DE" smtClean="0"/>
               <a:t>7</a:t>
             </a:fld>
@@ -4848,7 +5798,7 @@
     </p:spTree>
     <p:extLst>
       <p:ext uri="{BB962C8B-B14F-4D97-AF65-F5344CB8AC3E}">
-        <p14:creationId xmlns:p14="http://schemas.microsoft.com/office/powerpoint/2010/main" val="328635337"/>
+        <p14:creationId xmlns:p14="http://schemas.microsoft.com/office/powerpoint/2010/main" val="2632187078"/>
       </p:ext>
     </p:extLst>
   </p:cSld>
@@ -4902,19 +5852,170 @@
           <a:bodyPr/>
           <a:lstStyle/>
           <a:p>
-            <a:r>
-              <a:rPr lang="de-DE" dirty="0"/>
-              <a:t>Risiken</a:t>
-            </a:r>
-          </a:p>
-          <a:p>
-            <a:endParaRPr lang="de-DE" dirty="0"/>
-          </a:p>
-          <a:p>
-            <a:r>
-              <a:rPr lang="de-DE" dirty="0"/>
-              <a:t>Basierend auf den Anforderungen und den Zielen wurden Risiken identifiziert. Dabei wurden auch die möglichen Ursachen der Risiken betrachtet. Die Risiken dieser Folie beziehen sich auch Probleme der Datenbank, beziehungsweise der Kommunikation mit dieser. Dies wirkt sich auf die Verfügbarkeit der Daten aus.</a:t>
-            </a:r>
+            <a:pPr marL="0" indent="0">
+              <a:buFontTx/>
+              <a:buNone/>
+            </a:pPr>
+            <a:r>
+              <a:rPr lang="de-DE" sz="1200" dirty="0">
+                <a:effectLst/>
+                <a:latin typeface="+mn-lt"/>
+              </a:rPr>
+              <a:t>Anforderungen an das System</a:t>
+            </a:r>
+          </a:p>
+          <a:p>
+            <a:pPr marL="0" indent="0">
+              <a:buFontTx/>
+              <a:buNone/>
+            </a:pPr>
+            <a:r>
+              <a:rPr lang="de-DE" sz="1200" dirty="0">
+                <a:effectLst/>
+                <a:latin typeface="+mn-lt"/>
+              </a:rPr>
+              <a:t>Sonderfall: gewähltes Produkt ist aus heimischem Anbau verfügbar.</a:t>
+            </a:r>
+          </a:p>
+          <a:p>
+            <a:pPr marL="171450" indent="-171450">
+              <a:buFontTx/>
+              <a:buChar char="-"/>
+            </a:pPr>
+            <a:endParaRPr lang="de-DE" sz="1200" dirty="0">
+              <a:effectLst/>
+              <a:latin typeface="+mn-lt"/>
+            </a:endParaRPr>
+          </a:p>
+          <a:p>
+            <a:pPr marL="171450" indent="-171450">
+              <a:buFontTx/>
+              <a:buChar char="-"/>
+            </a:pPr>
+            <a:r>
+              <a:rPr lang="de-DE" sz="1200" dirty="0">
+                <a:effectLst/>
+                <a:latin typeface="+mn-lt"/>
+              </a:rPr>
+              <a:t>Markierung von Deutschland als Anbauland</a:t>
+            </a:r>
+          </a:p>
+          <a:p>
+            <a:pPr marL="171450" indent="-171450">
+              <a:buFontTx/>
+              <a:buChar char="-"/>
+            </a:pPr>
+            <a:r>
+              <a:rPr lang="de-DE" sz="1200" dirty="0">
+                <a:effectLst/>
+                <a:latin typeface="+mn-lt"/>
+              </a:rPr>
+              <a:t>Die Farbe der Markierung wird korrelierend zur Anbau- beziehungsweise Lagerart gewählt. Dabei wird ein Ampelsystem verwendet um dem Nutzer die Nachhaltigkeit der verwendeten Methode visuell zu vermitteln.</a:t>
+            </a:r>
+          </a:p>
+          <a:p>
+            <a:pPr marL="628650" lvl="1" indent="-171450">
+              <a:buFontTx/>
+              <a:buChar char="-"/>
+            </a:pPr>
+            <a:r>
+              <a:rPr lang="de-DE" sz="1200" dirty="0">
+                <a:effectLst/>
+                <a:latin typeface="+mn-lt"/>
+              </a:rPr>
+              <a:t>Bei Anbau in einem beheizten Gewächshaus rot</a:t>
+            </a:r>
+          </a:p>
+          <a:p>
+            <a:pPr marL="628650" lvl="1" indent="-171450">
+              <a:buFontTx/>
+              <a:buChar char="-"/>
+            </a:pPr>
+            <a:r>
+              <a:rPr lang="de-DE" sz="1200" dirty="0">
+                <a:effectLst/>
+                <a:latin typeface="+mn-lt"/>
+              </a:rPr>
+              <a:t>Bei geschütztem Anbau oder Lagerung gelb</a:t>
+            </a:r>
+          </a:p>
+          <a:p>
+            <a:pPr marL="628650" lvl="1" indent="-171450">
+              <a:buFontTx/>
+              <a:buChar char="-"/>
+            </a:pPr>
+            <a:r>
+              <a:rPr lang="de-DE" sz="1200" dirty="0">
+                <a:effectLst/>
+                <a:latin typeface="+mn-lt"/>
+              </a:rPr>
+              <a:t>Bei Freiland Anbau grün </a:t>
+            </a:r>
+          </a:p>
+          <a:p>
+            <a:pPr marL="171450" indent="-171450">
+              <a:buFontTx/>
+              <a:buChar char="-"/>
+            </a:pPr>
+            <a:r>
+              <a:rPr lang="de-DE" sz="1200" dirty="0">
+                <a:effectLst/>
+                <a:latin typeface="+mn-lt"/>
+              </a:rPr>
+              <a:t>Im Gegensatz zu importierter Ware wird keine Route berechnet</a:t>
+            </a:r>
+          </a:p>
+          <a:p>
+            <a:pPr marL="171450" indent="-171450">
+              <a:buFontTx/>
+              <a:buChar char="-"/>
+            </a:pPr>
+            <a:r>
+              <a:rPr lang="de-DE" sz="1200" dirty="0">
+                <a:effectLst/>
+                <a:latin typeface="+mn-lt"/>
+              </a:rPr>
+              <a:t>Saisonkalender wird angezeigt in dem das Produkt unbedeckt draußen wächst</a:t>
+            </a:r>
+          </a:p>
+          <a:p>
+            <a:pPr marL="171450" indent="-171450">
+              <a:buFontTx/>
+              <a:buChar char="-"/>
+            </a:pPr>
+            <a:endParaRPr lang="de-DE" sz="1200" dirty="0">
+              <a:effectLst/>
+              <a:latin typeface="+mn-lt"/>
+            </a:endParaRPr>
+          </a:p>
+          <a:p>
+            <a:pPr marL="171450" indent="-171450">
+              <a:buFontTx/>
+              <a:buChar char="-"/>
+            </a:pPr>
+            <a:endParaRPr lang="de-DE" sz="1200" dirty="0">
+              <a:effectLst/>
+              <a:latin typeface="+mn-lt"/>
+            </a:endParaRPr>
+          </a:p>
+          <a:p>
+            <a:pPr marL="171450" indent="-171450">
+              <a:buFontTx/>
+              <a:buChar char="-"/>
+            </a:pPr>
+            <a:endParaRPr lang="de-DE" sz="1200" dirty="0">
+              <a:effectLst/>
+              <a:latin typeface="+mn-lt"/>
+            </a:endParaRPr>
+          </a:p>
+          <a:p>
+            <a:pPr marL="171450" indent="-171450">
+              <a:buFontTx/>
+              <a:buChar char="-"/>
+            </a:pPr>
+            <a:endParaRPr lang="de-DE" sz="1200" dirty="0">
+              <a:latin typeface="+mn-lt"/>
+            </a:endParaRPr>
           </a:p>
         </p:txBody>
       </p:sp>
@@ -4944,7 +6045,7 @@
     </p:spTree>
     <p:extLst>
       <p:ext uri="{BB962C8B-B14F-4D97-AF65-F5344CB8AC3E}">
-        <p14:creationId xmlns:p14="http://schemas.microsoft.com/office/powerpoint/2010/main" val="23658927"/>
+        <p14:creationId xmlns:p14="http://schemas.microsoft.com/office/powerpoint/2010/main" val="328635337"/>
       </p:ext>
     </p:extLst>
   </p:cSld>
@@ -4998,10 +6099,182 @@
           <a:bodyPr/>
           <a:lstStyle/>
           <a:p>
-            <a:r>
-              <a:rPr lang="de-DE" dirty="0"/>
-              <a:t>Diese Risiken beziehen sich auf die Kommunikation mit den verwendeten APIs. Beispielsweise wirkt sich eine nicht ansprechbare Karten API kritisch auf die Applikation aus, da so keine Daten mehr visualisiert werden können. Außerdem sind hier Risiken ersichtlich, welche aus der Kommunikation zwischen unseren Anwendungsobjekten hervorgehen. Beispielsweise kann die Karte keine Informationen darstellen, wenn die Datenbank keiner hervorgibt. </a:t>
-            </a:r>
+            <a:pPr marL="342900" indent="-342900">
+              <a:lnSpc>
+                <a:spcPct val="107000"/>
+              </a:lnSpc>
+              <a:spcAft>
+                <a:spcPts val="800"/>
+              </a:spcAft>
+              <a:buAutoNum type="arabicPeriod"/>
+            </a:pPr>
+            <a:r>
+              <a:rPr lang="de-DE" sz="1200" dirty="0">
+                <a:effectLst/>
+                <a:latin typeface="+mn-lt"/>
+                <a:ea typeface="Calibri" panose="020F0502020204030204" pitchFamily="34" charset="0"/>
+                <a:cs typeface="Times New Roman" panose="02020603050405020304" pitchFamily="18" charset="0"/>
+              </a:rPr>
+              <a:t>Google Maps API:</a:t>
+            </a:r>
+            <a:br>
+              <a:rPr lang="de-DE" sz="1200" dirty="0">
+                <a:effectLst/>
+                <a:latin typeface="+mn-lt"/>
+                <a:ea typeface="Calibri" panose="020F0502020204030204" pitchFamily="34" charset="0"/>
+                <a:cs typeface="Times New Roman" panose="02020603050405020304" pitchFamily="18" charset="0"/>
+              </a:rPr>
+            </a:br>
+            <a:r>
+              <a:rPr lang="de-DE" sz="1200" dirty="0">
+                <a:effectLst/>
+                <a:latin typeface="+mn-lt"/>
+                <a:ea typeface="Calibri" panose="020F0502020204030204" pitchFamily="34" charset="0"/>
+              </a:rPr>
+              <a:t>Mit dem Maps SDK für Android lassen sich in einer App Google Maps Karten anzeigen. Mithilfe von API-Aufrufen lassen sich einer Basiskarte auch Markierungen, Polygone und Overlays hinzufügen und die Nutzeransicht eines bestimmten Kartenbereichs ändern.</a:t>
+            </a:r>
+            <a:br>
+              <a:rPr lang="de-DE" sz="1200" dirty="0">
+                <a:effectLst/>
+                <a:latin typeface="+mn-lt"/>
+                <a:ea typeface="Calibri" panose="020F0502020204030204" pitchFamily="34" charset="0"/>
+              </a:rPr>
+            </a:br>
+            <a:endParaRPr lang="de-DE" sz="1200" dirty="0">
+              <a:effectLst/>
+              <a:latin typeface="+mn-lt"/>
+              <a:ea typeface="Calibri" panose="020F0502020204030204" pitchFamily="34" charset="0"/>
+            </a:endParaRPr>
+          </a:p>
+          <a:p>
+            <a:pPr marL="342900" indent="-342900">
+              <a:lnSpc>
+                <a:spcPct val="107000"/>
+              </a:lnSpc>
+              <a:spcAft>
+                <a:spcPts val="800"/>
+              </a:spcAft>
+              <a:buAutoNum type="arabicPeriod"/>
+            </a:pPr>
+            <a:r>
+              <a:rPr lang="de-DE" sz="1200" dirty="0">
+                <a:effectLst/>
+                <a:latin typeface="+mn-lt"/>
+                <a:ea typeface="Calibri" panose="020F0502020204030204" pitchFamily="34" charset="0"/>
+                <a:cs typeface="Times New Roman" panose="02020603050405020304" pitchFamily="18" charset="0"/>
+              </a:rPr>
+              <a:t>WebGL Earth API</a:t>
+            </a:r>
+            <a:br>
+              <a:rPr lang="de-DE" sz="1200" dirty="0">
+                <a:effectLst/>
+                <a:latin typeface="+mn-lt"/>
+                <a:ea typeface="Calibri" panose="020F0502020204030204" pitchFamily="34" charset="0"/>
+                <a:cs typeface="Times New Roman" panose="02020603050405020304" pitchFamily="18" charset="0"/>
+              </a:rPr>
+            </a:br>
+            <a:r>
+              <a:rPr lang="de-DE" sz="1200" dirty="0">
+                <a:effectLst/>
+                <a:latin typeface="+mn-lt"/>
+                <a:ea typeface="Calibri" panose="020F0502020204030204" pitchFamily="34" charset="0"/>
+              </a:rPr>
+              <a:t>WebGL Earth ist ein virtueller Open-Source-Globus, der mit HTML5- und Canvas-WebGL-Technologie erstellt wurde. Dabei werden Funktionen wie Markierungen, Popups, Zentrieren und Fliegen zu einem Ort auf einem bestimmten Breiten- und Längengrad oder das Laden eigener Kartenebenen unterstützt.</a:t>
+            </a:r>
+            <a:br>
+              <a:rPr lang="de-DE" sz="1200" dirty="0">
+                <a:effectLst/>
+                <a:latin typeface="+mn-lt"/>
+                <a:ea typeface="Calibri" panose="020F0502020204030204" pitchFamily="34" charset="0"/>
+              </a:rPr>
+            </a:br>
+            <a:endParaRPr lang="de-DE" sz="1200" dirty="0">
+              <a:effectLst/>
+              <a:latin typeface="+mn-lt"/>
+              <a:ea typeface="Calibri" panose="020F0502020204030204" pitchFamily="34" charset="0"/>
+              <a:cs typeface="Times New Roman" panose="02020603050405020304" pitchFamily="18" charset="0"/>
+            </a:endParaRPr>
+          </a:p>
+          <a:p>
+            <a:pPr marL="342900" indent="-342900">
+              <a:lnSpc>
+                <a:spcPct val="107000"/>
+              </a:lnSpc>
+              <a:spcAft>
+                <a:spcPts val="800"/>
+              </a:spcAft>
+              <a:buAutoNum type="arabicPeriod"/>
+            </a:pPr>
+            <a:r>
+              <a:rPr lang="de-DE" sz="1200" dirty="0">
+                <a:effectLst/>
+                <a:latin typeface="+mn-lt"/>
+                <a:ea typeface="Calibri" panose="020F0502020204030204" pitchFamily="34" charset="0"/>
+              </a:rPr>
+              <a:t>Die Trimble MAPS-Entwicklungsplattform bietet Tools, die zum Erstellen von Routing- und Scheduling-, Visualisierungs- und Navigationsanwendungen benötigt werden, die speziell für Nutzfahrzeuge entwickelt wurden.</a:t>
+            </a:r>
+            <a:br>
+              <a:rPr lang="de-DE" sz="1200" dirty="0">
+                <a:effectLst/>
+                <a:latin typeface="+mn-lt"/>
+                <a:ea typeface="Calibri" panose="020F0502020204030204" pitchFamily="34" charset="0"/>
+                <a:cs typeface="Times New Roman" panose="02020603050405020304" pitchFamily="18" charset="0"/>
+              </a:rPr>
+            </a:br>
+            <a:endParaRPr lang="de-DE" sz="1200" dirty="0">
+              <a:effectLst/>
+              <a:latin typeface="+mn-lt"/>
+              <a:ea typeface="Calibri" panose="020F0502020204030204" pitchFamily="34" charset="0"/>
+              <a:cs typeface="Times New Roman" panose="02020603050405020304" pitchFamily="18" charset="0"/>
+            </a:endParaRPr>
+          </a:p>
+          <a:p>
+            <a:pPr>
+              <a:lnSpc>
+                <a:spcPct val="107000"/>
+              </a:lnSpc>
+              <a:spcAft>
+                <a:spcPts val="800"/>
+              </a:spcAft>
+            </a:pPr>
+            <a:endParaRPr lang="de-DE" sz="1200" dirty="0">
+              <a:effectLst/>
+              <a:latin typeface="+mn-lt"/>
+              <a:ea typeface="Calibri" panose="020F0502020204030204" pitchFamily="34" charset="0"/>
+              <a:cs typeface="Times New Roman" panose="02020603050405020304" pitchFamily="18" charset="0"/>
+            </a:endParaRPr>
+          </a:p>
+          <a:p>
+            <a:pPr>
+              <a:lnSpc>
+                <a:spcPct val="107000"/>
+              </a:lnSpc>
+              <a:spcAft>
+                <a:spcPts val="800"/>
+              </a:spcAft>
+            </a:pPr>
+            <a:endParaRPr lang="de-DE" sz="1200" dirty="0">
+              <a:effectLst/>
+              <a:latin typeface="+mn-lt"/>
+              <a:ea typeface="Calibri" panose="020F0502020204030204" pitchFamily="34" charset="0"/>
+              <a:cs typeface="Times New Roman" panose="02020603050405020304" pitchFamily="18" charset="0"/>
+            </a:endParaRPr>
+          </a:p>
+          <a:p>
+            <a:pPr>
+              <a:lnSpc>
+                <a:spcPct val="107000"/>
+              </a:lnSpc>
+              <a:spcAft>
+                <a:spcPts val="800"/>
+              </a:spcAft>
+            </a:pPr>
+            <a:endParaRPr lang="de-DE" sz="1200" dirty="0">
+              <a:effectLst/>
+              <a:latin typeface="+mn-lt"/>
+              <a:ea typeface="Calibri" panose="020F0502020204030204" pitchFamily="34" charset="0"/>
+              <a:cs typeface="Times New Roman" panose="02020603050405020304" pitchFamily="18" charset="0"/>
+            </a:endParaRPr>
           </a:p>
         </p:txBody>
       </p:sp>
@@ -5020,7 +6293,7 @@
           <a:bodyPr/>
           <a:lstStyle/>
           <a:p>
-            <a:fld id="{548D7E64-8424-4764-AF7C-3E9336290528}" type="slidenum">
+            <a:fld id="{996E54E2-22E2-44C2-8C41-A992617FFD87}" type="slidenum">
               <a:rPr lang="de-DE" smtClean="0"/>
               <a:t>9</a:t>
             </a:fld>
@@ -5031,7 +6304,7 @@
     </p:spTree>
     <p:extLst>
       <p:ext uri="{BB962C8B-B14F-4D97-AF65-F5344CB8AC3E}">
-        <p14:creationId xmlns:p14="http://schemas.microsoft.com/office/powerpoint/2010/main" val="2330331724"/>
+        <p14:creationId xmlns:p14="http://schemas.microsoft.com/office/powerpoint/2010/main" val="4112063162"/>
       </p:ext>
     </p:extLst>
   </p:cSld>
@@ -11807,7 +13080,7 @@
 </p:sld>
 </file>
 
-<file path=ppt/slides/slide2.xml><?xml version="1.0" encoding="utf-8"?>
+<file path=ppt/slides/slide10.xml><?xml version="1.0" encoding="utf-8"?>
 <p:sld xmlns:a="http://schemas.openxmlformats.org/drawingml/2006/main" xmlns:r="http://schemas.openxmlformats.org/officeDocument/2006/relationships" xmlns:p="http://schemas.openxmlformats.org/presentationml/2006/main">
   <p:cSld>
     <p:spTree>
@@ -11826,662 +13099,10 @@
       </p:grpSpPr>
       <p:sp>
         <p:nvSpPr>
-          <p:cNvPr id="2" name="Titel 1">
+          <p:cNvPr id="14" name="Text Placeholder 3">
             <a:extLst>
               <a:ext uri="{FF2B5EF4-FFF2-40B4-BE49-F238E27FC236}">
-                <a16:creationId xmlns:a16="http://schemas.microsoft.com/office/drawing/2014/main" id="{8475BCC0-135F-4CA9-B37E-482BE1CA6315}"/>
-              </a:ext>
-            </a:extLst>
-          </p:cNvPr>
-          <p:cNvSpPr>
-            <a:spLocks noGrp="1"/>
-          </p:cNvSpPr>
-          <p:nvPr>
-            <p:ph type="title"/>
-          </p:nvPr>
-        </p:nvSpPr>
-        <p:spPr/>
-        <p:txBody>
-          <a:bodyPr/>
-          <a:lstStyle/>
-          <a:p>
-            <a:r>
-              <a:rPr lang="de-DE" dirty="0"/>
-              <a:t>Inhalt</a:t>
-            </a:r>
-          </a:p>
-        </p:txBody>
-      </p:sp>
-      <p:sp>
-        <p:nvSpPr>
-          <p:cNvPr id="3" name="Inhaltsplatzhalter 2">
-            <a:extLst>
-              <a:ext uri="{FF2B5EF4-FFF2-40B4-BE49-F238E27FC236}">
-                <a16:creationId xmlns:a16="http://schemas.microsoft.com/office/drawing/2014/main" id="{846651E3-49CA-48DD-BB49-57EEFB3C47AA}"/>
-              </a:ext>
-            </a:extLst>
-          </p:cNvPr>
-          <p:cNvSpPr>
-            <a:spLocks noGrp="1"/>
-          </p:cNvSpPr>
-          <p:nvPr>
-            <p:ph sz="quarter" idx="12"/>
-          </p:nvPr>
-        </p:nvSpPr>
-        <p:spPr>
-          <a:xfrm>
-            <a:off x="904480" y="1042042"/>
-            <a:ext cx="8099823" cy="4320000"/>
-          </a:xfrm>
-        </p:spPr>
-        <p:txBody>
-          <a:bodyPr/>
-          <a:lstStyle/>
-          <a:p>
-            <a:pPr marL="457200" indent="-457200">
-              <a:lnSpc>
-                <a:spcPct val="150000"/>
-              </a:lnSpc>
-              <a:buAutoNum type="arabicPeriod"/>
-            </a:pPr>
-            <a:r>
-              <a:rPr lang="de-DE" dirty="0"/>
-              <a:t>Domänenmodell 6.0</a:t>
-            </a:r>
-          </a:p>
-          <a:p>
-            <a:pPr marL="457200" indent="-457200">
-              <a:lnSpc>
-                <a:spcPct val="150000"/>
-              </a:lnSpc>
-              <a:buAutoNum type="arabicPeriod"/>
-            </a:pPr>
-            <a:r>
-              <a:rPr lang="de-DE" dirty="0"/>
-              <a:t>Problemraum im Domänenmodell</a:t>
-            </a:r>
-          </a:p>
-          <a:p>
-            <a:pPr marL="457200" indent="-457200">
-              <a:lnSpc>
-                <a:spcPct val="150000"/>
-              </a:lnSpc>
-              <a:buAutoNum type="arabicPeriod"/>
-            </a:pPr>
-            <a:r>
-              <a:rPr lang="de-DE" dirty="0"/>
-              <a:t>Projektvorhaben</a:t>
-            </a:r>
-          </a:p>
-          <a:p>
-            <a:pPr marL="457200" indent="-457200">
-              <a:lnSpc>
-                <a:spcPct val="150000"/>
-              </a:lnSpc>
-              <a:buAutoNum type="arabicPeriod"/>
-            </a:pPr>
-            <a:r>
-              <a:rPr lang="de-DE" dirty="0"/>
-              <a:t>Zielhierarchie</a:t>
-            </a:r>
-          </a:p>
-          <a:p>
-            <a:pPr marL="457200" indent="-457200">
-              <a:lnSpc>
-                <a:spcPct val="150000"/>
-              </a:lnSpc>
-              <a:buAutoNum type="arabicPeriod"/>
-            </a:pPr>
-            <a:r>
-              <a:rPr lang="de-DE" dirty="0"/>
-              <a:t>Anforderungen</a:t>
-            </a:r>
-          </a:p>
-          <a:p>
-            <a:pPr marL="457200" indent="-457200">
-              <a:lnSpc>
-                <a:spcPct val="150000"/>
-              </a:lnSpc>
-              <a:buAutoNum type="arabicPeriod"/>
-            </a:pPr>
-            <a:r>
-              <a:rPr lang="de-DE" dirty="0"/>
-              <a:t>Risiken</a:t>
-            </a:r>
-            <a:br>
-              <a:rPr lang="de-DE" dirty="0"/>
-            </a:br>
-            <a:endParaRPr lang="de-DE" dirty="0"/>
-          </a:p>
-        </p:txBody>
-      </p:sp>
-      <p:sp>
-        <p:nvSpPr>
-          <p:cNvPr id="4" name="Textplatzhalter 3">
-            <a:extLst>
-              <a:ext uri="{FF2B5EF4-FFF2-40B4-BE49-F238E27FC236}">
-                <a16:creationId xmlns:a16="http://schemas.microsoft.com/office/drawing/2014/main" id="{2A1D29C1-3A2E-452B-8479-C5FE4A76E801}"/>
-              </a:ext>
-            </a:extLst>
-          </p:cNvPr>
-          <p:cNvSpPr>
-            <a:spLocks noGrp="1"/>
-          </p:cNvSpPr>
-          <p:nvPr>
-            <p:ph type="body" idx="13"/>
-          </p:nvPr>
-        </p:nvSpPr>
-        <p:spPr/>
-        <p:txBody>
-          <a:bodyPr/>
-          <a:lstStyle/>
-          <a:p>
-            <a:endParaRPr lang="de-DE"/>
-          </a:p>
-        </p:txBody>
-      </p:sp>
-      <p:sp>
-        <p:nvSpPr>
-          <p:cNvPr id="5" name="Datumsplatzhalter 4">
-            <a:extLst>
-              <a:ext uri="{FF2B5EF4-FFF2-40B4-BE49-F238E27FC236}">
-                <a16:creationId xmlns:a16="http://schemas.microsoft.com/office/drawing/2014/main" id="{A655B1CD-F493-4863-8398-BB9577CC48D9}"/>
-              </a:ext>
-            </a:extLst>
-          </p:cNvPr>
-          <p:cNvSpPr>
-            <a:spLocks noGrp="1"/>
-          </p:cNvSpPr>
-          <p:nvPr>
-            <p:ph type="dt" sz="half" idx="14"/>
-          </p:nvPr>
-        </p:nvSpPr>
-        <p:spPr/>
-        <p:txBody>
-          <a:bodyPr/>
-          <a:lstStyle/>
-          <a:p>
-            <a:pPr>
-              <a:defRPr/>
-            </a:pPr>
-            <a:r>
-              <a:rPr lang="de-DE" dirty="0"/>
-              <a:t>13.12.2020</a:t>
-            </a:r>
-          </a:p>
-        </p:txBody>
-      </p:sp>
-      <p:sp>
-        <p:nvSpPr>
-          <p:cNvPr id="6" name="Foliennummernplatzhalter 5">
-            <a:extLst>
-              <a:ext uri="{FF2B5EF4-FFF2-40B4-BE49-F238E27FC236}">
-                <a16:creationId xmlns:a16="http://schemas.microsoft.com/office/drawing/2014/main" id="{760264E3-E673-44A3-96C9-F94D0F4E6546}"/>
-              </a:ext>
-            </a:extLst>
-          </p:cNvPr>
-          <p:cNvSpPr>
-            <a:spLocks noGrp="1"/>
-          </p:cNvSpPr>
-          <p:nvPr>
-            <p:ph type="sldNum" sz="quarter" idx="15"/>
-          </p:nvPr>
-        </p:nvSpPr>
-        <p:spPr/>
-        <p:txBody>
-          <a:bodyPr/>
-          <a:lstStyle/>
-          <a:p>
-            <a:r>
-              <a:rPr lang="de-DE" altLang="de-DE"/>
-              <a:t>Seite </a:t>
-            </a:r>
-            <a:fld id="{2EA3F71B-B629-4275-81DB-BFC15E41567D}" type="slidenum">
-              <a:rPr lang="de-DE" altLang="de-DE" smtClean="0"/>
-              <a:pPr/>
-              <a:t>2</a:t>
-            </a:fld>
-            <a:endParaRPr lang="de-DE" altLang="de-DE"/>
-          </a:p>
-        </p:txBody>
-      </p:sp>
-    </p:spTree>
-    <p:extLst>
-      <p:ext uri="{BB962C8B-B14F-4D97-AF65-F5344CB8AC3E}">
-        <p14:creationId xmlns:p14="http://schemas.microsoft.com/office/powerpoint/2010/main" val="562758075"/>
-      </p:ext>
-    </p:extLst>
-  </p:cSld>
-  <p:clrMapOvr>
-    <a:masterClrMapping/>
-  </p:clrMapOvr>
-</p:sld>
-</file>
-
-<file path=ppt/slides/slide3.xml><?xml version="1.0" encoding="utf-8"?>
-<p:sld xmlns:a="http://schemas.openxmlformats.org/drawingml/2006/main" xmlns:r="http://schemas.openxmlformats.org/officeDocument/2006/relationships" xmlns:p="http://schemas.openxmlformats.org/presentationml/2006/main">
-  <p:cSld>
-    <p:spTree>
-      <p:nvGrpSpPr>
-        <p:cNvPr id="1" name=""/>
-        <p:cNvGrpSpPr/>
-        <p:nvPr/>
-      </p:nvGrpSpPr>
-      <p:grpSpPr>
-        <a:xfrm>
-          <a:off x="0" y="0"/>
-          <a:ext cx="0" cy="0"/>
-          <a:chOff x="0" y="0"/>
-          <a:chExt cx="0" cy="0"/>
-        </a:xfrm>
-      </p:grpSpPr>
-      <p:sp>
-        <p:nvSpPr>
-          <p:cNvPr id="2" name="Titel 1">
-            <a:extLst>
-              <a:ext uri="{FF2B5EF4-FFF2-40B4-BE49-F238E27FC236}">
-                <a16:creationId xmlns:a16="http://schemas.microsoft.com/office/drawing/2014/main" id="{667BF9FF-6353-437B-ACAD-53067525F154}"/>
-              </a:ext>
-            </a:extLst>
-          </p:cNvPr>
-          <p:cNvSpPr>
-            <a:spLocks noGrp="1"/>
-          </p:cNvSpPr>
-          <p:nvPr>
-            <p:ph type="title"/>
-          </p:nvPr>
-        </p:nvSpPr>
-        <p:spPr/>
-        <p:txBody>
-          <a:bodyPr/>
-          <a:lstStyle/>
-          <a:p>
-            <a:r>
-              <a:rPr lang="de-DE" dirty="0"/>
-              <a:t> Domänenmodell Iteration 6.0</a:t>
-            </a:r>
-          </a:p>
-        </p:txBody>
-      </p:sp>
-      <p:sp>
-        <p:nvSpPr>
-          <p:cNvPr id="4" name="Textplatzhalter 3">
-            <a:extLst>
-              <a:ext uri="{FF2B5EF4-FFF2-40B4-BE49-F238E27FC236}">
-                <a16:creationId xmlns:a16="http://schemas.microsoft.com/office/drawing/2014/main" id="{C0C627C8-8F86-4C59-B5B7-94F9F940C124}"/>
-              </a:ext>
-            </a:extLst>
-          </p:cNvPr>
-          <p:cNvSpPr>
-            <a:spLocks noGrp="1"/>
-          </p:cNvSpPr>
-          <p:nvPr>
-            <p:ph type="body" idx="13"/>
-          </p:nvPr>
-        </p:nvSpPr>
-        <p:spPr/>
-        <p:txBody>
-          <a:bodyPr/>
-          <a:lstStyle/>
-          <a:p>
-            <a:endParaRPr lang="de-DE"/>
-          </a:p>
-        </p:txBody>
-      </p:sp>
-      <p:sp>
-        <p:nvSpPr>
-          <p:cNvPr id="5" name="Datumsplatzhalter 4">
-            <a:extLst>
-              <a:ext uri="{FF2B5EF4-FFF2-40B4-BE49-F238E27FC236}">
-                <a16:creationId xmlns:a16="http://schemas.microsoft.com/office/drawing/2014/main" id="{BDF47542-F935-4305-A172-83C77FAFC432}"/>
-              </a:ext>
-            </a:extLst>
-          </p:cNvPr>
-          <p:cNvSpPr>
-            <a:spLocks noGrp="1"/>
-          </p:cNvSpPr>
-          <p:nvPr>
-            <p:ph type="dt" sz="half" idx="14"/>
-          </p:nvPr>
-        </p:nvSpPr>
-        <p:spPr/>
-        <p:txBody>
-          <a:bodyPr/>
-          <a:lstStyle/>
-          <a:p>
-            <a:pPr>
-              <a:defRPr/>
-            </a:pPr>
-            <a:fld id="{EEB36982-DFDB-46D3-B7A3-EB8965E21BD5}" type="datetime1">
-              <a:rPr lang="de-DE" smtClean="0"/>
-              <a:pPr>
-                <a:defRPr/>
-              </a:pPr>
-              <a:t>13.12.2020</a:t>
-            </a:fld>
-            <a:endParaRPr lang="de-DE" dirty="0"/>
-          </a:p>
-        </p:txBody>
-      </p:sp>
-      <p:sp>
-        <p:nvSpPr>
-          <p:cNvPr id="6" name="Foliennummernplatzhalter 5">
-            <a:extLst>
-              <a:ext uri="{FF2B5EF4-FFF2-40B4-BE49-F238E27FC236}">
-                <a16:creationId xmlns:a16="http://schemas.microsoft.com/office/drawing/2014/main" id="{A8CA6DC5-D23F-4B66-A638-3186DDBFC47F}"/>
-              </a:ext>
-            </a:extLst>
-          </p:cNvPr>
-          <p:cNvSpPr>
-            <a:spLocks noGrp="1"/>
-          </p:cNvSpPr>
-          <p:nvPr>
-            <p:ph type="sldNum" sz="quarter" idx="15"/>
-          </p:nvPr>
-        </p:nvSpPr>
-        <p:spPr/>
-        <p:txBody>
-          <a:bodyPr/>
-          <a:lstStyle/>
-          <a:p>
-            <a:r>
-              <a:rPr lang="de-DE" altLang="de-DE"/>
-              <a:t>Seite </a:t>
-            </a:r>
-            <a:fld id="{2EA3F71B-B629-4275-81DB-BFC15E41567D}" type="slidenum">
-              <a:rPr lang="de-DE" altLang="de-DE" smtClean="0"/>
-              <a:pPr/>
-              <a:t>3</a:t>
-            </a:fld>
-            <a:endParaRPr lang="de-DE" altLang="de-DE"/>
-          </a:p>
-        </p:txBody>
-      </p:sp>
-      <p:pic>
-        <p:nvPicPr>
-          <p:cNvPr id="12" name="Inhaltsplatzhalter 11">
-            <a:extLst>
-              <a:ext uri="{FF2B5EF4-FFF2-40B4-BE49-F238E27FC236}">
-                <a16:creationId xmlns:a16="http://schemas.microsoft.com/office/drawing/2014/main" id="{5D6F116A-36E5-436A-870A-3C846A4980C1}"/>
-              </a:ext>
-            </a:extLst>
-          </p:cNvPr>
-          <p:cNvPicPr>
-            <a:picLocks noGrp="1" noChangeAspect="1"/>
-          </p:cNvPicPr>
-          <p:nvPr>
-            <p:ph sz="quarter" idx="12"/>
-          </p:nvPr>
-        </p:nvPicPr>
-        <p:blipFill>
-          <a:blip r:embed="rId3"/>
-          <a:stretch>
-            <a:fillRect/>
-          </a:stretch>
-        </p:blipFill>
-        <p:spPr>
-          <a:xfrm>
-            <a:off x="2252630" y="1357313"/>
-            <a:ext cx="5403914" cy="4319587"/>
-          </a:xfrm>
-        </p:spPr>
-      </p:pic>
-    </p:spTree>
-    <p:extLst>
-      <p:ext uri="{BB962C8B-B14F-4D97-AF65-F5344CB8AC3E}">
-        <p14:creationId xmlns:p14="http://schemas.microsoft.com/office/powerpoint/2010/main" val="2326174757"/>
-      </p:ext>
-    </p:extLst>
-  </p:cSld>
-  <p:clrMapOvr>
-    <a:masterClrMapping/>
-  </p:clrMapOvr>
-</p:sld>
-</file>
-
-<file path=ppt/slides/slide4.xml><?xml version="1.0" encoding="utf-8"?>
-<p:sld xmlns:a="http://schemas.openxmlformats.org/drawingml/2006/main" xmlns:r="http://schemas.openxmlformats.org/officeDocument/2006/relationships" xmlns:p="http://schemas.openxmlformats.org/presentationml/2006/main">
-  <p:cSld>
-    <p:spTree>
-      <p:nvGrpSpPr>
-        <p:cNvPr id="1" name=""/>
-        <p:cNvGrpSpPr/>
-        <p:nvPr/>
-      </p:nvGrpSpPr>
-      <p:grpSpPr>
-        <a:xfrm>
-          <a:off x="0" y="0"/>
-          <a:ext cx="0" cy="0"/>
-          <a:chOff x="0" y="0"/>
-          <a:chExt cx="0" cy="0"/>
-        </a:xfrm>
-      </p:grpSpPr>
-      <p:sp>
-        <p:nvSpPr>
-          <p:cNvPr id="2" name="Titel 1">
-            <a:extLst>
-              <a:ext uri="{FF2B5EF4-FFF2-40B4-BE49-F238E27FC236}">
-                <a16:creationId xmlns:a16="http://schemas.microsoft.com/office/drawing/2014/main" id="{D67FCC20-48EA-4016-85BE-5D65C17FC55E}"/>
-              </a:ext>
-            </a:extLst>
-          </p:cNvPr>
-          <p:cNvSpPr>
-            <a:spLocks noGrp="1"/>
-          </p:cNvSpPr>
-          <p:nvPr>
-            <p:ph type="title"/>
-          </p:nvPr>
-        </p:nvSpPr>
-        <p:spPr>
-          <a:xfrm>
-            <a:off x="606645" y="591176"/>
-            <a:ext cx="8684817" cy="712482"/>
-          </a:xfrm>
-        </p:spPr>
-        <p:txBody>
-          <a:bodyPr/>
-          <a:lstStyle/>
-          <a:p>
-            <a:r>
-              <a:rPr lang="de-DE" dirty="0"/>
-              <a:t>Domänenmodell Iteration 6.0 – Problemraum</a:t>
-            </a:r>
-          </a:p>
-        </p:txBody>
-      </p:sp>
-      <p:sp>
-        <p:nvSpPr>
-          <p:cNvPr id="4" name="Textplatzhalter 3">
-            <a:extLst>
-              <a:ext uri="{FF2B5EF4-FFF2-40B4-BE49-F238E27FC236}">
-                <a16:creationId xmlns:a16="http://schemas.microsoft.com/office/drawing/2014/main" id="{7345B9D0-955A-491F-9B25-AACDDC738DDC}"/>
-              </a:ext>
-            </a:extLst>
-          </p:cNvPr>
-          <p:cNvSpPr>
-            <a:spLocks noGrp="1"/>
-          </p:cNvSpPr>
-          <p:nvPr>
-            <p:ph type="body" idx="13"/>
-          </p:nvPr>
-        </p:nvSpPr>
-        <p:spPr/>
-        <p:txBody>
-          <a:bodyPr/>
-          <a:lstStyle/>
-          <a:p>
-            <a:endParaRPr lang="de-DE"/>
-          </a:p>
-        </p:txBody>
-      </p:sp>
-      <p:sp>
-        <p:nvSpPr>
-          <p:cNvPr id="5" name="Datumsplatzhalter 4">
-            <a:extLst>
-              <a:ext uri="{FF2B5EF4-FFF2-40B4-BE49-F238E27FC236}">
-                <a16:creationId xmlns:a16="http://schemas.microsoft.com/office/drawing/2014/main" id="{C201DC32-8B6A-4689-864B-D0B7E1719C43}"/>
-              </a:ext>
-            </a:extLst>
-          </p:cNvPr>
-          <p:cNvSpPr>
-            <a:spLocks noGrp="1"/>
-          </p:cNvSpPr>
-          <p:nvPr>
-            <p:ph type="dt" sz="half" idx="14"/>
-          </p:nvPr>
-        </p:nvSpPr>
-        <p:spPr/>
-        <p:txBody>
-          <a:bodyPr/>
-          <a:lstStyle/>
-          <a:p>
-            <a:pPr>
-              <a:defRPr/>
-            </a:pPr>
-            <a:fld id="{EEB36982-DFDB-46D3-B7A3-EB8965E21BD5}" type="datetime1">
-              <a:rPr lang="de-DE" smtClean="0"/>
-              <a:pPr>
-                <a:defRPr/>
-              </a:pPr>
-              <a:t>13.12.2020</a:t>
-            </a:fld>
-            <a:endParaRPr lang="de-DE" dirty="0"/>
-          </a:p>
-        </p:txBody>
-      </p:sp>
-      <p:sp>
-        <p:nvSpPr>
-          <p:cNvPr id="6" name="Foliennummernplatzhalter 5">
-            <a:extLst>
-              <a:ext uri="{FF2B5EF4-FFF2-40B4-BE49-F238E27FC236}">
-                <a16:creationId xmlns:a16="http://schemas.microsoft.com/office/drawing/2014/main" id="{8F5DD5FE-0C64-47FC-8897-EA1077D442E7}"/>
-              </a:ext>
-            </a:extLst>
-          </p:cNvPr>
-          <p:cNvSpPr>
-            <a:spLocks noGrp="1"/>
-          </p:cNvSpPr>
-          <p:nvPr>
-            <p:ph type="sldNum" sz="quarter" idx="15"/>
-          </p:nvPr>
-        </p:nvSpPr>
-        <p:spPr/>
-        <p:txBody>
-          <a:bodyPr/>
-          <a:lstStyle/>
-          <a:p>
-            <a:r>
-              <a:rPr lang="de-DE" altLang="de-DE"/>
-              <a:t>Seite </a:t>
-            </a:r>
-            <a:fld id="{2EA3F71B-B629-4275-81DB-BFC15E41567D}" type="slidenum">
-              <a:rPr lang="de-DE" altLang="de-DE" smtClean="0"/>
-              <a:pPr/>
-              <a:t>4</a:t>
-            </a:fld>
-            <a:endParaRPr lang="de-DE" altLang="de-DE"/>
-          </a:p>
-        </p:txBody>
-      </p:sp>
-      <p:pic>
-        <p:nvPicPr>
-          <p:cNvPr id="9" name="Inhaltsplatzhalter 8">
-            <a:extLst>
-              <a:ext uri="{FF2B5EF4-FFF2-40B4-BE49-F238E27FC236}">
-                <a16:creationId xmlns:a16="http://schemas.microsoft.com/office/drawing/2014/main" id="{3C177268-22DA-4328-B4A1-95C39B4DBF8E}"/>
-              </a:ext>
-            </a:extLst>
-          </p:cNvPr>
-          <p:cNvPicPr>
-            <a:picLocks noGrp="1" noChangeAspect="1"/>
-          </p:cNvPicPr>
-          <p:nvPr>
-            <p:ph sz="quarter" idx="12"/>
-          </p:nvPr>
-        </p:nvPicPr>
-        <p:blipFill rotWithShape="1">
-          <a:blip r:embed="rId3"/>
-          <a:srcRect t="44873" r="12310"/>
-          <a:stretch/>
-        </p:blipFill>
-        <p:spPr>
-          <a:xfrm>
-            <a:off x="319486" y="1388589"/>
-            <a:ext cx="8505028" cy="4273854"/>
-          </a:xfrm>
-        </p:spPr>
-      </p:pic>
-    </p:spTree>
-    <p:extLst>
-      <p:ext uri="{BB962C8B-B14F-4D97-AF65-F5344CB8AC3E}">
-        <p14:creationId xmlns:p14="http://schemas.microsoft.com/office/powerpoint/2010/main" val="1016091697"/>
-      </p:ext>
-    </p:extLst>
-  </p:cSld>
-  <p:clrMapOvr>
-    <a:masterClrMapping/>
-  </p:clrMapOvr>
-</p:sld>
-</file>
-
-<file path=ppt/slides/slide5.xml><?xml version="1.0" encoding="utf-8"?>
-<p:sld xmlns:a="http://schemas.openxmlformats.org/drawingml/2006/main" xmlns:r="http://schemas.openxmlformats.org/officeDocument/2006/relationships" xmlns:p="http://schemas.openxmlformats.org/presentationml/2006/main">
-  <p:cSld>
-    <p:spTree>
-      <p:nvGrpSpPr>
-        <p:cNvPr id="1" name=""/>
-        <p:cNvGrpSpPr/>
-        <p:nvPr/>
-      </p:nvGrpSpPr>
-      <p:grpSpPr>
-        <a:xfrm>
-          <a:off x="0" y="0"/>
-          <a:ext cx="0" cy="0"/>
-          <a:chOff x="0" y="0"/>
-          <a:chExt cx="0" cy="0"/>
-        </a:xfrm>
-      </p:grpSpPr>
-      <p:sp>
-        <p:nvSpPr>
-          <p:cNvPr id="2" name="Titel 1">
-            <a:extLst>
-              <a:ext uri="{FF2B5EF4-FFF2-40B4-BE49-F238E27FC236}">
-                <a16:creationId xmlns:a16="http://schemas.microsoft.com/office/drawing/2014/main" id="{600579E8-8746-41A1-AECE-8D74AC809108}"/>
-              </a:ext>
-            </a:extLst>
-          </p:cNvPr>
-          <p:cNvSpPr>
-            <a:spLocks noGrp="1"/>
-          </p:cNvSpPr>
-          <p:nvPr>
-            <p:ph type="title"/>
-          </p:nvPr>
-        </p:nvSpPr>
-        <p:spPr>
-          <a:xfrm>
-            <a:off x="903291" y="520701"/>
-            <a:ext cx="8101012" cy="712482"/>
-          </a:xfrm>
-        </p:spPr>
-        <p:txBody>
-          <a:bodyPr wrap="square" anchor="t">
-            <a:normAutofit/>
-          </a:bodyPr>
-          <a:lstStyle/>
-          <a:p>
-            <a:r>
-              <a:rPr lang="de-DE" dirty="0"/>
-              <a:t>Projektvorhaben</a:t>
-            </a:r>
-          </a:p>
-        </p:txBody>
-      </p:sp>
-      <p:sp>
-        <p:nvSpPr>
-          <p:cNvPr id="21" name="Text Placeholder 3">
-            <a:extLst>
-              <a:ext uri="{FF2B5EF4-FFF2-40B4-BE49-F238E27FC236}">
-                <a16:creationId xmlns:a16="http://schemas.microsoft.com/office/drawing/2014/main" id="{D7023FE2-08DB-48A1-A341-02D4054F8E96}"/>
+                <a16:creationId xmlns:a16="http://schemas.microsoft.com/office/drawing/2014/main" id="{394F80CF-5040-4E69-9187-959B100C932C}"/>
               </a:ext>
             </a:extLst>
           </p:cNvPr>
@@ -12502,7 +13123,13 @@
           <a:bodyPr/>
           <a:lstStyle/>
           <a:p>
-            <a:endParaRPr lang="en-US"/>
+            <a:r>
+              <a:rPr lang="de-DE" dirty="0"/>
+              <a:t>Entwicklung der Nutzung der Verkehrsmittel</a:t>
+            </a:r>
+          </a:p>
+          <a:p>
+            <a:endParaRPr lang="en-US" dirty="0"/>
           </a:p>
         </p:txBody>
       </p:sp>
@@ -12511,7 +13138,7 @@
           <p:cNvPr id="5" name="Datumsplatzhalter 4">
             <a:extLst>
               <a:ext uri="{FF2B5EF4-FFF2-40B4-BE49-F238E27FC236}">
-                <a16:creationId xmlns:a16="http://schemas.microsoft.com/office/drawing/2014/main" id="{90573408-02CF-4051-A65D-76D88630959E}"/>
+                <a16:creationId xmlns:a16="http://schemas.microsoft.com/office/drawing/2014/main" id="{F67053C7-5C59-4E37-A624-686C22A5AEAD}"/>
               </a:ext>
             </a:extLst>
           </p:cNvPr>
@@ -12559,7 +13186,7 @@
           <p:cNvPr id="6" name="Foliennummernplatzhalter 5">
             <a:extLst>
               <a:ext uri="{FF2B5EF4-FFF2-40B4-BE49-F238E27FC236}">
-                <a16:creationId xmlns:a16="http://schemas.microsoft.com/office/drawing/2014/main" id="{8E92E07B-4B05-48DD-A3D3-ED7713EC2EE5}"/>
+                <a16:creationId xmlns:a16="http://schemas.microsoft.com/office/drawing/2014/main" id="{3A7D87EB-FF9B-4D77-943E-0A36403E28C3}"/>
               </a:ext>
             </a:extLst>
           </p:cNvPr>
@@ -12598,47 +13225,172 @@
                   <a:spcPts val="600"/>
                 </a:spcAft>
               </a:pPr>
-              <a:t>5</a:t>
+              <a:t>10</a:t>
             </a:fld>
             <a:endParaRPr lang="de-DE" altLang="de-DE"/>
           </a:p>
         </p:txBody>
       </p:sp>
-      <p:graphicFrame>
-        <p:nvGraphicFramePr>
-          <p:cNvPr id="12" name="Inhaltsplatzhalter 2">
+      <p:sp>
+        <p:nvSpPr>
+          <p:cNvPr id="2" name="Inhaltsplatzhalter 1">
             <a:extLst>
               <a:ext uri="{FF2B5EF4-FFF2-40B4-BE49-F238E27FC236}">
-                <a16:creationId xmlns:a16="http://schemas.microsoft.com/office/drawing/2014/main" id="{77935B02-5476-4DE3-A73B-EE2224EBC694}"/>
+                <a16:creationId xmlns:a16="http://schemas.microsoft.com/office/drawing/2014/main" id="{0FBE3455-B39C-47FE-9247-4297243E1B86}"/>
               </a:ext>
             </a:extLst>
           </p:cNvPr>
-          <p:cNvGraphicFramePr>
-            <a:graphicFrameLocks noGrp="1"/>
-          </p:cNvGraphicFramePr>
+          <p:cNvSpPr>
+            <a:spLocks noGrp="1"/>
+          </p:cNvSpPr>
           <p:nvPr>
             <p:ph sz="quarter" idx="12"/>
-            <p:extLst>
-              <p:ext uri="{D42A27DB-BD31-4B8C-83A1-F6EECF244321}">
-                <p14:modId xmlns:p14="http://schemas.microsoft.com/office/powerpoint/2010/main" val="431857054"/>
-              </p:ext>
-            </p:extLst>
-          </p:nvPr>
-        </p:nvGraphicFramePr>
-        <p:xfrm>
-          <a:off x="904878" y="1357313"/>
-          <a:ext cx="8099823" cy="4320000"/>
-        </p:xfrm>
-        <a:graphic>
-          <a:graphicData uri="http://schemas.openxmlformats.org/drawingml/2006/diagram">
-            <dgm:relIds xmlns:dgm="http://schemas.openxmlformats.org/drawingml/2006/diagram" xmlns:r="http://schemas.openxmlformats.org/officeDocument/2006/relationships" r:dm="rId3" r:lo="rId4" r:qs="rId5" r:cs="rId6"/>
-          </a:graphicData>
-        </a:graphic>
-      </p:graphicFrame>
+          </p:nvPr>
+        </p:nvSpPr>
+        <p:spPr>
+          <a:xfrm>
+            <a:off x="904879" y="1357312"/>
+            <a:ext cx="8097646" cy="5350557"/>
+          </a:xfrm>
+        </p:spPr>
+        <p:txBody>
+          <a:bodyPr/>
+          <a:lstStyle/>
+          <a:p>
+            <a:pPr marL="0" indent="0"/>
+            <a:endParaRPr lang="de-DE" dirty="0"/>
+          </a:p>
+          <a:p>
+            <a:pPr marL="0" indent="0"/>
+            <a:endParaRPr lang="de-DE" dirty="0"/>
+          </a:p>
+          <a:p>
+            <a:pPr marL="0" indent="0"/>
+            <a:endParaRPr lang="de-DE" dirty="0"/>
+          </a:p>
+          <a:p>
+            <a:pPr marL="0" indent="0"/>
+            <a:endParaRPr lang="de-DE" dirty="0"/>
+          </a:p>
+          <a:p>
+            <a:pPr marL="0" indent="0"/>
+            <a:endParaRPr lang="de-DE" dirty="0"/>
+          </a:p>
+          <a:p>
+            <a:pPr marL="0" indent="0"/>
+            <a:r>
+              <a:rPr lang="de-DE" dirty="0"/>
+              <a:t>Favorisierte API für das Projekt:</a:t>
+            </a:r>
+            <a:br>
+              <a:rPr lang="de-DE" dirty="0"/>
+            </a:br>
+            <a:br>
+              <a:rPr lang="de-DE" dirty="0"/>
+            </a:br>
+            <a:r>
+              <a:rPr lang="de-DE" b="1" dirty="0"/>
+              <a:t>Google Maps API</a:t>
+            </a:r>
+          </a:p>
+          <a:p>
+            <a:pPr marL="0" indent="0"/>
+            <a:endParaRPr lang="de-DE" dirty="0"/>
+          </a:p>
+          <a:p>
+            <a:pPr marL="0" indent="0"/>
+            <a:r>
+              <a:rPr lang="de-DE" dirty="0"/>
+              <a:t>In Verbindung mit Google Charts</a:t>
+            </a:r>
+          </a:p>
+        </p:txBody>
+      </p:sp>
+      <p:sp>
+        <p:nvSpPr>
+          <p:cNvPr id="9" name="Titel 1">
+            <a:extLst>
+              <a:ext uri="{FF2B5EF4-FFF2-40B4-BE49-F238E27FC236}">
+                <a16:creationId xmlns:a16="http://schemas.microsoft.com/office/drawing/2014/main" id="{38B0D0DE-40DB-44FA-8B55-63191DFD6C96}"/>
+              </a:ext>
+            </a:extLst>
+          </p:cNvPr>
+          <p:cNvSpPr>
+            <a:spLocks noGrp="1"/>
+          </p:cNvSpPr>
+          <p:nvPr>
+            <p:ph type="title"/>
+          </p:nvPr>
+        </p:nvSpPr>
+        <p:spPr>
+          <a:xfrm>
+            <a:off x="903289" y="520701"/>
+            <a:ext cx="8099235" cy="720871"/>
+          </a:xfrm>
+        </p:spPr>
+        <p:txBody>
+          <a:bodyPr/>
+          <a:lstStyle/>
+          <a:p>
+            <a:r>
+              <a:rPr lang="de-DE" dirty="0"/>
+              <a:t>API-Recherche</a:t>
+            </a:r>
+            <a:br>
+              <a:rPr lang="de-DE" sz="1800" b="1" kern="0" dirty="0">
+                <a:solidFill>
+                  <a:srgbClr val="2F5496"/>
+                </a:solidFill>
+                <a:effectLst/>
+                <a:latin typeface="Calibri Light" panose="020F0302020204030204" pitchFamily="34" charset="0"/>
+                <a:ea typeface="Times New Roman" panose="02020603050405020304" pitchFamily="18" charset="0"/>
+                <a:cs typeface="Times New Roman" panose="02020603050405020304" pitchFamily="18" charset="0"/>
+              </a:rPr>
+            </a:br>
+            <a:endParaRPr lang="de-DE" dirty="0"/>
+          </a:p>
+        </p:txBody>
+      </p:sp>
+      <p:pic>
+        <p:nvPicPr>
+          <p:cNvPr id="4" name="Grafik 3" descr="Karte mit Ortsmarkierung mit einfarbiger Füllung">
+            <a:extLst>
+              <a:ext uri="{FF2B5EF4-FFF2-40B4-BE49-F238E27FC236}">
+                <a16:creationId xmlns:a16="http://schemas.microsoft.com/office/drawing/2014/main" id="{B5047F57-38BE-4726-94E9-8BAF61EDAC59}"/>
+              </a:ext>
+            </a:extLst>
+          </p:cNvPr>
+          <p:cNvPicPr>
+            <a:picLocks noChangeAspect="1"/>
+          </p:cNvPicPr>
+          <p:nvPr/>
+        </p:nvPicPr>
+        <p:blipFill>
+          <a:blip r:embed="rId3">
+            <a:extLst>
+              <a:ext uri="{96DAC541-7B7A-43D3-8B79-37D633B846F1}">
+                <asvg:svgBlip xmlns:asvg="http://schemas.microsoft.com/office/drawing/2016/SVG/main" r:embed="rId4"/>
+              </a:ext>
+            </a:extLst>
+          </a:blip>
+          <a:stretch>
+            <a:fillRect/>
+          </a:stretch>
+        </p:blipFill>
+        <p:spPr>
+          <a:xfrm>
+            <a:off x="6362700" y="2971800"/>
+            <a:ext cx="914400" cy="914400"/>
+          </a:xfrm>
+          <a:prstGeom prst="rect">
+            <a:avLst/>
+          </a:prstGeom>
+        </p:spPr>
+      </p:pic>
     </p:spTree>
     <p:extLst>
       <p:ext uri="{BB962C8B-B14F-4D97-AF65-F5344CB8AC3E}">
-        <p14:creationId xmlns:p14="http://schemas.microsoft.com/office/powerpoint/2010/main" val="1696990409"/>
+        <p14:creationId xmlns:p14="http://schemas.microsoft.com/office/powerpoint/2010/main" val="2964769745"/>
       </p:ext>
     </p:extLst>
   </p:cSld>
@@ -12648,637 +13400,7 @@
 </p:sld>
 </file>
 
-<file path=ppt/slides/slide6.xml><?xml version="1.0" encoding="utf-8"?>
-<p:sld xmlns:a="http://schemas.openxmlformats.org/drawingml/2006/main" xmlns:r="http://schemas.openxmlformats.org/officeDocument/2006/relationships" xmlns:p="http://schemas.openxmlformats.org/presentationml/2006/main">
-  <p:cSld>
-    <p:spTree>
-      <p:nvGrpSpPr>
-        <p:cNvPr id="1" name=""/>
-        <p:cNvGrpSpPr/>
-        <p:nvPr/>
-      </p:nvGrpSpPr>
-      <p:grpSpPr>
-        <a:xfrm>
-          <a:off x="0" y="0"/>
-          <a:ext cx="0" cy="0"/>
-          <a:chOff x="0" y="0"/>
-          <a:chExt cx="0" cy="0"/>
-        </a:xfrm>
-      </p:grpSpPr>
-      <p:sp>
-        <p:nvSpPr>
-          <p:cNvPr id="2" name="Titel 1">
-            <a:extLst>
-              <a:ext uri="{FF2B5EF4-FFF2-40B4-BE49-F238E27FC236}">
-                <a16:creationId xmlns:a16="http://schemas.microsoft.com/office/drawing/2014/main" id="{2EA8692E-33B1-42DB-9E56-F5CA697621CC}"/>
-              </a:ext>
-            </a:extLst>
-          </p:cNvPr>
-          <p:cNvSpPr>
-            <a:spLocks noGrp="1"/>
-          </p:cNvSpPr>
-          <p:nvPr>
-            <p:ph type="title"/>
-          </p:nvPr>
-        </p:nvSpPr>
-        <p:spPr/>
-        <p:txBody>
-          <a:bodyPr/>
-          <a:lstStyle/>
-          <a:p>
-            <a:r>
-              <a:rPr lang="de-DE" dirty="0"/>
-              <a:t>Zielhierarchie</a:t>
-            </a:r>
-          </a:p>
-        </p:txBody>
-      </p:sp>
-      <p:sp>
-        <p:nvSpPr>
-          <p:cNvPr id="4" name="Textplatzhalter 3">
-            <a:extLst>
-              <a:ext uri="{FF2B5EF4-FFF2-40B4-BE49-F238E27FC236}">
-                <a16:creationId xmlns:a16="http://schemas.microsoft.com/office/drawing/2014/main" id="{BB208497-AA55-4F4D-9D93-877DFECEC032}"/>
-              </a:ext>
-            </a:extLst>
-          </p:cNvPr>
-          <p:cNvSpPr>
-            <a:spLocks noGrp="1"/>
-          </p:cNvSpPr>
-          <p:nvPr>
-            <p:ph type="body" idx="13"/>
-          </p:nvPr>
-        </p:nvSpPr>
-        <p:spPr/>
-        <p:txBody>
-          <a:bodyPr/>
-          <a:lstStyle/>
-          <a:p>
-            <a:endParaRPr lang="de-DE"/>
-          </a:p>
-        </p:txBody>
-      </p:sp>
-      <p:sp>
-        <p:nvSpPr>
-          <p:cNvPr id="5" name="Datumsplatzhalter 4">
-            <a:extLst>
-              <a:ext uri="{FF2B5EF4-FFF2-40B4-BE49-F238E27FC236}">
-                <a16:creationId xmlns:a16="http://schemas.microsoft.com/office/drawing/2014/main" id="{61D48287-EA8A-4645-B4F1-6B8FCD51C659}"/>
-              </a:ext>
-            </a:extLst>
-          </p:cNvPr>
-          <p:cNvSpPr>
-            <a:spLocks noGrp="1"/>
-          </p:cNvSpPr>
-          <p:nvPr>
-            <p:ph type="dt" sz="half" idx="14"/>
-          </p:nvPr>
-        </p:nvSpPr>
-        <p:spPr/>
-        <p:txBody>
-          <a:bodyPr/>
-          <a:lstStyle/>
-          <a:p>
-            <a:pPr>
-              <a:defRPr/>
-            </a:pPr>
-            <a:fld id="{EEB36982-DFDB-46D3-B7A3-EB8965E21BD5}" type="datetime1">
-              <a:rPr lang="de-DE" smtClean="0"/>
-              <a:pPr>
-                <a:defRPr/>
-              </a:pPr>
-              <a:t>13.12.2020</a:t>
-            </a:fld>
-            <a:endParaRPr lang="de-DE" dirty="0"/>
-          </a:p>
-        </p:txBody>
-      </p:sp>
-      <p:sp>
-        <p:nvSpPr>
-          <p:cNvPr id="6" name="Foliennummernplatzhalter 5">
-            <a:extLst>
-              <a:ext uri="{FF2B5EF4-FFF2-40B4-BE49-F238E27FC236}">
-                <a16:creationId xmlns:a16="http://schemas.microsoft.com/office/drawing/2014/main" id="{820B65C1-6737-45A2-9790-4F70AF9CC587}"/>
-              </a:ext>
-            </a:extLst>
-          </p:cNvPr>
-          <p:cNvSpPr>
-            <a:spLocks noGrp="1"/>
-          </p:cNvSpPr>
-          <p:nvPr>
-            <p:ph type="sldNum" sz="quarter" idx="15"/>
-          </p:nvPr>
-        </p:nvSpPr>
-        <p:spPr/>
-        <p:txBody>
-          <a:bodyPr/>
-          <a:lstStyle/>
-          <a:p>
-            <a:r>
-              <a:rPr lang="de-DE" altLang="de-DE"/>
-              <a:t>Seite </a:t>
-            </a:r>
-            <a:fld id="{2EA3F71B-B629-4275-81DB-BFC15E41567D}" type="slidenum">
-              <a:rPr lang="de-DE" altLang="de-DE" smtClean="0"/>
-              <a:pPr/>
-              <a:t>6</a:t>
-            </a:fld>
-            <a:endParaRPr lang="de-DE" altLang="de-DE"/>
-          </a:p>
-        </p:txBody>
-      </p:sp>
-      <p:pic>
-        <p:nvPicPr>
-          <p:cNvPr id="2050" name="Picture 2">
-            <a:hlinkClick r:id="rId3"/>
-            <a:extLst>
-              <a:ext uri="{FF2B5EF4-FFF2-40B4-BE49-F238E27FC236}">
-                <a16:creationId xmlns:a16="http://schemas.microsoft.com/office/drawing/2014/main" id="{888802DE-941B-4776-A517-F360A28B54B1}"/>
-              </a:ext>
-            </a:extLst>
-          </p:cNvPr>
-          <p:cNvPicPr>
-            <a:picLocks noGrp="1" noChangeAspect="1" noChangeArrowheads="1"/>
-          </p:cNvPicPr>
-          <p:nvPr>
-            <p:ph sz="quarter" idx="12"/>
-          </p:nvPr>
-        </p:nvPicPr>
-        <p:blipFill>
-          <a:blip r:embed="rId4">
-            <a:extLst>
-              <a:ext uri="{28A0092B-C50C-407E-A947-70E740481C1C}">
-                <a14:useLocalDpi xmlns:a14="http://schemas.microsoft.com/office/drawing/2010/main" val="0"/>
-              </a:ext>
-            </a:extLst>
-          </a:blip>
-          <a:srcRect/>
-          <a:stretch>
-            <a:fillRect/>
-          </a:stretch>
-        </p:blipFill>
-        <p:spPr bwMode="auto">
-          <a:xfrm>
-            <a:off x="1660677" y="968036"/>
-            <a:ext cx="5822645" cy="4958895"/>
-          </a:xfrm>
-          <a:prstGeom prst="rect">
-            <a:avLst/>
-          </a:prstGeom>
-          <a:noFill/>
-          <a:extLst>
-            <a:ext uri="{909E8E84-426E-40DD-AFC4-6F175D3DCCD1}">
-              <a14:hiddenFill xmlns:a14="http://schemas.microsoft.com/office/drawing/2010/main">
-                <a:solidFill>
-                  <a:srgbClr val="FFFFFF"/>
-                </a:solidFill>
-              </a14:hiddenFill>
-            </a:ext>
-          </a:extLst>
-        </p:spPr>
-      </p:pic>
-    </p:spTree>
-    <p:extLst>
-      <p:ext uri="{BB962C8B-B14F-4D97-AF65-F5344CB8AC3E}">
-        <p14:creationId xmlns:p14="http://schemas.microsoft.com/office/powerpoint/2010/main" val="932187765"/>
-      </p:ext>
-    </p:extLst>
-  </p:cSld>
-  <p:clrMapOvr>
-    <a:masterClrMapping/>
-  </p:clrMapOvr>
-</p:sld>
-</file>
-
-<file path=ppt/slides/slide7.xml><?xml version="1.0" encoding="utf-8"?>
-<p:sld xmlns:a="http://schemas.openxmlformats.org/drawingml/2006/main" xmlns:r="http://schemas.openxmlformats.org/officeDocument/2006/relationships" xmlns:p="http://schemas.openxmlformats.org/presentationml/2006/main">
-  <p:cSld>
-    <p:spTree>
-      <p:nvGrpSpPr>
-        <p:cNvPr id="1" name=""/>
-        <p:cNvGrpSpPr/>
-        <p:nvPr/>
-      </p:nvGrpSpPr>
-      <p:grpSpPr>
-        <a:xfrm>
-          <a:off x="0" y="0"/>
-          <a:ext cx="0" cy="0"/>
-          <a:chOff x="0" y="0"/>
-          <a:chExt cx="0" cy="0"/>
-        </a:xfrm>
-      </p:grpSpPr>
-      <p:sp>
-        <p:nvSpPr>
-          <p:cNvPr id="5" name="Textplatzhalter 4">
-            <a:extLst>
-              <a:ext uri="{FF2B5EF4-FFF2-40B4-BE49-F238E27FC236}">
-                <a16:creationId xmlns:a16="http://schemas.microsoft.com/office/drawing/2014/main" id="{D4940289-9821-4FAF-9364-CAC988AD1C07}"/>
-              </a:ext>
-            </a:extLst>
-          </p:cNvPr>
-          <p:cNvSpPr>
-            <a:spLocks noGrp="1"/>
-          </p:cNvSpPr>
-          <p:nvPr>
-            <p:ph type="body" idx="14"/>
-          </p:nvPr>
-        </p:nvSpPr>
-        <p:spPr/>
-        <p:txBody>
-          <a:bodyPr/>
-          <a:lstStyle/>
-          <a:p>
-            <a:endParaRPr lang="de-DE" dirty="0"/>
-          </a:p>
-        </p:txBody>
-      </p:sp>
-      <p:sp>
-        <p:nvSpPr>
-          <p:cNvPr id="6" name="Datumsplatzhalter 5">
-            <a:extLst>
-              <a:ext uri="{FF2B5EF4-FFF2-40B4-BE49-F238E27FC236}">
-                <a16:creationId xmlns:a16="http://schemas.microsoft.com/office/drawing/2014/main" id="{BA3A6EE1-C5F1-4C1A-A615-5D80DD7E58AA}"/>
-              </a:ext>
-            </a:extLst>
-          </p:cNvPr>
-          <p:cNvSpPr>
-            <a:spLocks noGrp="1"/>
-          </p:cNvSpPr>
-          <p:nvPr>
-            <p:ph type="dt" sz="half" idx="15"/>
-          </p:nvPr>
-        </p:nvSpPr>
-        <p:spPr/>
-        <p:txBody>
-          <a:bodyPr/>
-          <a:lstStyle/>
-          <a:p>
-            <a:pPr>
-              <a:defRPr/>
-            </a:pPr>
-            <a:fld id="{EF9E97B5-ADEC-4228-AA07-B3E7F753FA2F}" type="datetime1">
-              <a:rPr lang="de-DE" smtClean="0"/>
-              <a:pPr>
-                <a:defRPr/>
-              </a:pPr>
-              <a:t>13.12.2020</a:t>
-            </a:fld>
-            <a:endParaRPr lang="de-DE" dirty="0"/>
-          </a:p>
-        </p:txBody>
-      </p:sp>
-      <p:sp>
-        <p:nvSpPr>
-          <p:cNvPr id="7" name="Foliennummernplatzhalter 6">
-            <a:extLst>
-              <a:ext uri="{FF2B5EF4-FFF2-40B4-BE49-F238E27FC236}">
-                <a16:creationId xmlns:a16="http://schemas.microsoft.com/office/drawing/2014/main" id="{C71013DE-E6B6-4696-92E2-A4CF9D037828}"/>
-              </a:ext>
-            </a:extLst>
-          </p:cNvPr>
-          <p:cNvSpPr>
-            <a:spLocks noGrp="1"/>
-          </p:cNvSpPr>
-          <p:nvPr>
-            <p:ph type="sldNum" sz="quarter" idx="16"/>
-          </p:nvPr>
-        </p:nvSpPr>
-        <p:spPr/>
-        <p:txBody>
-          <a:bodyPr/>
-          <a:lstStyle/>
-          <a:p>
-            <a:r>
-              <a:rPr lang="de-DE" altLang="de-DE"/>
-              <a:t>Seite </a:t>
-            </a:r>
-            <a:fld id="{36728528-806D-48C0-8F82-155BED4B854C}" type="slidenum">
-              <a:rPr lang="de-DE" altLang="de-DE" smtClean="0"/>
-              <a:pPr/>
-              <a:t>7</a:t>
-            </a:fld>
-            <a:endParaRPr lang="de-DE" altLang="de-DE"/>
-          </a:p>
-        </p:txBody>
-      </p:sp>
-      <p:sp>
-        <p:nvSpPr>
-          <p:cNvPr id="13" name="Titel 1">
-            <a:extLst>
-              <a:ext uri="{FF2B5EF4-FFF2-40B4-BE49-F238E27FC236}">
-                <a16:creationId xmlns:a16="http://schemas.microsoft.com/office/drawing/2014/main" id="{0281576A-CB1E-4F26-A969-9646212D2A7C}"/>
-              </a:ext>
-            </a:extLst>
-          </p:cNvPr>
-          <p:cNvSpPr>
-            <a:spLocks noGrp="1"/>
-          </p:cNvSpPr>
-          <p:nvPr>
-            <p:ph type="title"/>
-          </p:nvPr>
-        </p:nvSpPr>
-        <p:spPr>
-          <a:xfrm>
-            <a:off x="903289" y="520701"/>
-            <a:ext cx="8099235" cy="720871"/>
-          </a:xfrm>
-        </p:spPr>
-        <p:txBody>
-          <a:bodyPr/>
-          <a:lstStyle/>
-          <a:p>
-            <a:r>
-              <a:rPr lang="de-DE" dirty="0"/>
-              <a:t>Anforderungen – Produkt auf Deutschland</a:t>
-            </a:r>
-          </a:p>
-        </p:txBody>
-      </p:sp>
-      <p:sp>
-        <p:nvSpPr>
-          <p:cNvPr id="9" name="Textfeld 8">
-            <a:extLst>
-              <a:ext uri="{FF2B5EF4-FFF2-40B4-BE49-F238E27FC236}">
-                <a16:creationId xmlns:a16="http://schemas.microsoft.com/office/drawing/2014/main" id="{211B41F4-865D-4C3B-BAF7-905BDF3A27CE}"/>
-              </a:ext>
-            </a:extLst>
-          </p:cNvPr>
-          <p:cNvSpPr txBox="1"/>
-          <p:nvPr/>
-        </p:nvSpPr>
-        <p:spPr>
-          <a:xfrm>
-            <a:off x="368300" y="924178"/>
-            <a:ext cx="8255000" cy="5416868"/>
-          </a:xfrm>
-          <a:prstGeom prst="rect">
-            <a:avLst/>
-          </a:prstGeom>
-          <a:noFill/>
-        </p:spPr>
-        <p:txBody>
-          <a:bodyPr wrap="square">
-            <a:spAutoFit/>
-          </a:bodyPr>
-          <a:lstStyle/>
-          <a:p>
-            <a:pPr marL="457200" indent="457200" rtl="0">
-              <a:spcBef>
-                <a:spcPts val="0"/>
-              </a:spcBef>
-              <a:spcAft>
-                <a:spcPts val="0"/>
-              </a:spcAft>
-            </a:pPr>
-            <a:br>
-              <a:rPr lang="de-DE" sz="1400" b="0" dirty="0">
-                <a:effectLst/>
-              </a:rPr>
-            </a:br>
-            <a:r>
-              <a:rPr lang="de-DE" sz="1600" b="0" i="0" u="none" strike="noStrike" dirty="0">
-                <a:solidFill>
-                  <a:srgbClr val="000000"/>
-                </a:solidFill>
-                <a:effectLst/>
-                <a:latin typeface="Arial" panose="020B0604020202020204" pitchFamily="34" charset="0"/>
-              </a:rPr>
-              <a:t>2.5.1 Das System muss die </a:t>
-            </a:r>
-            <a:r>
-              <a:rPr lang="de-DE" sz="1600" b="0" i="0" u="none" strike="noStrike" dirty="0" err="1">
-                <a:solidFill>
-                  <a:srgbClr val="000000"/>
-                </a:solidFill>
-                <a:effectLst/>
-                <a:latin typeface="Arial" panose="020B0604020202020204" pitchFamily="34" charset="0"/>
-              </a:rPr>
-              <a:t>Anbauart</a:t>
-            </a:r>
-            <a:r>
-              <a:rPr lang="de-DE" sz="1600" b="0" i="0" u="none" strike="noStrike" dirty="0">
-                <a:solidFill>
-                  <a:srgbClr val="000000"/>
-                </a:solidFill>
-                <a:effectLst/>
-                <a:latin typeface="Arial" panose="020B0604020202020204" pitchFamily="34" charset="0"/>
-              </a:rPr>
-              <a:t> aus dem Produktkalender auswählen</a:t>
-            </a:r>
-            <a:endParaRPr lang="de-DE" sz="1600" b="0" dirty="0">
-              <a:effectLst/>
-            </a:endParaRPr>
-          </a:p>
-          <a:p>
-            <a:pPr marL="457200" indent="457200" rtl="0">
-              <a:spcBef>
-                <a:spcPts val="0"/>
-              </a:spcBef>
-              <a:spcAft>
-                <a:spcPts val="0"/>
-              </a:spcAft>
-            </a:pPr>
-            <a:br>
-              <a:rPr lang="de-DE" sz="1600" b="0" dirty="0">
-                <a:effectLst/>
-              </a:rPr>
-            </a:br>
-            <a:r>
-              <a:rPr lang="de-DE" sz="1600" b="0" i="0" u="none" strike="noStrike" dirty="0">
-                <a:solidFill>
-                  <a:srgbClr val="000000"/>
-                </a:solidFill>
-                <a:effectLst/>
-                <a:latin typeface="Arial" panose="020B0604020202020204" pitchFamily="34" charset="0"/>
-              </a:rPr>
-              <a:t>2.5.2 Das System muss auf der Karte Deutschland markieren</a:t>
-            </a:r>
-            <a:endParaRPr lang="de-DE" sz="1600" b="0" dirty="0">
-              <a:effectLst/>
-            </a:endParaRPr>
-          </a:p>
-          <a:p>
-            <a:pPr marL="1371600" rtl="0">
-              <a:spcBef>
-                <a:spcPts val="0"/>
-              </a:spcBef>
-              <a:spcAft>
-                <a:spcPts val="0"/>
-              </a:spcAft>
-            </a:pPr>
-            <a:br>
-              <a:rPr lang="de-DE" sz="1600" b="0" dirty="0">
-                <a:effectLst/>
-              </a:rPr>
-            </a:br>
-            <a:r>
-              <a:rPr lang="de-DE" sz="1600" b="0" i="0" u="none" strike="noStrike" dirty="0">
-                <a:solidFill>
-                  <a:srgbClr val="000000"/>
-                </a:solidFill>
-                <a:effectLst/>
-                <a:latin typeface="Arial" panose="020B0604020202020204" pitchFamily="34" charset="0"/>
-              </a:rPr>
-              <a:t>2.5.2.1 Das System muss Deutschland auf der Karte rot markieren, wenn das Produkt in einem beheizten Gewächshaus angebaut wurde</a:t>
-            </a:r>
-            <a:endParaRPr lang="de-DE" sz="1600" b="0" dirty="0">
-              <a:effectLst/>
-            </a:endParaRPr>
-          </a:p>
-          <a:p>
-            <a:pPr marL="1371600" rtl="0">
-              <a:spcBef>
-                <a:spcPts val="0"/>
-              </a:spcBef>
-              <a:spcAft>
-                <a:spcPts val="0"/>
-              </a:spcAft>
-            </a:pPr>
-            <a:br>
-              <a:rPr lang="de-DE" sz="1600" b="0" dirty="0">
-                <a:effectLst/>
-              </a:rPr>
-            </a:br>
-            <a:r>
-              <a:rPr lang="de-DE" sz="1600" b="0" i="0" u="none" strike="noStrike" dirty="0">
-                <a:solidFill>
-                  <a:srgbClr val="000000"/>
-                </a:solidFill>
-                <a:effectLst/>
-                <a:latin typeface="Arial" panose="020B0604020202020204" pitchFamily="34" charset="0"/>
-              </a:rPr>
-              <a:t>2.5.2.2 Das System muss Deutschland gelb markieren, falls das Produkt aus dem Lager, einem unbeheizten Gewächshaus oder dem abgedeckten Anbau stammt</a:t>
-            </a:r>
-            <a:endParaRPr lang="de-DE" sz="1600" b="0" dirty="0">
-              <a:effectLst/>
-            </a:endParaRPr>
-          </a:p>
-          <a:p>
-            <a:pPr marL="1371600" rtl="0">
-              <a:spcBef>
-                <a:spcPts val="0"/>
-              </a:spcBef>
-              <a:spcAft>
-                <a:spcPts val="0"/>
-              </a:spcAft>
-            </a:pPr>
-            <a:br>
-              <a:rPr lang="de-DE" sz="1600" b="0" dirty="0">
-                <a:effectLst/>
-              </a:rPr>
-            </a:br>
-            <a:r>
-              <a:rPr lang="de-DE" sz="1600" b="0" i="0" u="none" strike="noStrike" dirty="0">
-                <a:solidFill>
-                  <a:srgbClr val="000000"/>
-                </a:solidFill>
-                <a:effectLst/>
-                <a:latin typeface="Arial" panose="020B0604020202020204" pitchFamily="34" charset="0"/>
-              </a:rPr>
-              <a:t>2.5.2.3 Das System muss Deutschland grün markieren, falls das Produkt aus Freilandanbau stammt</a:t>
-            </a:r>
-            <a:endParaRPr lang="de-DE" sz="1600" b="0" dirty="0">
-              <a:effectLst/>
-            </a:endParaRPr>
-          </a:p>
-          <a:p>
-            <a:pPr marL="914400" rtl="0">
-              <a:spcBef>
-                <a:spcPts val="0"/>
-              </a:spcBef>
-              <a:spcAft>
-                <a:spcPts val="0"/>
-              </a:spcAft>
-            </a:pPr>
-            <a:br>
-              <a:rPr lang="de-DE" sz="1600" b="0" dirty="0">
-                <a:effectLst/>
-              </a:rPr>
-            </a:br>
-            <a:r>
-              <a:rPr lang="de-DE" sz="1600" b="0" i="0" u="none" strike="noStrike" dirty="0">
-                <a:solidFill>
-                  <a:srgbClr val="000000"/>
-                </a:solidFill>
-                <a:effectLst/>
-                <a:latin typeface="Arial" panose="020B0604020202020204" pitchFamily="34" charset="0"/>
-              </a:rPr>
-              <a:t>2.5.3 Das System soll den Teil des Produktkalenders auswählen, in dem die </a:t>
-            </a:r>
-            <a:r>
-              <a:rPr lang="de-DE" sz="1600" b="0" i="0" u="none" strike="noStrike" dirty="0" err="1">
-                <a:solidFill>
-                  <a:srgbClr val="000000"/>
-                </a:solidFill>
-                <a:effectLst/>
-                <a:latin typeface="Arial" panose="020B0604020202020204" pitchFamily="34" charset="0"/>
-              </a:rPr>
-              <a:t>Anbauart</a:t>
-            </a:r>
-            <a:r>
-              <a:rPr lang="de-DE" sz="1600" b="0" i="0" u="none" strike="noStrike" dirty="0">
-                <a:solidFill>
-                  <a:srgbClr val="000000"/>
-                </a:solidFill>
-                <a:effectLst/>
-                <a:latin typeface="Arial" panose="020B0604020202020204" pitchFamily="34" charset="0"/>
-              </a:rPr>
-              <a:t> Freiland ist. </a:t>
-            </a:r>
-            <a:endParaRPr lang="de-DE" sz="1600" b="0" dirty="0">
-              <a:effectLst/>
-            </a:endParaRPr>
-          </a:p>
-          <a:p>
-            <a:pPr marL="914400" rtl="0">
-              <a:spcBef>
-                <a:spcPts val="0"/>
-              </a:spcBef>
-              <a:spcAft>
-                <a:spcPts val="0"/>
-              </a:spcAft>
-            </a:pPr>
-            <a:br>
-              <a:rPr lang="de-DE" sz="1600" b="0" dirty="0">
-                <a:effectLst/>
-              </a:rPr>
-            </a:br>
-            <a:r>
-              <a:rPr lang="de-DE" sz="1600" b="0" i="0" u="none" strike="noStrike" dirty="0">
-                <a:solidFill>
-                  <a:srgbClr val="000000"/>
-                </a:solidFill>
-                <a:effectLst/>
-                <a:latin typeface="Arial" panose="020B0604020202020204" pitchFamily="34" charset="0"/>
-              </a:rPr>
-              <a:t>2.5.4 Das System soll dem Nutzer diesen Teil des Produktkalenders präsentieren.</a:t>
-            </a:r>
-            <a:endParaRPr lang="de-DE" sz="1600" b="0" dirty="0">
-              <a:effectLst/>
-            </a:endParaRPr>
-          </a:p>
-          <a:p>
-            <a:br>
-              <a:rPr lang="de-DE" sz="1400" dirty="0"/>
-            </a:br>
-            <a:endParaRPr lang="de-DE" sz="1400" dirty="0"/>
-          </a:p>
-        </p:txBody>
-      </p:sp>
-    </p:spTree>
-    <p:extLst>
-      <p:ext uri="{BB962C8B-B14F-4D97-AF65-F5344CB8AC3E}">
-        <p14:creationId xmlns:p14="http://schemas.microsoft.com/office/powerpoint/2010/main" val="1384904578"/>
-      </p:ext>
-    </p:extLst>
-  </p:cSld>
-  <p:clrMapOvr>
-    <a:masterClrMapping/>
-  </p:clrMapOvr>
-</p:sld>
-</file>
-
-<file path=ppt/slides/slide8.xml><?xml version="1.0" encoding="utf-8"?>
+<file path=ppt/slides/slide11.xml><?xml version="1.0" encoding="utf-8"?>
 <p:sld xmlns:a="http://schemas.openxmlformats.org/drawingml/2006/main" xmlns:r="http://schemas.openxmlformats.org/officeDocument/2006/relationships" xmlns:p="http://schemas.openxmlformats.org/presentationml/2006/main">
   <p:cSld>
     <p:spTree>
@@ -13423,7 +13545,7 @@
                   <a:spcPts val="600"/>
                 </a:spcAft>
               </a:pPr>
-              <a:t>8</a:t>
+              <a:t>11</a:t>
             </a:fld>
             <a:endParaRPr lang="de-DE" altLang="de-DE"/>
           </a:p>
@@ -14303,7 +14425,7 @@
 </p:sld>
 </file>
 
-<file path=ppt/slides/slide9.xml><?xml version="1.0" encoding="utf-8"?>
+<file path=ppt/slides/slide12.xml><?xml version="1.0" encoding="utf-8"?>
 <p:sld xmlns:a="http://schemas.openxmlformats.org/drawingml/2006/main" xmlns:r="http://schemas.openxmlformats.org/officeDocument/2006/relationships" xmlns:p="http://schemas.openxmlformats.org/presentationml/2006/main">
   <p:cSld>
     <p:spTree>
@@ -15171,7 +15293,7 @@
             <a:fld id="{2EA3F71B-B629-4275-81DB-BFC15E41567D}" type="slidenum">
               <a:rPr lang="de-DE" altLang="de-DE" smtClean="0"/>
               <a:pPr/>
-              <a:t>9</a:t>
+              <a:t>12</a:t>
             </a:fld>
             <a:endParaRPr lang="de-DE" altLang="de-DE"/>
           </a:p>
@@ -15181,6 +15303,4179 @@
     <p:extLst>
       <p:ext uri="{BB962C8B-B14F-4D97-AF65-F5344CB8AC3E}">
         <p14:creationId xmlns:p14="http://schemas.microsoft.com/office/powerpoint/2010/main" val="102074954"/>
+      </p:ext>
+    </p:extLst>
+  </p:cSld>
+  <p:clrMapOvr>
+    <a:masterClrMapping/>
+  </p:clrMapOvr>
+</p:sld>
+</file>
+
+<file path=ppt/slides/slide13.xml><?xml version="1.0" encoding="utf-8"?>
+<p:sld xmlns:a="http://schemas.openxmlformats.org/drawingml/2006/main" xmlns:r="http://schemas.openxmlformats.org/officeDocument/2006/relationships" xmlns:p="http://schemas.openxmlformats.org/presentationml/2006/main">
+  <p:cSld>
+    <p:spTree>
+      <p:nvGrpSpPr>
+        <p:cNvPr id="1" name=""/>
+        <p:cNvGrpSpPr/>
+        <p:nvPr/>
+      </p:nvGrpSpPr>
+      <p:grpSpPr>
+        <a:xfrm>
+          <a:off x="0" y="0"/>
+          <a:ext cx="0" cy="0"/>
+          <a:chOff x="0" y="0"/>
+          <a:chExt cx="0" cy="0"/>
+        </a:xfrm>
+      </p:grpSpPr>
+      <p:sp>
+        <p:nvSpPr>
+          <p:cNvPr id="2" name="Titel 1">
+            <a:extLst>
+              <a:ext uri="{FF2B5EF4-FFF2-40B4-BE49-F238E27FC236}">
+                <a16:creationId xmlns:a16="http://schemas.microsoft.com/office/drawing/2014/main" id="{5741573C-BA01-4940-B62D-38CC7C7A8F45}"/>
+              </a:ext>
+            </a:extLst>
+          </p:cNvPr>
+          <p:cNvSpPr>
+            <a:spLocks noGrp="1"/>
+          </p:cNvSpPr>
+          <p:nvPr>
+            <p:ph type="title"/>
+          </p:nvPr>
+        </p:nvSpPr>
+        <p:spPr/>
+        <p:txBody>
+          <a:bodyPr/>
+          <a:lstStyle/>
+          <a:p>
+            <a:r>
+              <a:rPr lang="de-DE" dirty="0"/>
+              <a:t>Proof </a:t>
+            </a:r>
+            <a:r>
+              <a:rPr lang="de-DE" dirty="0" err="1"/>
+              <a:t>of</a:t>
+            </a:r>
+            <a:r>
+              <a:rPr lang="de-DE" dirty="0"/>
+              <a:t> Concept</a:t>
+            </a:r>
+          </a:p>
+        </p:txBody>
+      </p:sp>
+      <p:sp>
+        <p:nvSpPr>
+          <p:cNvPr id="3" name="Inhaltsplatzhalter 2">
+            <a:extLst>
+              <a:ext uri="{FF2B5EF4-FFF2-40B4-BE49-F238E27FC236}">
+                <a16:creationId xmlns:a16="http://schemas.microsoft.com/office/drawing/2014/main" id="{CD8BF139-A5E5-4412-B170-3BB6B91FC73D}"/>
+              </a:ext>
+            </a:extLst>
+          </p:cNvPr>
+          <p:cNvSpPr>
+            <a:spLocks noGrp="1"/>
+          </p:cNvSpPr>
+          <p:nvPr>
+            <p:ph sz="quarter" idx="12"/>
+          </p:nvPr>
+        </p:nvSpPr>
+        <p:spPr>
+          <a:xfrm>
+            <a:off x="893785" y="1104613"/>
+            <a:ext cx="8099823" cy="4320000"/>
+          </a:xfrm>
+        </p:spPr>
+        <p:txBody>
+          <a:bodyPr/>
+          <a:lstStyle/>
+          <a:p>
+            <a:pPr>
+              <a:lnSpc>
+                <a:spcPct val="107000"/>
+              </a:lnSpc>
+              <a:spcAft>
+                <a:spcPts val="800"/>
+              </a:spcAft>
+            </a:pPr>
+            <a:r>
+              <a:rPr lang="de-DE" sz="1800" b="1" dirty="0">
+                <a:effectLst/>
+                <a:latin typeface="Arial" panose="020B0604020202020204" pitchFamily="34" charset="0"/>
+                <a:ea typeface="Calibri" panose="020F0502020204030204" pitchFamily="34" charset="0"/>
+                <a:cs typeface="Times New Roman" panose="02020603050405020304" pitchFamily="18" charset="0"/>
+              </a:rPr>
+              <a:t>Eingabe</a:t>
+            </a:r>
+          </a:p>
+          <a:p>
+            <a:pPr>
+              <a:lnSpc>
+                <a:spcPct val="107000"/>
+              </a:lnSpc>
+              <a:spcAft>
+                <a:spcPts val="800"/>
+              </a:spcAft>
+            </a:pPr>
+            <a:r>
+              <a:rPr lang="de-DE" sz="1800" dirty="0">
+                <a:effectLst/>
+                <a:latin typeface="Arial" panose="020B0604020202020204" pitchFamily="34" charset="0"/>
+                <a:ea typeface="Calibri" panose="020F0502020204030204" pitchFamily="34" charset="0"/>
+                <a:cs typeface="Times New Roman" panose="02020603050405020304" pitchFamily="18" charset="0"/>
+              </a:rPr>
+              <a:t>Beschreibung:</a:t>
+            </a:r>
+          </a:p>
+          <a:p>
+            <a:pPr>
+              <a:lnSpc>
+                <a:spcPct val="107000"/>
+              </a:lnSpc>
+              <a:spcAft>
+                <a:spcPts val="800"/>
+              </a:spcAft>
+            </a:pPr>
+            <a:r>
+              <a:rPr lang="de-DE" sz="1800" dirty="0">
+                <a:effectLst/>
+                <a:latin typeface="Arial" panose="020B0604020202020204" pitchFamily="34" charset="0"/>
+                <a:ea typeface="Calibri" panose="020F0502020204030204" pitchFamily="34" charset="0"/>
+                <a:cs typeface="Times New Roman" panose="02020603050405020304" pitchFamily="18" charset="0"/>
+              </a:rPr>
+              <a:t>Der Benutzer gibt den gewünschten begriff in das Eingabefeld ein. Der Begriff wird erkannt und dass jeweils zum Begriff passende Datenblatt wird ausgegeben. </a:t>
+            </a:r>
+            <a:endParaRPr lang="de-DE" sz="1800" dirty="0">
+              <a:effectLst/>
+              <a:latin typeface="Calibri" panose="020F0502020204030204" pitchFamily="34" charset="0"/>
+              <a:ea typeface="Calibri" panose="020F0502020204030204" pitchFamily="34" charset="0"/>
+              <a:cs typeface="Times New Roman" panose="02020603050405020304" pitchFamily="18" charset="0"/>
+            </a:endParaRPr>
+          </a:p>
+          <a:p>
+            <a:pPr>
+              <a:lnSpc>
+                <a:spcPct val="107000"/>
+              </a:lnSpc>
+              <a:spcAft>
+                <a:spcPts val="800"/>
+              </a:spcAft>
+            </a:pPr>
+            <a:r>
+              <a:rPr lang="de-DE" sz="1800" dirty="0">
+                <a:effectLst/>
+                <a:latin typeface="Arial" panose="020B0604020202020204" pitchFamily="34" charset="0"/>
+                <a:ea typeface="Calibri" panose="020F0502020204030204" pitchFamily="34" charset="0"/>
+                <a:cs typeface="Times New Roman" panose="02020603050405020304" pitchFamily="18" charset="0"/>
+              </a:rPr>
+              <a:t> </a:t>
+            </a:r>
+            <a:endParaRPr lang="de-DE" sz="1800" dirty="0">
+              <a:effectLst/>
+              <a:latin typeface="Calibri" panose="020F0502020204030204" pitchFamily="34" charset="0"/>
+              <a:ea typeface="Calibri" panose="020F0502020204030204" pitchFamily="34" charset="0"/>
+              <a:cs typeface="Times New Roman" panose="02020603050405020304" pitchFamily="18" charset="0"/>
+            </a:endParaRPr>
+          </a:p>
+          <a:p>
+            <a:pPr>
+              <a:lnSpc>
+                <a:spcPct val="107000"/>
+              </a:lnSpc>
+              <a:spcAft>
+                <a:spcPts val="800"/>
+              </a:spcAft>
+            </a:pPr>
+            <a:r>
+              <a:rPr lang="de-DE" sz="1800" dirty="0">
+                <a:effectLst/>
+                <a:latin typeface="Arial" panose="020B0604020202020204" pitchFamily="34" charset="0"/>
+                <a:ea typeface="Calibri" panose="020F0502020204030204" pitchFamily="34" charset="0"/>
+                <a:cs typeface="Times New Roman" panose="02020603050405020304" pitchFamily="18" charset="0"/>
+              </a:rPr>
+              <a:t>Exit-Kriterien:</a:t>
+            </a:r>
+            <a:endParaRPr lang="de-DE" sz="1800" dirty="0">
+              <a:effectLst/>
+              <a:latin typeface="Calibri" panose="020F0502020204030204" pitchFamily="34" charset="0"/>
+              <a:ea typeface="Calibri" panose="020F0502020204030204" pitchFamily="34" charset="0"/>
+              <a:cs typeface="Times New Roman" panose="02020603050405020304" pitchFamily="18" charset="0"/>
+            </a:endParaRPr>
+          </a:p>
+          <a:p>
+            <a:pPr>
+              <a:lnSpc>
+                <a:spcPct val="107000"/>
+              </a:lnSpc>
+              <a:spcAft>
+                <a:spcPts val="800"/>
+              </a:spcAft>
+            </a:pPr>
+            <a:r>
+              <a:rPr lang="de-DE" sz="1800" dirty="0">
+                <a:effectLst/>
+                <a:latin typeface="Arial" panose="020B0604020202020204" pitchFamily="34" charset="0"/>
+                <a:ea typeface="Calibri" panose="020F0502020204030204" pitchFamily="34" charset="0"/>
+                <a:cs typeface="Times New Roman" panose="02020603050405020304" pitchFamily="18" charset="0"/>
+              </a:rPr>
+              <a:t>Der Benutzer hat den Begriff korrekt eingegeben und das entsprechende Datenblatt wurde ausgegeben.</a:t>
+            </a:r>
+            <a:endParaRPr lang="de-DE" sz="1800" dirty="0">
+              <a:effectLst/>
+              <a:latin typeface="Calibri" panose="020F0502020204030204" pitchFamily="34" charset="0"/>
+              <a:ea typeface="Calibri" panose="020F0502020204030204" pitchFamily="34" charset="0"/>
+              <a:cs typeface="Times New Roman" panose="02020603050405020304" pitchFamily="18" charset="0"/>
+            </a:endParaRPr>
+          </a:p>
+          <a:p>
+            <a:pPr>
+              <a:lnSpc>
+                <a:spcPct val="107000"/>
+              </a:lnSpc>
+              <a:spcAft>
+                <a:spcPts val="800"/>
+              </a:spcAft>
+            </a:pPr>
+            <a:r>
+              <a:rPr lang="de-DE" sz="1800" dirty="0">
+                <a:effectLst/>
+                <a:latin typeface="Arial" panose="020B0604020202020204" pitchFamily="34" charset="0"/>
+                <a:ea typeface="Calibri" panose="020F0502020204030204" pitchFamily="34" charset="0"/>
+                <a:cs typeface="Times New Roman" panose="02020603050405020304" pitchFamily="18" charset="0"/>
+              </a:rPr>
+              <a:t> Fail-Kriterien:</a:t>
+            </a:r>
+            <a:endParaRPr lang="de-DE" sz="1800" dirty="0">
+              <a:effectLst/>
+              <a:latin typeface="Calibri" panose="020F0502020204030204" pitchFamily="34" charset="0"/>
+              <a:ea typeface="Calibri" panose="020F0502020204030204" pitchFamily="34" charset="0"/>
+              <a:cs typeface="Times New Roman" panose="02020603050405020304" pitchFamily="18" charset="0"/>
+            </a:endParaRPr>
+          </a:p>
+          <a:p>
+            <a:pPr>
+              <a:lnSpc>
+                <a:spcPct val="107000"/>
+              </a:lnSpc>
+              <a:spcAft>
+                <a:spcPts val="800"/>
+              </a:spcAft>
+            </a:pPr>
+            <a:r>
+              <a:rPr lang="de-DE" sz="1800" dirty="0">
+                <a:effectLst/>
+                <a:latin typeface="Arial" panose="020B0604020202020204" pitchFamily="34" charset="0"/>
+                <a:ea typeface="Calibri" panose="020F0502020204030204" pitchFamily="34" charset="0"/>
+                <a:cs typeface="Times New Roman" panose="02020603050405020304" pitchFamily="18" charset="0"/>
+              </a:rPr>
+              <a:t>1. Der Benutzer hat den Begriff nicht korrekt eingegeben.</a:t>
+            </a:r>
+            <a:endParaRPr lang="de-DE" sz="1800" dirty="0">
+              <a:effectLst/>
+              <a:latin typeface="Calibri" panose="020F0502020204030204" pitchFamily="34" charset="0"/>
+              <a:ea typeface="Calibri" panose="020F0502020204030204" pitchFamily="34" charset="0"/>
+              <a:cs typeface="Times New Roman" panose="02020603050405020304" pitchFamily="18" charset="0"/>
+            </a:endParaRPr>
+          </a:p>
+          <a:p>
+            <a:pPr>
+              <a:lnSpc>
+                <a:spcPct val="107000"/>
+              </a:lnSpc>
+              <a:spcAft>
+                <a:spcPts val="800"/>
+              </a:spcAft>
+            </a:pPr>
+            <a:r>
+              <a:rPr lang="de-DE" sz="1800" dirty="0">
+                <a:effectLst/>
+                <a:latin typeface="Arial" panose="020B0604020202020204" pitchFamily="34" charset="0"/>
+                <a:ea typeface="Calibri" panose="020F0502020204030204" pitchFamily="34" charset="0"/>
+                <a:cs typeface="Times New Roman" panose="02020603050405020304" pitchFamily="18" charset="0"/>
+              </a:rPr>
+              <a:t>2. Der Begriff wurde nicht in der Datenbank gefunden.</a:t>
+            </a:r>
+            <a:endParaRPr lang="de-DE" sz="1800" dirty="0">
+              <a:effectLst/>
+              <a:latin typeface="Calibri" panose="020F0502020204030204" pitchFamily="34" charset="0"/>
+              <a:ea typeface="Calibri" panose="020F0502020204030204" pitchFamily="34" charset="0"/>
+              <a:cs typeface="Times New Roman" panose="02020603050405020304" pitchFamily="18" charset="0"/>
+            </a:endParaRPr>
+          </a:p>
+          <a:p>
+            <a:pPr>
+              <a:lnSpc>
+                <a:spcPct val="107000"/>
+              </a:lnSpc>
+              <a:spcAft>
+                <a:spcPts val="800"/>
+              </a:spcAft>
+            </a:pPr>
+            <a:r>
+              <a:rPr lang="de-DE" sz="1800" dirty="0">
+                <a:effectLst/>
+                <a:latin typeface="Arial" panose="020B0604020202020204" pitchFamily="34" charset="0"/>
+                <a:ea typeface="Calibri" panose="020F0502020204030204" pitchFamily="34" charset="0"/>
+                <a:cs typeface="Times New Roman" panose="02020603050405020304" pitchFamily="18" charset="0"/>
+              </a:rPr>
+              <a:t>3. Die Datenbank konnte nicht abgefragt werden.</a:t>
+            </a:r>
+            <a:endParaRPr lang="de-DE" sz="1800" dirty="0">
+              <a:effectLst/>
+              <a:latin typeface="Calibri" panose="020F0502020204030204" pitchFamily="34" charset="0"/>
+              <a:ea typeface="Calibri" panose="020F0502020204030204" pitchFamily="34" charset="0"/>
+              <a:cs typeface="Times New Roman" panose="02020603050405020304" pitchFamily="18" charset="0"/>
+            </a:endParaRPr>
+          </a:p>
+          <a:p>
+            <a:endParaRPr lang="de-DE" dirty="0"/>
+          </a:p>
+        </p:txBody>
+      </p:sp>
+      <p:sp>
+        <p:nvSpPr>
+          <p:cNvPr id="4" name="Textplatzhalter 3">
+            <a:extLst>
+              <a:ext uri="{FF2B5EF4-FFF2-40B4-BE49-F238E27FC236}">
+                <a16:creationId xmlns:a16="http://schemas.microsoft.com/office/drawing/2014/main" id="{2644B8E1-0535-464F-95F4-AEDB85065B17}"/>
+              </a:ext>
+            </a:extLst>
+          </p:cNvPr>
+          <p:cNvSpPr>
+            <a:spLocks noGrp="1"/>
+          </p:cNvSpPr>
+          <p:nvPr>
+            <p:ph type="body" idx="13"/>
+          </p:nvPr>
+        </p:nvSpPr>
+        <p:spPr/>
+        <p:txBody>
+          <a:bodyPr/>
+          <a:lstStyle/>
+          <a:p>
+            <a:endParaRPr lang="de-DE"/>
+          </a:p>
+        </p:txBody>
+      </p:sp>
+      <p:sp>
+        <p:nvSpPr>
+          <p:cNvPr id="5" name="Datumsplatzhalter 4">
+            <a:extLst>
+              <a:ext uri="{FF2B5EF4-FFF2-40B4-BE49-F238E27FC236}">
+                <a16:creationId xmlns:a16="http://schemas.microsoft.com/office/drawing/2014/main" id="{3B77FA45-AECA-448D-B8CD-440DBB3C0C35}"/>
+              </a:ext>
+            </a:extLst>
+          </p:cNvPr>
+          <p:cNvSpPr>
+            <a:spLocks noGrp="1"/>
+          </p:cNvSpPr>
+          <p:nvPr>
+            <p:ph type="dt" sz="half" idx="14"/>
+          </p:nvPr>
+        </p:nvSpPr>
+        <p:spPr/>
+        <p:txBody>
+          <a:bodyPr/>
+          <a:lstStyle/>
+          <a:p>
+            <a:pPr>
+              <a:defRPr/>
+            </a:pPr>
+            <a:fld id="{EEB36982-DFDB-46D3-B7A3-EB8965E21BD5}" type="datetime1">
+              <a:rPr lang="de-DE" smtClean="0"/>
+              <a:pPr>
+                <a:defRPr/>
+              </a:pPr>
+              <a:t>13.12.2020</a:t>
+            </a:fld>
+            <a:endParaRPr lang="de-DE" dirty="0"/>
+          </a:p>
+        </p:txBody>
+      </p:sp>
+      <p:sp>
+        <p:nvSpPr>
+          <p:cNvPr id="6" name="Foliennummernplatzhalter 5">
+            <a:extLst>
+              <a:ext uri="{FF2B5EF4-FFF2-40B4-BE49-F238E27FC236}">
+                <a16:creationId xmlns:a16="http://schemas.microsoft.com/office/drawing/2014/main" id="{90D2FB82-699F-401C-8AFB-8F3D1AA2FC5E}"/>
+              </a:ext>
+            </a:extLst>
+          </p:cNvPr>
+          <p:cNvSpPr>
+            <a:spLocks noGrp="1"/>
+          </p:cNvSpPr>
+          <p:nvPr>
+            <p:ph type="sldNum" sz="quarter" idx="15"/>
+          </p:nvPr>
+        </p:nvSpPr>
+        <p:spPr/>
+        <p:txBody>
+          <a:bodyPr/>
+          <a:lstStyle/>
+          <a:p>
+            <a:r>
+              <a:rPr lang="de-DE" altLang="de-DE"/>
+              <a:t>Seite </a:t>
+            </a:r>
+            <a:fld id="{2EA3F71B-B629-4275-81DB-BFC15E41567D}" type="slidenum">
+              <a:rPr lang="de-DE" altLang="de-DE" smtClean="0"/>
+              <a:pPr/>
+              <a:t>13</a:t>
+            </a:fld>
+            <a:endParaRPr lang="de-DE" altLang="de-DE"/>
+          </a:p>
+        </p:txBody>
+      </p:sp>
+    </p:spTree>
+    <p:extLst>
+      <p:ext uri="{BB962C8B-B14F-4D97-AF65-F5344CB8AC3E}">
+        <p14:creationId xmlns:p14="http://schemas.microsoft.com/office/powerpoint/2010/main" val="2101028264"/>
+      </p:ext>
+    </p:extLst>
+  </p:cSld>
+  <p:clrMapOvr>
+    <a:masterClrMapping/>
+  </p:clrMapOvr>
+</p:sld>
+</file>
+
+<file path=ppt/slides/slide14.xml><?xml version="1.0" encoding="utf-8"?>
+<p:sld xmlns:a="http://schemas.openxmlformats.org/drawingml/2006/main" xmlns:r="http://schemas.openxmlformats.org/officeDocument/2006/relationships" xmlns:p="http://schemas.openxmlformats.org/presentationml/2006/main">
+  <p:cSld>
+    <p:spTree>
+      <p:nvGrpSpPr>
+        <p:cNvPr id="1" name=""/>
+        <p:cNvGrpSpPr/>
+        <p:nvPr/>
+      </p:nvGrpSpPr>
+      <p:grpSpPr>
+        <a:xfrm>
+          <a:off x="0" y="0"/>
+          <a:ext cx="0" cy="0"/>
+          <a:chOff x="0" y="0"/>
+          <a:chExt cx="0" cy="0"/>
+        </a:xfrm>
+      </p:grpSpPr>
+      <p:sp>
+        <p:nvSpPr>
+          <p:cNvPr id="2" name="Titel 1">
+            <a:extLst>
+              <a:ext uri="{FF2B5EF4-FFF2-40B4-BE49-F238E27FC236}">
+                <a16:creationId xmlns:a16="http://schemas.microsoft.com/office/drawing/2014/main" id="{5741573C-BA01-4940-B62D-38CC7C7A8F45}"/>
+              </a:ext>
+            </a:extLst>
+          </p:cNvPr>
+          <p:cNvSpPr>
+            <a:spLocks noGrp="1"/>
+          </p:cNvSpPr>
+          <p:nvPr>
+            <p:ph type="title"/>
+          </p:nvPr>
+        </p:nvSpPr>
+        <p:spPr/>
+        <p:txBody>
+          <a:bodyPr/>
+          <a:lstStyle/>
+          <a:p>
+            <a:r>
+              <a:rPr lang="de-DE" dirty="0"/>
+              <a:t>Proof </a:t>
+            </a:r>
+            <a:r>
+              <a:rPr lang="de-DE" dirty="0" err="1"/>
+              <a:t>of</a:t>
+            </a:r>
+            <a:r>
+              <a:rPr lang="de-DE" dirty="0"/>
+              <a:t> Concept</a:t>
+            </a:r>
+          </a:p>
+        </p:txBody>
+      </p:sp>
+      <p:sp>
+        <p:nvSpPr>
+          <p:cNvPr id="3" name="Inhaltsplatzhalter 2">
+            <a:extLst>
+              <a:ext uri="{FF2B5EF4-FFF2-40B4-BE49-F238E27FC236}">
+                <a16:creationId xmlns:a16="http://schemas.microsoft.com/office/drawing/2014/main" id="{CD8BF139-A5E5-4412-B170-3BB6B91FC73D}"/>
+              </a:ext>
+            </a:extLst>
+          </p:cNvPr>
+          <p:cNvSpPr>
+            <a:spLocks noGrp="1"/>
+          </p:cNvSpPr>
+          <p:nvPr>
+            <p:ph sz="quarter" idx="12"/>
+          </p:nvPr>
+        </p:nvSpPr>
+        <p:spPr>
+          <a:xfrm>
+            <a:off x="893785" y="1114887"/>
+            <a:ext cx="8099823" cy="4320000"/>
+          </a:xfrm>
+        </p:spPr>
+        <p:txBody>
+          <a:bodyPr/>
+          <a:lstStyle/>
+          <a:p>
+            <a:pPr>
+              <a:lnSpc>
+                <a:spcPct val="107000"/>
+              </a:lnSpc>
+              <a:spcAft>
+                <a:spcPts val="800"/>
+              </a:spcAft>
+            </a:pPr>
+            <a:r>
+              <a:rPr lang="de-DE" sz="1800" b="1" dirty="0">
+                <a:effectLst/>
+                <a:latin typeface="Arial" panose="020B0604020202020204" pitchFamily="34" charset="0"/>
+                <a:ea typeface="Calibri" panose="020F0502020204030204" pitchFamily="34" charset="0"/>
+                <a:cs typeface="Times New Roman" panose="02020603050405020304" pitchFamily="18" charset="0"/>
+              </a:rPr>
+              <a:t>Datenblatt</a:t>
+            </a:r>
+            <a:endParaRPr lang="de-DE" sz="1800" dirty="0">
+              <a:effectLst/>
+              <a:latin typeface="Calibri" panose="020F0502020204030204" pitchFamily="34" charset="0"/>
+              <a:ea typeface="Calibri" panose="020F0502020204030204" pitchFamily="34" charset="0"/>
+              <a:cs typeface="Times New Roman" panose="02020603050405020304" pitchFamily="18" charset="0"/>
+            </a:endParaRPr>
+          </a:p>
+          <a:p>
+            <a:pPr>
+              <a:lnSpc>
+                <a:spcPct val="107000"/>
+              </a:lnSpc>
+              <a:spcAft>
+                <a:spcPts val="800"/>
+              </a:spcAft>
+            </a:pPr>
+            <a:r>
+              <a:rPr lang="de-DE" sz="1800" dirty="0">
+                <a:effectLst/>
+                <a:latin typeface="Arial" panose="020B0604020202020204" pitchFamily="34" charset="0"/>
+                <a:ea typeface="Calibri" panose="020F0502020204030204" pitchFamily="34" charset="0"/>
+                <a:cs typeface="Times New Roman" panose="02020603050405020304" pitchFamily="18" charset="0"/>
+              </a:rPr>
+              <a:t> Beschreibung:</a:t>
+            </a:r>
+            <a:endParaRPr lang="de-DE" sz="1800" dirty="0">
+              <a:effectLst/>
+              <a:latin typeface="Calibri" panose="020F0502020204030204" pitchFamily="34" charset="0"/>
+              <a:ea typeface="Calibri" panose="020F0502020204030204" pitchFamily="34" charset="0"/>
+              <a:cs typeface="Times New Roman" panose="02020603050405020304" pitchFamily="18" charset="0"/>
+            </a:endParaRPr>
+          </a:p>
+          <a:p>
+            <a:pPr>
+              <a:lnSpc>
+                <a:spcPct val="107000"/>
+              </a:lnSpc>
+              <a:spcAft>
+                <a:spcPts val="800"/>
+              </a:spcAft>
+            </a:pPr>
+            <a:r>
+              <a:rPr lang="de-DE" sz="1800" dirty="0">
+                <a:effectLst/>
+                <a:latin typeface="Arial" panose="020B0604020202020204" pitchFamily="34" charset="0"/>
+                <a:ea typeface="Calibri" panose="020F0502020204030204" pitchFamily="34" charset="0"/>
+                <a:cs typeface="Times New Roman" panose="02020603050405020304" pitchFamily="18" charset="0"/>
+              </a:rPr>
+              <a:t>Der Eingabe wird erkannt und in der Datenbank das entsprechende Datenblatt mit dem Saisonkalender angezeigt. </a:t>
+            </a:r>
+          </a:p>
+          <a:p>
+            <a:pPr>
+              <a:lnSpc>
+                <a:spcPct val="107000"/>
+              </a:lnSpc>
+              <a:spcAft>
+                <a:spcPts val="800"/>
+              </a:spcAft>
+            </a:pPr>
+            <a:endParaRPr lang="de-DE" sz="1800" dirty="0">
+              <a:effectLst/>
+              <a:latin typeface="Calibri" panose="020F0502020204030204" pitchFamily="34" charset="0"/>
+              <a:ea typeface="Calibri" panose="020F0502020204030204" pitchFamily="34" charset="0"/>
+              <a:cs typeface="Times New Roman" panose="02020603050405020304" pitchFamily="18" charset="0"/>
+            </a:endParaRPr>
+          </a:p>
+          <a:p>
+            <a:pPr>
+              <a:lnSpc>
+                <a:spcPct val="107000"/>
+              </a:lnSpc>
+              <a:spcAft>
+                <a:spcPts val="800"/>
+              </a:spcAft>
+            </a:pPr>
+            <a:r>
+              <a:rPr lang="de-DE" sz="1800" dirty="0">
+                <a:effectLst/>
+                <a:latin typeface="Arial" panose="020B0604020202020204" pitchFamily="34" charset="0"/>
+                <a:ea typeface="Calibri" panose="020F0502020204030204" pitchFamily="34" charset="0"/>
+                <a:cs typeface="Times New Roman" panose="02020603050405020304" pitchFamily="18" charset="0"/>
+              </a:rPr>
+              <a:t> Exit-Kriterien:</a:t>
+            </a:r>
+            <a:endParaRPr lang="de-DE" sz="1800" dirty="0">
+              <a:effectLst/>
+              <a:latin typeface="Calibri" panose="020F0502020204030204" pitchFamily="34" charset="0"/>
+              <a:ea typeface="Calibri" panose="020F0502020204030204" pitchFamily="34" charset="0"/>
+              <a:cs typeface="Times New Roman" panose="02020603050405020304" pitchFamily="18" charset="0"/>
+            </a:endParaRPr>
+          </a:p>
+          <a:p>
+            <a:pPr>
+              <a:lnSpc>
+                <a:spcPct val="107000"/>
+              </a:lnSpc>
+              <a:spcAft>
+                <a:spcPts val="800"/>
+              </a:spcAft>
+            </a:pPr>
+            <a:r>
+              <a:rPr lang="de-DE" sz="1800" dirty="0">
+                <a:effectLst/>
+                <a:latin typeface="Arial" panose="020B0604020202020204" pitchFamily="34" charset="0"/>
+                <a:ea typeface="Calibri" panose="020F0502020204030204" pitchFamily="34" charset="0"/>
+                <a:cs typeface="Times New Roman" panose="02020603050405020304" pitchFamily="18" charset="0"/>
+              </a:rPr>
+              <a:t>Die Datenbank gibt die erforderlichen Daten an den Benutzer zurück.</a:t>
+            </a:r>
+            <a:endParaRPr lang="de-DE" sz="1800" dirty="0">
+              <a:effectLst/>
+              <a:latin typeface="Calibri" panose="020F0502020204030204" pitchFamily="34" charset="0"/>
+              <a:ea typeface="Calibri" panose="020F0502020204030204" pitchFamily="34" charset="0"/>
+              <a:cs typeface="Times New Roman" panose="02020603050405020304" pitchFamily="18" charset="0"/>
+            </a:endParaRPr>
+          </a:p>
+          <a:p>
+            <a:pPr>
+              <a:lnSpc>
+                <a:spcPct val="107000"/>
+              </a:lnSpc>
+              <a:spcAft>
+                <a:spcPts val="800"/>
+              </a:spcAft>
+            </a:pPr>
+            <a:r>
+              <a:rPr lang="de-DE" sz="1800" dirty="0">
+                <a:effectLst/>
+                <a:latin typeface="Arial" panose="020B0604020202020204" pitchFamily="34" charset="0"/>
+                <a:ea typeface="Calibri" panose="020F0502020204030204" pitchFamily="34" charset="0"/>
+                <a:cs typeface="Times New Roman" panose="02020603050405020304" pitchFamily="18" charset="0"/>
+              </a:rPr>
+              <a:t> </a:t>
+            </a:r>
+            <a:endParaRPr lang="de-DE" sz="1800" dirty="0">
+              <a:effectLst/>
+              <a:latin typeface="Calibri" panose="020F0502020204030204" pitchFamily="34" charset="0"/>
+              <a:ea typeface="Calibri" panose="020F0502020204030204" pitchFamily="34" charset="0"/>
+              <a:cs typeface="Times New Roman" panose="02020603050405020304" pitchFamily="18" charset="0"/>
+            </a:endParaRPr>
+          </a:p>
+          <a:p>
+            <a:pPr>
+              <a:lnSpc>
+                <a:spcPct val="107000"/>
+              </a:lnSpc>
+              <a:spcAft>
+                <a:spcPts val="800"/>
+              </a:spcAft>
+            </a:pPr>
+            <a:r>
+              <a:rPr lang="de-DE" sz="1800" dirty="0">
+                <a:effectLst/>
+                <a:latin typeface="Arial" panose="020B0604020202020204" pitchFamily="34" charset="0"/>
+                <a:ea typeface="Calibri" panose="020F0502020204030204" pitchFamily="34" charset="0"/>
+                <a:cs typeface="Times New Roman" panose="02020603050405020304" pitchFamily="18" charset="0"/>
+              </a:rPr>
+              <a:t>Fail-Kriterien:</a:t>
+            </a:r>
+            <a:endParaRPr lang="de-DE" sz="1800" dirty="0">
+              <a:effectLst/>
+              <a:latin typeface="Calibri" panose="020F0502020204030204" pitchFamily="34" charset="0"/>
+              <a:ea typeface="Calibri" panose="020F0502020204030204" pitchFamily="34" charset="0"/>
+              <a:cs typeface="Times New Roman" panose="02020603050405020304" pitchFamily="18" charset="0"/>
+            </a:endParaRPr>
+          </a:p>
+          <a:p>
+            <a:pPr>
+              <a:lnSpc>
+                <a:spcPct val="107000"/>
+              </a:lnSpc>
+              <a:spcAft>
+                <a:spcPts val="800"/>
+              </a:spcAft>
+            </a:pPr>
+            <a:r>
+              <a:rPr lang="de-DE" sz="1800" dirty="0">
+                <a:effectLst/>
+                <a:latin typeface="Arial" panose="020B0604020202020204" pitchFamily="34" charset="0"/>
+                <a:ea typeface="Calibri" panose="020F0502020204030204" pitchFamily="34" charset="0"/>
+                <a:cs typeface="Times New Roman" panose="02020603050405020304" pitchFamily="18" charset="0"/>
+              </a:rPr>
+              <a:t>1. Der Saisonkalender bleibt leer.</a:t>
+            </a:r>
+            <a:endParaRPr lang="de-DE" sz="1800" dirty="0">
+              <a:effectLst/>
+              <a:latin typeface="Calibri" panose="020F0502020204030204" pitchFamily="34" charset="0"/>
+              <a:ea typeface="Calibri" panose="020F0502020204030204" pitchFamily="34" charset="0"/>
+              <a:cs typeface="Times New Roman" panose="02020603050405020304" pitchFamily="18" charset="0"/>
+            </a:endParaRPr>
+          </a:p>
+          <a:p>
+            <a:pPr>
+              <a:lnSpc>
+                <a:spcPct val="107000"/>
+              </a:lnSpc>
+              <a:spcAft>
+                <a:spcPts val="800"/>
+              </a:spcAft>
+            </a:pPr>
+            <a:r>
+              <a:rPr lang="de-DE" sz="1800" dirty="0">
+                <a:effectLst/>
+                <a:latin typeface="Arial" panose="020B0604020202020204" pitchFamily="34" charset="0"/>
+                <a:ea typeface="Calibri" panose="020F0502020204030204" pitchFamily="34" charset="0"/>
+                <a:cs typeface="Times New Roman" panose="02020603050405020304" pitchFamily="18" charset="0"/>
+              </a:rPr>
+              <a:t>2. Das Datenblatt weist keine Einträge auf.</a:t>
+            </a:r>
+            <a:endParaRPr lang="de-DE" sz="1800" dirty="0">
+              <a:effectLst/>
+              <a:latin typeface="Calibri" panose="020F0502020204030204" pitchFamily="34" charset="0"/>
+              <a:ea typeface="Calibri" panose="020F0502020204030204" pitchFamily="34" charset="0"/>
+              <a:cs typeface="Times New Roman" panose="02020603050405020304" pitchFamily="18" charset="0"/>
+            </a:endParaRPr>
+          </a:p>
+          <a:p>
+            <a:pPr>
+              <a:lnSpc>
+                <a:spcPct val="107000"/>
+              </a:lnSpc>
+              <a:spcAft>
+                <a:spcPts val="800"/>
+              </a:spcAft>
+            </a:pPr>
+            <a:r>
+              <a:rPr lang="de-DE" sz="1800" dirty="0">
+                <a:effectLst/>
+                <a:latin typeface="Arial" panose="020B0604020202020204" pitchFamily="34" charset="0"/>
+                <a:ea typeface="Calibri" panose="020F0502020204030204" pitchFamily="34" charset="0"/>
+                <a:cs typeface="Times New Roman" panose="02020603050405020304" pitchFamily="18" charset="0"/>
+              </a:rPr>
+              <a:t>3. Der Server der Datenbank ist nicht erreichbar.</a:t>
+            </a:r>
+            <a:endParaRPr lang="de-DE" sz="1800" dirty="0">
+              <a:effectLst/>
+              <a:latin typeface="Calibri" panose="020F0502020204030204" pitchFamily="34" charset="0"/>
+              <a:ea typeface="Calibri" panose="020F0502020204030204" pitchFamily="34" charset="0"/>
+              <a:cs typeface="Times New Roman" panose="02020603050405020304" pitchFamily="18" charset="0"/>
+            </a:endParaRPr>
+          </a:p>
+          <a:p>
+            <a:endParaRPr lang="de-DE" dirty="0"/>
+          </a:p>
+        </p:txBody>
+      </p:sp>
+      <p:sp>
+        <p:nvSpPr>
+          <p:cNvPr id="4" name="Textplatzhalter 3">
+            <a:extLst>
+              <a:ext uri="{FF2B5EF4-FFF2-40B4-BE49-F238E27FC236}">
+                <a16:creationId xmlns:a16="http://schemas.microsoft.com/office/drawing/2014/main" id="{2644B8E1-0535-464F-95F4-AEDB85065B17}"/>
+              </a:ext>
+            </a:extLst>
+          </p:cNvPr>
+          <p:cNvSpPr>
+            <a:spLocks noGrp="1"/>
+          </p:cNvSpPr>
+          <p:nvPr>
+            <p:ph type="body" idx="13"/>
+          </p:nvPr>
+        </p:nvSpPr>
+        <p:spPr/>
+        <p:txBody>
+          <a:bodyPr/>
+          <a:lstStyle/>
+          <a:p>
+            <a:endParaRPr lang="de-DE"/>
+          </a:p>
+        </p:txBody>
+      </p:sp>
+      <p:sp>
+        <p:nvSpPr>
+          <p:cNvPr id="5" name="Datumsplatzhalter 4">
+            <a:extLst>
+              <a:ext uri="{FF2B5EF4-FFF2-40B4-BE49-F238E27FC236}">
+                <a16:creationId xmlns:a16="http://schemas.microsoft.com/office/drawing/2014/main" id="{3B77FA45-AECA-448D-B8CD-440DBB3C0C35}"/>
+              </a:ext>
+            </a:extLst>
+          </p:cNvPr>
+          <p:cNvSpPr>
+            <a:spLocks noGrp="1"/>
+          </p:cNvSpPr>
+          <p:nvPr>
+            <p:ph type="dt" sz="half" idx="14"/>
+          </p:nvPr>
+        </p:nvSpPr>
+        <p:spPr/>
+        <p:txBody>
+          <a:bodyPr/>
+          <a:lstStyle/>
+          <a:p>
+            <a:pPr>
+              <a:defRPr/>
+            </a:pPr>
+            <a:fld id="{EEB36982-DFDB-46D3-B7A3-EB8965E21BD5}" type="datetime1">
+              <a:rPr lang="de-DE" smtClean="0"/>
+              <a:pPr>
+                <a:defRPr/>
+              </a:pPr>
+              <a:t>13.12.2020</a:t>
+            </a:fld>
+            <a:endParaRPr lang="de-DE" dirty="0"/>
+          </a:p>
+        </p:txBody>
+      </p:sp>
+      <p:sp>
+        <p:nvSpPr>
+          <p:cNvPr id="6" name="Foliennummernplatzhalter 5">
+            <a:extLst>
+              <a:ext uri="{FF2B5EF4-FFF2-40B4-BE49-F238E27FC236}">
+                <a16:creationId xmlns:a16="http://schemas.microsoft.com/office/drawing/2014/main" id="{90D2FB82-699F-401C-8AFB-8F3D1AA2FC5E}"/>
+              </a:ext>
+            </a:extLst>
+          </p:cNvPr>
+          <p:cNvSpPr>
+            <a:spLocks noGrp="1"/>
+          </p:cNvSpPr>
+          <p:nvPr>
+            <p:ph type="sldNum" sz="quarter" idx="15"/>
+          </p:nvPr>
+        </p:nvSpPr>
+        <p:spPr/>
+        <p:txBody>
+          <a:bodyPr/>
+          <a:lstStyle/>
+          <a:p>
+            <a:r>
+              <a:rPr lang="de-DE" altLang="de-DE"/>
+              <a:t>Seite </a:t>
+            </a:r>
+            <a:fld id="{2EA3F71B-B629-4275-81DB-BFC15E41567D}" type="slidenum">
+              <a:rPr lang="de-DE" altLang="de-DE" smtClean="0"/>
+              <a:pPr/>
+              <a:t>14</a:t>
+            </a:fld>
+            <a:endParaRPr lang="de-DE" altLang="de-DE"/>
+          </a:p>
+        </p:txBody>
+      </p:sp>
+    </p:spTree>
+    <p:extLst>
+      <p:ext uri="{BB962C8B-B14F-4D97-AF65-F5344CB8AC3E}">
+        <p14:creationId xmlns:p14="http://schemas.microsoft.com/office/powerpoint/2010/main" val="2240840246"/>
+      </p:ext>
+    </p:extLst>
+  </p:cSld>
+  <p:clrMapOvr>
+    <a:masterClrMapping/>
+  </p:clrMapOvr>
+</p:sld>
+</file>
+
+<file path=ppt/slides/slide15.xml><?xml version="1.0" encoding="utf-8"?>
+<p:sld xmlns:a="http://schemas.openxmlformats.org/drawingml/2006/main" xmlns:r="http://schemas.openxmlformats.org/officeDocument/2006/relationships" xmlns:p="http://schemas.openxmlformats.org/presentationml/2006/main">
+  <p:cSld>
+    <p:spTree>
+      <p:nvGrpSpPr>
+        <p:cNvPr id="1" name=""/>
+        <p:cNvGrpSpPr/>
+        <p:nvPr/>
+      </p:nvGrpSpPr>
+      <p:grpSpPr>
+        <a:xfrm>
+          <a:off x="0" y="0"/>
+          <a:ext cx="0" cy="0"/>
+          <a:chOff x="0" y="0"/>
+          <a:chExt cx="0" cy="0"/>
+        </a:xfrm>
+      </p:grpSpPr>
+      <p:sp>
+        <p:nvSpPr>
+          <p:cNvPr id="2" name="Titel 1">
+            <a:extLst>
+              <a:ext uri="{FF2B5EF4-FFF2-40B4-BE49-F238E27FC236}">
+                <a16:creationId xmlns:a16="http://schemas.microsoft.com/office/drawing/2014/main" id="{5741573C-BA01-4940-B62D-38CC7C7A8F45}"/>
+              </a:ext>
+            </a:extLst>
+          </p:cNvPr>
+          <p:cNvSpPr>
+            <a:spLocks noGrp="1"/>
+          </p:cNvSpPr>
+          <p:nvPr>
+            <p:ph type="title"/>
+          </p:nvPr>
+        </p:nvSpPr>
+        <p:spPr/>
+        <p:txBody>
+          <a:bodyPr/>
+          <a:lstStyle/>
+          <a:p>
+            <a:r>
+              <a:rPr lang="de-DE" dirty="0"/>
+              <a:t>Proof </a:t>
+            </a:r>
+            <a:r>
+              <a:rPr lang="de-DE" dirty="0" err="1"/>
+              <a:t>of</a:t>
+            </a:r>
+            <a:r>
+              <a:rPr lang="de-DE" dirty="0"/>
+              <a:t> Concept</a:t>
+            </a:r>
+          </a:p>
+        </p:txBody>
+      </p:sp>
+      <p:sp>
+        <p:nvSpPr>
+          <p:cNvPr id="3" name="Inhaltsplatzhalter 2">
+            <a:extLst>
+              <a:ext uri="{FF2B5EF4-FFF2-40B4-BE49-F238E27FC236}">
+                <a16:creationId xmlns:a16="http://schemas.microsoft.com/office/drawing/2014/main" id="{CD8BF139-A5E5-4412-B170-3BB6B91FC73D}"/>
+              </a:ext>
+            </a:extLst>
+          </p:cNvPr>
+          <p:cNvSpPr>
+            <a:spLocks noGrp="1"/>
+          </p:cNvSpPr>
+          <p:nvPr>
+            <p:ph sz="quarter" idx="12"/>
+          </p:nvPr>
+        </p:nvSpPr>
+        <p:spPr>
+          <a:xfrm>
+            <a:off x="893785" y="1114887"/>
+            <a:ext cx="8099823" cy="4320000"/>
+          </a:xfrm>
+        </p:spPr>
+        <p:txBody>
+          <a:bodyPr/>
+          <a:lstStyle/>
+          <a:p>
+            <a:pPr>
+              <a:lnSpc>
+                <a:spcPct val="107000"/>
+              </a:lnSpc>
+              <a:spcAft>
+                <a:spcPts val="800"/>
+              </a:spcAft>
+            </a:pPr>
+            <a:r>
+              <a:rPr lang="de-DE" sz="1800" b="1" dirty="0">
+                <a:effectLst/>
+                <a:latin typeface="Arial" panose="020B0604020202020204" pitchFamily="34" charset="0"/>
+                <a:ea typeface="Calibri" panose="020F0502020204030204" pitchFamily="34" charset="0"/>
+                <a:cs typeface="Times New Roman" panose="02020603050405020304" pitchFamily="18" charset="0"/>
+              </a:rPr>
+              <a:t>Darstellung auf der Karte</a:t>
+            </a:r>
+            <a:r>
+              <a:rPr lang="de-DE" sz="1800" dirty="0">
+                <a:effectLst/>
+                <a:latin typeface="Arial" panose="020B0604020202020204" pitchFamily="34" charset="0"/>
+                <a:ea typeface="Calibri" panose="020F0502020204030204" pitchFamily="34" charset="0"/>
+                <a:cs typeface="Times New Roman" panose="02020603050405020304" pitchFamily="18" charset="0"/>
+              </a:rPr>
+              <a:t> </a:t>
+            </a:r>
+            <a:endParaRPr lang="de-DE" sz="1800" dirty="0">
+              <a:effectLst/>
+              <a:latin typeface="Calibri" panose="020F0502020204030204" pitchFamily="34" charset="0"/>
+              <a:ea typeface="Calibri" panose="020F0502020204030204" pitchFamily="34" charset="0"/>
+              <a:cs typeface="Times New Roman" panose="02020603050405020304" pitchFamily="18" charset="0"/>
+            </a:endParaRPr>
+          </a:p>
+          <a:p>
+            <a:pPr>
+              <a:lnSpc>
+                <a:spcPct val="107000"/>
+              </a:lnSpc>
+              <a:spcAft>
+                <a:spcPts val="800"/>
+              </a:spcAft>
+            </a:pPr>
+            <a:r>
+              <a:rPr lang="de-DE" sz="1800" dirty="0">
+                <a:effectLst/>
+                <a:latin typeface="Arial" panose="020B0604020202020204" pitchFamily="34" charset="0"/>
+                <a:ea typeface="Calibri" panose="020F0502020204030204" pitchFamily="34" charset="0"/>
+                <a:cs typeface="Times New Roman" panose="02020603050405020304" pitchFamily="18" charset="0"/>
+              </a:rPr>
+              <a:t>Beschreibung:</a:t>
+            </a:r>
+            <a:endParaRPr lang="de-DE" sz="1800" dirty="0">
+              <a:effectLst/>
+              <a:latin typeface="Calibri" panose="020F0502020204030204" pitchFamily="34" charset="0"/>
+              <a:ea typeface="Calibri" panose="020F0502020204030204" pitchFamily="34" charset="0"/>
+              <a:cs typeface="Times New Roman" panose="02020603050405020304" pitchFamily="18" charset="0"/>
+            </a:endParaRPr>
+          </a:p>
+          <a:p>
+            <a:pPr>
+              <a:lnSpc>
+                <a:spcPct val="107000"/>
+              </a:lnSpc>
+              <a:spcAft>
+                <a:spcPts val="800"/>
+              </a:spcAft>
+            </a:pPr>
+            <a:r>
+              <a:rPr lang="de-DE" sz="1800" dirty="0">
+                <a:effectLst/>
+                <a:latin typeface="Arial" panose="020B0604020202020204" pitchFamily="34" charset="0"/>
+                <a:ea typeface="Calibri" panose="020F0502020204030204" pitchFamily="34" charset="0"/>
+                <a:cs typeface="Times New Roman" panose="02020603050405020304" pitchFamily="18" charset="0"/>
+              </a:rPr>
+              <a:t>Die Eingabe wird erkannt und in der Datenbank das entsprechende Datenblatt mit der Visualisierung der Herkunft angezeigt. </a:t>
+            </a:r>
+            <a:endParaRPr lang="de-DE" sz="1800" dirty="0">
+              <a:effectLst/>
+              <a:latin typeface="Calibri" panose="020F0502020204030204" pitchFamily="34" charset="0"/>
+              <a:ea typeface="Calibri" panose="020F0502020204030204" pitchFamily="34" charset="0"/>
+              <a:cs typeface="Times New Roman" panose="02020603050405020304" pitchFamily="18" charset="0"/>
+            </a:endParaRPr>
+          </a:p>
+          <a:p>
+            <a:pPr>
+              <a:lnSpc>
+                <a:spcPct val="107000"/>
+              </a:lnSpc>
+              <a:spcAft>
+                <a:spcPts val="800"/>
+              </a:spcAft>
+            </a:pPr>
+            <a:r>
+              <a:rPr lang="de-DE" sz="1800" dirty="0">
+                <a:effectLst/>
+                <a:latin typeface="Arial" panose="020B0604020202020204" pitchFamily="34" charset="0"/>
+                <a:ea typeface="Calibri" panose="020F0502020204030204" pitchFamily="34" charset="0"/>
+                <a:cs typeface="Times New Roman" panose="02020603050405020304" pitchFamily="18" charset="0"/>
+              </a:rPr>
+              <a:t> </a:t>
+            </a:r>
+            <a:endParaRPr lang="de-DE" sz="1800" dirty="0">
+              <a:effectLst/>
+              <a:latin typeface="Calibri" panose="020F0502020204030204" pitchFamily="34" charset="0"/>
+              <a:ea typeface="Calibri" panose="020F0502020204030204" pitchFamily="34" charset="0"/>
+              <a:cs typeface="Times New Roman" panose="02020603050405020304" pitchFamily="18" charset="0"/>
+            </a:endParaRPr>
+          </a:p>
+          <a:p>
+            <a:pPr>
+              <a:lnSpc>
+                <a:spcPct val="107000"/>
+              </a:lnSpc>
+              <a:spcAft>
+                <a:spcPts val="800"/>
+              </a:spcAft>
+            </a:pPr>
+            <a:r>
+              <a:rPr lang="de-DE" sz="1800" dirty="0">
+                <a:effectLst/>
+                <a:latin typeface="Arial" panose="020B0604020202020204" pitchFamily="34" charset="0"/>
+                <a:ea typeface="Calibri" panose="020F0502020204030204" pitchFamily="34" charset="0"/>
+                <a:cs typeface="Times New Roman" panose="02020603050405020304" pitchFamily="18" charset="0"/>
+              </a:rPr>
+              <a:t>Exit-Kriterien:</a:t>
+            </a:r>
+            <a:endParaRPr lang="de-DE" sz="1800" dirty="0">
+              <a:effectLst/>
+              <a:latin typeface="Calibri" panose="020F0502020204030204" pitchFamily="34" charset="0"/>
+              <a:ea typeface="Calibri" panose="020F0502020204030204" pitchFamily="34" charset="0"/>
+              <a:cs typeface="Times New Roman" panose="02020603050405020304" pitchFamily="18" charset="0"/>
+            </a:endParaRPr>
+          </a:p>
+          <a:p>
+            <a:pPr>
+              <a:lnSpc>
+                <a:spcPct val="107000"/>
+              </a:lnSpc>
+              <a:spcAft>
+                <a:spcPts val="800"/>
+              </a:spcAft>
+            </a:pPr>
+            <a:r>
+              <a:rPr lang="de-DE" sz="1800" dirty="0">
+                <a:effectLst/>
+                <a:latin typeface="Arial" panose="020B0604020202020204" pitchFamily="34" charset="0"/>
+                <a:ea typeface="Calibri" panose="020F0502020204030204" pitchFamily="34" charset="0"/>
+                <a:cs typeface="Times New Roman" panose="02020603050405020304" pitchFamily="18" charset="0"/>
+              </a:rPr>
+              <a:t>Die Datenbank gibt die erforderlichen Daten an den Benutzer zurück.</a:t>
+            </a:r>
+            <a:endParaRPr lang="de-DE" sz="1800" dirty="0">
+              <a:effectLst/>
+              <a:latin typeface="Calibri" panose="020F0502020204030204" pitchFamily="34" charset="0"/>
+              <a:ea typeface="Calibri" panose="020F0502020204030204" pitchFamily="34" charset="0"/>
+              <a:cs typeface="Times New Roman" panose="02020603050405020304" pitchFamily="18" charset="0"/>
+            </a:endParaRPr>
+          </a:p>
+          <a:p>
+            <a:pPr>
+              <a:lnSpc>
+                <a:spcPct val="107000"/>
+              </a:lnSpc>
+              <a:spcAft>
+                <a:spcPts val="800"/>
+              </a:spcAft>
+            </a:pPr>
+            <a:r>
+              <a:rPr lang="de-DE" sz="1800" dirty="0">
+                <a:effectLst/>
+                <a:latin typeface="Arial" panose="020B0604020202020204" pitchFamily="34" charset="0"/>
+                <a:ea typeface="Calibri" panose="020F0502020204030204" pitchFamily="34" charset="0"/>
+                <a:cs typeface="Times New Roman" panose="02020603050405020304" pitchFamily="18" charset="0"/>
+              </a:rPr>
+              <a:t> </a:t>
+            </a:r>
+            <a:endParaRPr lang="de-DE" sz="1800" dirty="0">
+              <a:effectLst/>
+              <a:latin typeface="Calibri" panose="020F0502020204030204" pitchFamily="34" charset="0"/>
+              <a:ea typeface="Calibri" panose="020F0502020204030204" pitchFamily="34" charset="0"/>
+              <a:cs typeface="Times New Roman" panose="02020603050405020304" pitchFamily="18" charset="0"/>
+            </a:endParaRPr>
+          </a:p>
+          <a:p>
+            <a:pPr>
+              <a:lnSpc>
+                <a:spcPct val="107000"/>
+              </a:lnSpc>
+              <a:spcAft>
+                <a:spcPts val="800"/>
+              </a:spcAft>
+            </a:pPr>
+            <a:r>
+              <a:rPr lang="de-DE" sz="1800" dirty="0">
+                <a:effectLst/>
+                <a:latin typeface="Arial" panose="020B0604020202020204" pitchFamily="34" charset="0"/>
+                <a:ea typeface="Calibri" panose="020F0502020204030204" pitchFamily="34" charset="0"/>
+                <a:cs typeface="Times New Roman" panose="02020603050405020304" pitchFamily="18" charset="0"/>
+              </a:rPr>
+              <a:t>Fail-Kriterien:</a:t>
+            </a:r>
+            <a:endParaRPr lang="de-DE" sz="1800" dirty="0">
+              <a:effectLst/>
+              <a:latin typeface="Calibri" panose="020F0502020204030204" pitchFamily="34" charset="0"/>
+              <a:ea typeface="Calibri" panose="020F0502020204030204" pitchFamily="34" charset="0"/>
+              <a:cs typeface="Times New Roman" panose="02020603050405020304" pitchFamily="18" charset="0"/>
+            </a:endParaRPr>
+          </a:p>
+          <a:p>
+            <a:pPr>
+              <a:lnSpc>
+                <a:spcPct val="107000"/>
+              </a:lnSpc>
+              <a:spcAft>
+                <a:spcPts val="800"/>
+              </a:spcAft>
+            </a:pPr>
+            <a:r>
+              <a:rPr lang="de-DE" sz="1800" dirty="0">
+                <a:effectLst/>
+                <a:latin typeface="Arial" panose="020B0604020202020204" pitchFamily="34" charset="0"/>
+                <a:ea typeface="Calibri" panose="020F0502020204030204" pitchFamily="34" charset="0"/>
+                <a:cs typeface="Times New Roman" panose="02020603050405020304" pitchFamily="18" charset="0"/>
+              </a:rPr>
+              <a:t>1. Die Herkunftskarte weist keine Einträge auf.</a:t>
+            </a:r>
+            <a:endParaRPr lang="de-DE" sz="1800" dirty="0">
+              <a:effectLst/>
+              <a:latin typeface="Calibri" panose="020F0502020204030204" pitchFamily="34" charset="0"/>
+              <a:ea typeface="Calibri" panose="020F0502020204030204" pitchFamily="34" charset="0"/>
+              <a:cs typeface="Times New Roman" panose="02020603050405020304" pitchFamily="18" charset="0"/>
+            </a:endParaRPr>
+          </a:p>
+          <a:p>
+            <a:pPr>
+              <a:lnSpc>
+                <a:spcPct val="107000"/>
+              </a:lnSpc>
+              <a:spcAft>
+                <a:spcPts val="800"/>
+              </a:spcAft>
+            </a:pPr>
+            <a:r>
+              <a:rPr lang="de-DE" sz="1800" dirty="0">
+                <a:effectLst/>
+                <a:latin typeface="Arial" panose="020B0604020202020204" pitchFamily="34" charset="0"/>
+                <a:ea typeface="Calibri" panose="020F0502020204030204" pitchFamily="34" charset="0"/>
+                <a:cs typeface="Times New Roman" panose="02020603050405020304" pitchFamily="18" charset="0"/>
+              </a:rPr>
+              <a:t>2. Der Server der Herkunftskarte ist nicht erreichbar.</a:t>
+            </a:r>
+            <a:endParaRPr lang="de-DE" sz="1800" dirty="0">
+              <a:effectLst/>
+              <a:latin typeface="Calibri" panose="020F0502020204030204" pitchFamily="34" charset="0"/>
+              <a:ea typeface="Calibri" panose="020F0502020204030204" pitchFamily="34" charset="0"/>
+              <a:cs typeface="Times New Roman" panose="02020603050405020304" pitchFamily="18" charset="0"/>
+            </a:endParaRPr>
+          </a:p>
+          <a:p>
+            <a:pPr>
+              <a:lnSpc>
+                <a:spcPct val="107000"/>
+              </a:lnSpc>
+              <a:spcAft>
+                <a:spcPts val="800"/>
+              </a:spcAft>
+            </a:pPr>
+            <a:r>
+              <a:rPr lang="de-DE" sz="1800" dirty="0">
+                <a:effectLst/>
+                <a:latin typeface="Arial" panose="020B0604020202020204" pitchFamily="34" charset="0"/>
+                <a:ea typeface="Calibri" panose="020F0502020204030204" pitchFamily="34" charset="0"/>
+                <a:cs typeface="Times New Roman" panose="02020603050405020304" pitchFamily="18" charset="0"/>
+              </a:rPr>
+              <a:t>3. Mehrere Herkunftsländer werden nicht angezeigt.</a:t>
+            </a:r>
+            <a:endParaRPr lang="de-DE" sz="1800" dirty="0">
+              <a:effectLst/>
+              <a:latin typeface="Calibri" panose="020F0502020204030204" pitchFamily="34" charset="0"/>
+              <a:ea typeface="Calibri" panose="020F0502020204030204" pitchFamily="34" charset="0"/>
+              <a:cs typeface="Times New Roman" panose="02020603050405020304" pitchFamily="18" charset="0"/>
+            </a:endParaRPr>
+          </a:p>
+          <a:p>
+            <a:endParaRPr lang="de-DE" dirty="0"/>
+          </a:p>
+        </p:txBody>
+      </p:sp>
+      <p:sp>
+        <p:nvSpPr>
+          <p:cNvPr id="4" name="Textplatzhalter 3">
+            <a:extLst>
+              <a:ext uri="{FF2B5EF4-FFF2-40B4-BE49-F238E27FC236}">
+                <a16:creationId xmlns:a16="http://schemas.microsoft.com/office/drawing/2014/main" id="{2644B8E1-0535-464F-95F4-AEDB85065B17}"/>
+              </a:ext>
+            </a:extLst>
+          </p:cNvPr>
+          <p:cNvSpPr>
+            <a:spLocks noGrp="1"/>
+          </p:cNvSpPr>
+          <p:nvPr>
+            <p:ph type="body" idx="13"/>
+          </p:nvPr>
+        </p:nvSpPr>
+        <p:spPr/>
+        <p:txBody>
+          <a:bodyPr/>
+          <a:lstStyle/>
+          <a:p>
+            <a:endParaRPr lang="de-DE"/>
+          </a:p>
+        </p:txBody>
+      </p:sp>
+      <p:sp>
+        <p:nvSpPr>
+          <p:cNvPr id="5" name="Datumsplatzhalter 4">
+            <a:extLst>
+              <a:ext uri="{FF2B5EF4-FFF2-40B4-BE49-F238E27FC236}">
+                <a16:creationId xmlns:a16="http://schemas.microsoft.com/office/drawing/2014/main" id="{3B77FA45-AECA-448D-B8CD-440DBB3C0C35}"/>
+              </a:ext>
+            </a:extLst>
+          </p:cNvPr>
+          <p:cNvSpPr>
+            <a:spLocks noGrp="1"/>
+          </p:cNvSpPr>
+          <p:nvPr>
+            <p:ph type="dt" sz="half" idx="14"/>
+          </p:nvPr>
+        </p:nvSpPr>
+        <p:spPr/>
+        <p:txBody>
+          <a:bodyPr/>
+          <a:lstStyle/>
+          <a:p>
+            <a:pPr>
+              <a:defRPr/>
+            </a:pPr>
+            <a:fld id="{EEB36982-DFDB-46D3-B7A3-EB8965E21BD5}" type="datetime1">
+              <a:rPr lang="de-DE" smtClean="0"/>
+              <a:pPr>
+                <a:defRPr/>
+              </a:pPr>
+              <a:t>13.12.2020</a:t>
+            </a:fld>
+            <a:endParaRPr lang="de-DE" dirty="0"/>
+          </a:p>
+        </p:txBody>
+      </p:sp>
+      <p:sp>
+        <p:nvSpPr>
+          <p:cNvPr id="6" name="Foliennummernplatzhalter 5">
+            <a:extLst>
+              <a:ext uri="{FF2B5EF4-FFF2-40B4-BE49-F238E27FC236}">
+                <a16:creationId xmlns:a16="http://schemas.microsoft.com/office/drawing/2014/main" id="{90D2FB82-699F-401C-8AFB-8F3D1AA2FC5E}"/>
+              </a:ext>
+            </a:extLst>
+          </p:cNvPr>
+          <p:cNvSpPr>
+            <a:spLocks noGrp="1"/>
+          </p:cNvSpPr>
+          <p:nvPr>
+            <p:ph type="sldNum" sz="quarter" idx="15"/>
+          </p:nvPr>
+        </p:nvSpPr>
+        <p:spPr/>
+        <p:txBody>
+          <a:bodyPr/>
+          <a:lstStyle/>
+          <a:p>
+            <a:r>
+              <a:rPr lang="de-DE" altLang="de-DE"/>
+              <a:t>Seite </a:t>
+            </a:r>
+            <a:fld id="{2EA3F71B-B629-4275-81DB-BFC15E41567D}" type="slidenum">
+              <a:rPr lang="de-DE" altLang="de-DE" smtClean="0"/>
+              <a:pPr/>
+              <a:t>15</a:t>
+            </a:fld>
+            <a:endParaRPr lang="de-DE" altLang="de-DE"/>
+          </a:p>
+        </p:txBody>
+      </p:sp>
+    </p:spTree>
+    <p:extLst>
+      <p:ext uri="{BB962C8B-B14F-4D97-AF65-F5344CB8AC3E}">
+        <p14:creationId xmlns:p14="http://schemas.microsoft.com/office/powerpoint/2010/main" val="3828784920"/>
+      </p:ext>
+    </p:extLst>
+  </p:cSld>
+  <p:clrMapOvr>
+    <a:masterClrMapping/>
+  </p:clrMapOvr>
+</p:sld>
+</file>
+
+<file path=ppt/slides/slide16.xml><?xml version="1.0" encoding="utf-8"?>
+<p:sld xmlns:a="http://schemas.openxmlformats.org/drawingml/2006/main" xmlns:r="http://schemas.openxmlformats.org/officeDocument/2006/relationships" xmlns:p="http://schemas.openxmlformats.org/presentationml/2006/main">
+  <p:cSld>
+    <p:spTree>
+      <p:nvGrpSpPr>
+        <p:cNvPr id="1" name=""/>
+        <p:cNvGrpSpPr/>
+        <p:nvPr/>
+      </p:nvGrpSpPr>
+      <p:grpSpPr>
+        <a:xfrm>
+          <a:off x="0" y="0"/>
+          <a:ext cx="0" cy="0"/>
+          <a:chOff x="0" y="0"/>
+          <a:chExt cx="0" cy="0"/>
+        </a:xfrm>
+      </p:grpSpPr>
+      <p:sp>
+        <p:nvSpPr>
+          <p:cNvPr id="2" name="Titel 1">
+            <a:extLst>
+              <a:ext uri="{FF2B5EF4-FFF2-40B4-BE49-F238E27FC236}">
+                <a16:creationId xmlns:a16="http://schemas.microsoft.com/office/drawing/2014/main" id="{5741573C-BA01-4940-B62D-38CC7C7A8F45}"/>
+              </a:ext>
+            </a:extLst>
+          </p:cNvPr>
+          <p:cNvSpPr>
+            <a:spLocks noGrp="1"/>
+          </p:cNvSpPr>
+          <p:nvPr>
+            <p:ph type="title"/>
+          </p:nvPr>
+        </p:nvSpPr>
+        <p:spPr/>
+        <p:txBody>
+          <a:bodyPr/>
+          <a:lstStyle/>
+          <a:p>
+            <a:r>
+              <a:rPr lang="de-DE" dirty="0"/>
+              <a:t>Proof </a:t>
+            </a:r>
+            <a:r>
+              <a:rPr lang="de-DE" dirty="0" err="1"/>
+              <a:t>of</a:t>
+            </a:r>
+            <a:r>
+              <a:rPr lang="de-DE" dirty="0"/>
+              <a:t> Concept</a:t>
+            </a:r>
+          </a:p>
+        </p:txBody>
+      </p:sp>
+      <p:sp>
+        <p:nvSpPr>
+          <p:cNvPr id="3" name="Inhaltsplatzhalter 2">
+            <a:extLst>
+              <a:ext uri="{FF2B5EF4-FFF2-40B4-BE49-F238E27FC236}">
+                <a16:creationId xmlns:a16="http://schemas.microsoft.com/office/drawing/2014/main" id="{CD8BF139-A5E5-4412-B170-3BB6B91FC73D}"/>
+              </a:ext>
+            </a:extLst>
+          </p:cNvPr>
+          <p:cNvSpPr>
+            <a:spLocks noGrp="1"/>
+          </p:cNvSpPr>
+          <p:nvPr>
+            <p:ph sz="quarter" idx="12"/>
+          </p:nvPr>
+        </p:nvSpPr>
+        <p:spPr>
+          <a:xfrm>
+            <a:off x="893785" y="1114887"/>
+            <a:ext cx="8099823" cy="4320000"/>
+          </a:xfrm>
+        </p:spPr>
+        <p:txBody>
+          <a:bodyPr/>
+          <a:lstStyle/>
+          <a:p>
+            <a:pPr>
+              <a:lnSpc>
+                <a:spcPct val="107000"/>
+              </a:lnSpc>
+              <a:spcAft>
+                <a:spcPts val="800"/>
+              </a:spcAft>
+            </a:pPr>
+            <a:r>
+              <a:rPr lang="de-DE" sz="1800" b="1" dirty="0">
+                <a:effectLst/>
+                <a:latin typeface="Arial" panose="020B0604020202020204" pitchFamily="34" charset="0"/>
+                <a:ea typeface="Calibri" panose="020F0502020204030204" pitchFamily="34" charset="0"/>
+                <a:cs typeface="Times New Roman" panose="02020603050405020304" pitchFamily="18" charset="0"/>
+              </a:rPr>
+              <a:t>Darstellung der Routen auf der Karte</a:t>
+            </a:r>
+            <a:r>
+              <a:rPr lang="de-DE" sz="1800" dirty="0">
+                <a:effectLst/>
+                <a:latin typeface="Arial" panose="020B0604020202020204" pitchFamily="34" charset="0"/>
+                <a:ea typeface="Calibri" panose="020F0502020204030204" pitchFamily="34" charset="0"/>
+                <a:cs typeface="Times New Roman" panose="02020603050405020304" pitchFamily="18" charset="0"/>
+              </a:rPr>
+              <a:t> </a:t>
+            </a:r>
+            <a:endParaRPr lang="de-DE" sz="1800" dirty="0">
+              <a:effectLst/>
+              <a:latin typeface="Calibri" panose="020F0502020204030204" pitchFamily="34" charset="0"/>
+              <a:ea typeface="Calibri" panose="020F0502020204030204" pitchFamily="34" charset="0"/>
+              <a:cs typeface="Times New Roman" panose="02020603050405020304" pitchFamily="18" charset="0"/>
+            </a:endParaRPr>
+          </a:p>
+          <a:p>
+            <a:pPr>
+              <a:lnSpc>
+                <a:spcPct val="107000"/>
+              </a:lnSpc>
+              <a:spcAft>
+                <a:spcPts val="800"/>
+              </a:spcAft>
+            </a:pPr>
+            <a:r>
+              <a:rPr lang="de-DE" sz="1800" dirty="0">
+                <a:effectLst/>
+                <a:latin typeface="Arial" panose="020B0604020202020204" pitchFamily="34" charset="0"/>
+                <a:ea typeface="Calibri" panose="020F0502020204030204" pitchFamily="34" charset="0"/>
+                <a:cs typeface="Times New Roman" panose="02020603050405020304" pitchFamily="18" charset="0"/>
+              </a:rPr>
+              <a:t>Beschreibung:</a:t>
+            </a:r>
+            <a:endParaRPr lang="de-DE" sz="1800" dirty="0">
+              <a:effectLst/>
+              <a:latin typeface="Calibri" panose="020F0502020204030204" pitchFamily="34" charset="0"/>
+              <a:ea typeface="Calibri" panose="020F0502020204030204" pitchFamily="34" charset="0"/>
+              <a:cs typeface="Times New Roman" panose="02020603050405020304" pitchFamily="18" charset="0"/>
+            </a:endParaRPr>
+          </a:p>
+          <a:p>
+            <a:pPr>
+              <a:lnSpc>
+                <a:spcPct val="107000"/>
+              </a:lnSpc>
+              <a:spcAft>
+                <a:spcPts val="800"/>
+              </a:spcAft>
+            </a:pPr>
+            <a:r>
+              <a:rPr lang="de-DE" sz="1800" dirty="0">
+                <a:effectLst/>
+                <a:latin typeface="Arial" panose="020B0604020202020204" pitchFamily="34" charset="0"/>
+                <a:ea typeface="Calibri" panose="020F0502020204030204" pitchFamily="34" charset="0"/>
+                <a:cs typeface="Times New Roman" panose="02020603050405020304" pitchFamily="18" charset="0"/>
+              </a:rPr>
+              <a:t>Die Eingabe wird erkannt und in der Datenbank die entsprechende Visualisierung der Herkunft angezeigt wird. </a:t>
+            </a:r>
+            <a:endParaRPr lang="de-DE" sz="1800" dirty="0">
+              <a:effectLst/>
+              <a:latin typeface="Calibri" panose="020F0502020204030204" pitchFamily="34" charset="0"/>
+              <a:ea typeface="Calibri" panose="020F0502020204030204" pitchFamily="34" charset="0"/>
+              <a:cs typeface="Times New Roman" panose="02020603050405020304" pitchFamily="18" charset="0"/>
+            </a:endParaRPr>
+          </a:p>
+          <a:p>
+            <a:pPr>
+              <a:lnSpc>
+                <a:spcPct val="107000"/>
+              </a:lnSpc>
+              <a:spcAft>
+                <a:spcPts val="800"/>
+              </a:spcAft>
+            </a:pPr>
+            <a:r>
+              <a:rPr lang="de-DE" sz="1800" dirty="0">
+                <a:effectLst/>
+                <a:latin typeface="Arial" panose="020B0604020202020204" pitchFamily="34" charset="0"/>
+                <a:ea typeface="Calibri" panose="020F0502020204030204" pitchFamily="34" charset="0"/>
+                <a:cs typeface="Times New Roman" panose="02020603050405020304" pitchFamily="18" charset="0"/>
+              </a:rPr>
+              <a:t> </a:t>
+            </a:r>
+            <a:endParaRPr lang="de-DE" sz="1800" dirty="0">
+              <a:effectLst/>
+              <a:latin typeface="Calibri" panose="020F0502020204030204" pitchFamily="34" charset="0"/>
+              <a:ea typeface="Calibri" panose="020F0502020204030204" pitchFamily="34" charset="0"/>
+              <a:cs typeface="Times New Roman" panose="02020603050405020304" pitchFamily="18" charset="0"/>
+            </a:endParaRPr>
+          </a:p>
+          <a:p>
+            <a:pPr>
+              <a:lnSpc>
+                <a:spcPct val="107000"/>
+              </a:lnSpc>
+              <a:spcAft>
+                <a:spcPts val="800"/>
+              </a:spcAft>
+            </a:pPr>
+            <a:r>
+              <a:rPr lang="de-DE" sz="1800" dirty="0">
+                <a:effectLst/>
+                <a:latin typeface="Arial" panose="020B0604020202020204" pitchFamily="34" charset="0"/>
+                <a:ea typeface="Calibri" panose="020F0502020204030204" pitchFamily="34" charset="0"/>
+                <a:cs typeface="Times New Roman" panose="02020603050405020304" pitchFamily="18" charset="0"/>
+              </a:rPr>
+              <a:t>Exit-Kriterien:</a:t>
+            </a:r>
+            <a:endParaRPr lang="de-DE" sz="1800" dirty="0">
+              <a:effectLst/>
+              <a:latin typeface="Calibri" panose="020F0502020204030204" pitchFamily="34" charset="0"/>
+              <a:ea typeface="Calibri" panose="020F0502020204030204" pitchFamily="34" charset="0"/>
+              <a:cs typeface="Times New Roman" panose="02020603050405020304" pitchFamily="18" charset="0"/>
+            </a:endParaRPr>
+          </a:p>
+          <a:p>
+            <a:pPr>
+              <a:lnSpc>
+                <a:spcPct val="107000"/>
+              </a:lnSpc>
+              <a:spcAft>
+                <a:spcPts val="800"/>
+              </a:spcAft>
+            </a:pPr>
+            <a:r>
+              <a:rPr lang="de-DE" sz="1800" dirty="0">
+                <a:effectLst/>
+                <a:latin typeface="Arial" panose="020B0604020202020204" pitchFamily="34" charset="0"/>
+                <a:ea typeface="Calibri" panose="020F0502020204030204" pitchFamily="34" charset="0"/>
+                <a:cs typeface="Times New Roman" panose="02020603050405020304" pitchFamily="18" charset="0"/>
+              </a:rPr>
+              <a:t>Die Datenbank gibt die erforderlichen Daten an den Benutzer zurück.</a:t>
+            </a:r>
+            <a:endParaRPr lang="de-DE" sz="1800" dirty="0">
+              <a:effectLst/>
+              <a:latin typeface="Calibri" panose="020F0502020204030204" pitchFamily="34" charset="0"/>
+              <a:ea typeface="Calibri" panose="020F0502020204030204" pitchFamily="34" charset="0"/>
+              <a:cs typeface="Times New Roman" panose="02020603050405020304" pitchFamily="18" charset="0"/>
+            </a:endParaRPr>
+          </a:p>
+          <a:p>
+            <a:pPr>
+              <a:lnSpc>
+                <a:spcPct val="107000"/>
+              </a:lnSpc>
+              <a:spcAft>
+                <a:spcPts val="800"/>
+              </a:spcAft>
+            </a:pPr>
+            <a:r>
+              <a:rPr lang="de-DE" sz="1800" dirty="0">
+                <a:effectLst/>
+                <a:latin typeface="Arial" panose="020B0604020202020204" pitchFamily="34" charset="0"/>
+                <a:ea typeface="Calibri" panose="020F0502020204030204" pitchFamily="34" charset="0"/>
+                <a:cs typeface="Times New Roman" panose="02020603050405020304" pitchFamily="18" charset="0"/>
+              </a:rPr>
+              <a:t> </a:t>
+            </a:r>
+            <a:endParaRPr lang="de-DE" sz="1800" dirty="0">
+              <a:effectLst/>
+              <a:latin typeface="Calibri" panose="020F0502020204030204" pitchFamily="34" charset="0"/>
+              <a:ea typeface="Calibri" panose="020F0502020204030204" pitchFamily="34" charset="0"/>
+              <a:cs typeface="Times New Roman" panose="02020603050405020304" pitchFamily="18" charset="0"/>
+            </a:endParaRPr>
+          </a:p>
+          <a:p>
+            <a:pPr>
+              <a:lnSpc>
+                <a:spcPct val="107000"/>
+              </a:lnSpc>
+              <a:spcAft>
+                <a:spcPts val="800"/>
+              </a:spcAft>
+            </a:pPr>
+            <a:r>
+              <a:rPr lang="de-DE" sz="1800" dirty="0">
+                <a:effectLst/>
+                <a:latin typeface="Arial" panose="020B0604020202020204" pitchFamily="34" charset="0"/>
+                <a:ea typeface="Calibri" panose="020F0502020204030204" pitchFamily="34" charset="0"/>
+                <a:cs typeface="Times New Roman" panose="02020603050405020304" pitchFamily="18" charset="0"/>
+              </a:rPr>
+              <a:t>Fail-Kriterien:</a:t>
+            </a:r>
+            <a:endParaRPr lang="de-DE" sz="1800" dirty="0">
+              <a:effectLst/>
+              <a:latin typeface="Calibri" panose="020F0502020204030204" pitchFamily="34" charset="0"/>
+              <a:ea typeface="Calibri" panose="020F0502020204030204" pitchFamily="34" charset="0"/>
+              <a:cs typeface="Times New Roman" panose="02020603050405020304" pitchFamily="18" charset="0"/>
+            </a:endParaRPr>
+          </a:p>
+          <a:p>
+            <a:pPr>
+              <a:lnSpc>
+                <a:spcPct val="107000"/>
+              </a:lnSpc>
+              <a:spcAft>
+                <a:spcPts val="800"/>
+              </a:spcAft>
+            </a:pPr>
+            <a:r>
+              <a:rPr lang="de-DE" sz="1800" dirty="0">
+                <a:effectLst/>
+                <a:latin typeface="Arial" panose="020B0604020202020204" pitchFamily="34" charset="0"/>
+                <a:ea typeface="Calibri" panose="020F0502020204030204" pitchFamily="34" charset="0"/>
+                <a:cs typeface="Times New Roman" panose="02020603050405020304" pitchFamily="18" charset="0"/>
+              </a:rPr>
+              <a:t>1. Route kann nicht berechnet werden.</a:t>
+            </a:r>
+            <a:endParaRPr lang="de-DE" sz="1800" dirty="0">
+              <a:effectLst/>
+              <a:latin typeface="Calibri" panose="020F0502020204030204" pitchFamily="34" charset="0"/>
+              <a:ea typeface="Calibri" panose="020F0502020204030204" pitchFamily="34" charset="0"/>
+              <a:cs typeface="Times New Roman" panose="02020603050405020304" pitchFamily="18" charset="0"/>
+            </a:endParaRPr>
+          </a:p>
+          <a:p>
+            <a:pPr>
+              <a:lnSpc>
+                <a:spcPct val="107000"/>
+              </a:lnSpc>
+              <a:spcAft>
+                <a:spcPts val="800"/>
+              </a:spcAft>
+            </a:pPr>
+            <a:r>
+              <a:rPr lang="de-DE" sz="1800" dirty="0">
+                <a:effectLst/>
+                <a:latin typeface="Arial" panose="020B0604020202020204" pitchFamily="34" charset="0"/>
+                <a:ea typeface="Calibri" panose="020F0502020204030204" pitchFamily="34" charset="0"/>
+                <a:cs typeface="Times New Roman" panose="02020603050405020304" pitchFamily="18" charset="0"/>
+              </a:rPr>
+              <a:t>2. Route kann nicht angezeigt werden.</a:t>
+            </a:r>
+            <a:endParaRPr lang="de-DE" sz="1800" dirty="0">
+              <a:effectLst/>
+              <a:latin typeface="Calibri" panose="020F0502020204030204" pitchFamily="34" charset="0"/>
+              <a:ea typeface="Calibri" panose="020F0502020204030204" pitchFamily="34" charset="0"/>
+              <a:cs typeface="Times New Roman" panose="02020603050405020304" pitchFamily="18" charset="0"/>
+            </a:endParaRPr>
+          </a:p>
+          <a:p>
+            <a:pPr>
+              <a:lnSpc>
+                <a:spcPct val="107000"/>
+              </a:lnSpc>
+              <a:spcAft>
+                <a:spcPts val="800"/>
+              </a:spcAft>
+            </a:pPr>
+            <a:r>
+              <a:rPr lang="de-DE" sz="1800" dirty="0">
+                <a:effectLst/>
+                <a:latin typeface="Arial" panose="020B0604020202020204" pitchFamily="34" charset="0"/>
+                <a:ea typeface="Calibri" panose="020F0502020204030204" pitchFamily="34" charset="0"/>
+                <a:cs typeface="Times New Roman" panose="02020603050405020304" pitchFamily="18" charset="0"/>
+              </a:rPr>
+              <a:t>3. Mehrere Routen werden nicht angezeigt.</a:t>
+            </a:r>
+            <a:endParaRPr lang="de-DE" sz="1800" dirty="0">
+              <a:effectLst/>
+              <a:latin typeface="Calibri" panose="020F0502020204030204" pitchFamily="34" charset="0"/>
+              <a:ea typeface="Calibri" panose="020F0502020204030204" pitchFamily="34" charset="0"/>
+              <a:cs typeface="Times New Roman" panose="02020603050405020304" pitchFamily="18" charset="0"/>
+            </a:endParaRPr>
+          </a:p>
+          <a:p>
+            <a:endParaRPr lang="de-DE" dirty="0"/>
+          </a:p>
+        </p:txBody>
+      </p:sp>
+      <p:sp>
+        <p:nvSpPr>
+          <p:cNvPr id="4" name="Textplatzhalter 3">
+            <a:extLst>
+              <a:ext uri="{FF2B5EF4-FFF2-40B4-BE49-F238E27FC236}">
+                <a16:creationId xmlns:a16="http://schemas.microsoft.com/office/drawing/2014/main" id="{2644B8E1-0535-464F-95F4-AEDB85065B17}"/>
+              </a:ext>
+            </a:extLst>
+          </p:cNvPr>
+          <p:cNvSpPr>
+            <a:spLocks noGrp="1"/>
+          </p:cNvSpPr>
+          <p:nvPr>
+            <p:ph type="body" idx="13"/>
+          </p:nvPr>
+        </p:nvSpPr>
+        <p:spPr/>
+        <p:txBody>
+          <a:bodyPr/>
+          <a:lstStyle/>
+          <a:p>
+            <a:endParaRPr lang="de-DE"/>
+          </a:p>
+        </p:txBody>
+      </p:sp>
+      <p:sp>
+        <p:nvSpPr>
+          <p:cNvPr id="5" name="Datumsplatzhalter 4">
+            <a:extLst>
+              <a:ext uri="{FF2B5EF4-FFF2-40B4-BE49-F238E27FC236}">
+                <a16:creationId xmlns:a16="http://schemas.microsoft.com/office/drawing/2014/main" id="{3B77FA45-AECA-448D-B8CD-440DBB3C0C35}"/>
+              </a:ext>
+            </a:extLst>
+          </p:cNvPr>
+          <p:cNvSpPr>
+            <a:spLocks noGrp="1"/>
+          </p:cNvSpPr>
+          <p:nvPr>
+            <p:ph type="dt" sz="half" idx="14"/>
+          </p:nvPr>
+        </p:nvSpPr>
+        <p:spPr/>
+        <p:txBody>
+          <a:bodyPr/>
+          <a:lstStyle/>
+          <a:p>
+            <a:pPr>
+              <a:defRPr/>
+            </a:pPr>
+            <a:fld id="{EEB36982-DFDB-46D3-B7A3-EB8965E21BD5}" type="datetime1">
+              <a:rPr lang="de-DE" smtClean="0"/>
+              <a:pPr>
+                <a:defRPr/>
+              </a:pPr>
+              <a:t>13.12.2020</a:t>
+            </a:fld>
+            <a:endParaRPr lang="de-DE" dirty="0"/>
+          </a:p>
+        </p:txBody>
+      </p:sp>
+      <p:sp>
+        <p:nvSpPr>
+          <p:cNvPr id="6" name="Foliennummernplatzhalter 5">
+            <a:extLst>
+              <a:ext uri="{FF2B5EF4-FFF2-40B4-BE49-F238E27FC236}">
+                <a16:creationId xmlns:a16="http://schemas.microsoft.com/office/drawing/2014/main" id="{90D2FB82-699F-401C-8AFB-8F3D1AA2FC5E}"/>
+              </a:ext>
+            </a:extLst>
+          </p:cNvPr>
+          <p:cNvSpPr>
+            <a:spLocks noGrp="1"/>
+          </p:cNvSpPr>
+          <p:nvPr>
+            <p:ph type="sldNum" sz="quarter" idx="15"/>
+          </p:nvPr>
+        </p:nvSpPr>
+        <p:spPr/>
+        <p:txBody>
+          <a:bodyPr/>
+          <a:lstStyle/>
+          <a:p>
+            <a:r>
+              <a:rPr lang="de-DE" altLang="de-DE"/>
+              <a:t>Seite </a:t>
+            </a:r>
+            <a:fld id="{2EA3F71B-B629-4275-81DB-BFC15E41567D}" type="slidenum">
+              <a:rPr lang="de-DE" altLang="de-DE" smtClean="0"/>
+              <a:pPr/>
+              <a:t>16</a:t>
+            </a:fld>
+            <a:endParaRPr lang="de-DE" altLang="de-DE"/>
+          </a:p>
+        </p:txBody>
+      </p:sp>
+    </p:spTree>
+    <p:extLst>
+      <p:ext uri="{BB962C8B-B14F-4D97-AF65-F5344CB8AC3E}">
+        <p14:creationId xmlns:p14="http://schemas.microsoft.com/office/powerpoint/2010/main" val="1773270094"/>
+      </p:ext>
+    </p:extLst>
+  </p:cSld>
+  <p:clrMapOvr>
+    <a:masterClrMapping/>
+  </p:clrMapOvr>
+</p:sld>
+</file>
+
+<file path=ppt/slides/slide2.xml><?xml version="1.0" encoding="utf-8"?>
+<p:sld xmlns:a="http://schemas.openxmlformats.org/drawingml/2006/main" xmlns:r="http://schemas.openxmlformats.org/officeDocument/2006/relationships" xmlns:p="http://schemas.openxmlformats.org/presentationml/2006/main">
+  <p:cSld>
+    <p:spTree>
+      <p:nvGrpSpPr>
+        <p:cNvPr id="1" name=""/>
+        <p:cNvGrpSpPr/>
+        <p:nvPr/>
+      </p:nvGrpSpPr>
+      <p:grpSpPr>
+        <a:xfrm>
+          <a:off x="0" y="0"/>
+          <a:ext cx="0" cy="0"/>
+          <a:chOff x="0" y="0"/>
+          <a:chExt cx="0" cy="0"/>
+        </a:xfrm>
+      </p:grpSpPr>
+      <p:sp>
+        <p:nvSpPr>
+          <p:cNvPr id="2" name="Titel 1">
+            <a:extLst>
+              <a:ext uri="{FF2B5EF4-FFF2-40B4-BE49-F238E27FC236}">
+                <a16:creationId xmlns:a16="http://schemas.microsoft.com/office/drawing/2014/main" id="{8475BCC0-135F-4CA9-B37E-482BE1CA6315}"/>
+              </a:ext>
+            </a:extLst>
+          </p:cNvPr>
+          <p:cNvSpPr>
+            <a:spLocks noGrp="1"/>
+          </p:cNvSpPr>
+          <p:nvPr>
+            <p:ph type="title"/>
+          </p:nvPr>
+        </p:nvSpPr>
+        <p:spPr/>
+        <p:txBody>
+          <a:bodyPr/>
+          <a:lstStyle/>
+          <a:p>
+            <a:r>
+              <a:rPr lang="de-DE" dirty="0"/>
+              <a:t>Inhalt</a:t>
+            </a:r>
+          </a:p>
+        </p:txBody>
+      </p:sp>
+      <p:sp>
+        <p:nvSpPr>
+          <p:cNvPr id="3" name="Inhaltsplatzhalter 2">
+            <a:extLst>
+              <a:ext uri="{FF2B5EF4-FFF2-40B4-BE49-F238E27FC236}">
+                <a16:creationId xmlns:a16="http://schemas.microsoft.com/office/drawing/2014/main" id="{846651E3-49CA-48DD-BB49-57EEFB3C47AA}"/>
+              </a:ext>
+            </a:extLst>
+          </p:cNvPr>
+          <p:cNvSpPr>
+            <a:spLocks noGrp="1"/>
+          </p:cNvSpPr>
+          <p:nvPr>
+            <p:ph sz="quarter" idx="12"/>
+          </p:nvPr>
+        </p:nvSpPr>
+        <p:spPr>
+          <a:xfrm>
+            <a:off x="904480" y="1042042"/>
+            <a:ext cx="8099823" cy="4320000"/>
+          </a:xfrm>
+        </p:spPr>
+        <p:txBody>
+          <a:bodyPr/>
+          <a:lstStyle/>
+          <a:p>
+            <a:pPr marL="457200" indent="-457200">
+              <a:lnSpc>
+                <a:spcPct val="150000"/>
+              </a:lnSpc>
+              <a:buAutoNum type="arabicPeriod"/>
+            </a:pPr>
+            <a:r>
+              <a:rPr lang="de-DE" dirty="0"/>
+              <a:t>Domänenmodell 6.0</a:t>
+            </a:r>
+          </a:p>
+          <a:p>
+            <a:pPr marL="457200" indent="-457200">
+              <a:lnSpc>
+                <a:spcPct val="150000"/>
+              </a:lnSpc>
+              <a:buAutoNum type="arabicPeriod"/>
+            </a:pPr>
+            <a:r>
+              <a:rPr lang="de-DE" dirty="0"/>
+              <a:t>Problemraum im Domänenmodell</a:t>
+            </a:r>
+          </a:p>
+          <a:p>
+            <a:pPr marL="457200" indent="-457200">
+              <a:lnSpc>
+                <a:spcPct val="150000"/>
+              </a:lnSpc>
+              <a:buAutoNum type="arabicPeriod"/>
+            </a:pPr>
+            <a:r>
+              <a:rPr lang="de-DE" dirty="0"/>
+              <a:t>Projektvorhaben</a:t>
+            </a:r>
+          </a:p>
+          <a:p>
+            <a:pPr marL="457200" indent="-457200">
+              <a:lnSpc>
+                <a:spcPct val="150000"/>
+              </a:lnSpc>
+              <a:buAutoNum type="arabicPeriod"/>
+            </a:pPr>
+            <a:r>
+              <a:rPr lang="de-DE" dirty="0"/>
+              <a:t>Alleinstellungsmerkmal</a:t>
+            </a:r>
+          </a:p>
+          <a:p>
+            <a:pPr marL="457200" indent="-457200">
+              <a:lnSpc>
+                <a:spcPct val="150000"/>
+              </a:lnSpc>
+              <a:buAutoNum type="arabicPeriod"/>
+            </a:pPr>
+            <a:r>
+              <a:rPr lang="de-DE" dirty="0"/>
+              <a:t>Zielhierarchie</a:t>
+            </a:r>
+          </a:p>
+          <a:p>
+            <a:pPr marL="457200" indent="-457200">
+              <a:lnSpc>
+                <a:spcPct val="150000"/>
+              </a:lnSpc>
+              <a:buAutoNum type="arabicPeriod"/>
+            </a:pPr>
+            <a:r>
+              <a:rPr lang="de-DE" dirty="0"/>
+              <a:t>Anforderungen</a:t>
+            </a:r>
+          </a:p>
+          <a:p>
+            <a:pPr marL="457200" indent="-457200">
+              <a:lnSpc>
+                <a:spcPct val="150000"/>
+              </a:lnSpc>
+              <a:buAutoNum type="arabicPeriod"/>
+            </a:pPr>
+            <a:r>
+              <a:rPr lang="de-DE" dirty="0"/>
+              <a:t>API-</a:t>
+            </a:r>
+            <a:r>
+              <a:rPr lang="de-DE" dirty="0" err="1"/>
+              <a:t>Rechrche</a:t>
+            </a:r>
+            <a:endParaRPr lang="de-DE" dirty="0"/>
+          </a:p>
+          <a:p>
+            <a:pPr marL="457200" indent="-457200">
+              <a:lnSpc>
+                <a:spcPct val="150000"/>
+              </a:lnSpc>
+              <a:buAutoNum type="arabicPeriod"/>
+            </a:pPr>
+            <a:r>
+              <a:rPr lang="de-DE" dirty="0"/>
+              <a:t>Risiken</a:t>
+            </a:r>
+          </a:p>
+          <a:p>
+            <a:pPr marL="457200" indent="-457200">
+              <a:lnSpc>
+                <a:spcPct val="150000"/>
+              </a:lnSpc>
+              <a:buAutoNum type="arabicPeriod"/>
+            </a:pPr>
+            <a:r>
+              <a:rPr lang="de-DE" dirty="0"/>
+              <a:t>Proof </a:t>
+            </a:r>
+            <a:r>
+              <a:rPr lang="de-DE" dirty="0" err="1"/>
+              <a:t>of</a:t>
+            </a:r>
+            <a:r>
+              <a:rPr lang="de-DE" dirty="0"/>
+              <a:t> Concept</a:t>
+            </a:r>
+            <a:br>
+              <a:rPr lang="de-DE" dirty="0"/>
+            </a:br>
+            <a:endParaRPr lang="de-DE" dirty="0"/>
+          </a:p>
+        </p:txBody>
+      </p:sp>
+      <p:sp>
+        <p:nvSpPr>
+          <p:cNvPr id="4" name="Textplatzhalter 3">
+            <a:extLst>
+              <a:ext uri="{FF2B5EF4-FFF2-40B4-BE49-F238E27FC236}">
+                <a16:creationId xmlns:a16="http://schemas.microsoft.com/office/drawing/2014/main" id="{2A1D29C1-3A2E-452B-8479-C5FE4A76E801}"/>
+              </a:ext>
+            </a:extLst>
+          </p:cNvPr>
+          <p:cNvSpPr>
+            <a:spLocks noGrp="1"/>
+          </p:cNvSpPr>
+          <p:nvPr>
+            <p:ph type="body" idx="13"/>
+          </p:nvPr>
+        </p:nvSpPr>
+        <p:spPr/>
+        <p:txBody>
+          <a:bodyPr/>
+          <a:lstStyle/>
+          <a:p>
+            <a:endParaRPr lang="de-DE"/>
+          </a:p>
+        </p:txBody>
+      </p:sp>
+      <p:sp>
+        <p:nvSpPr>
+          <p:cNvPr id="5" name="Datumsplatzhalter 4">
+            <a:extLst>
+              <a:ext uri="{FF2B5EF4-FFF2-40B4-BE49-F238E27FC236}">
+                <a16:creationId xmlns:a16="http://schemas.microsoft.com/office/drawing/2014/main" id="{A655B1CD-F493-4863-8398-BB9577CC48D9}"/>
+              </a:ext>
+            </a:extLst>
+          </p:cNvPr>
+          <p:cNvSpPr>
+            <a:spLocks noGrp="1"/>
+          </p:cNvSpPr>
+          <p:nvPr>
+            <p:ph type="dt" sz="half" idx="14"/>
+          </p:nvPr>
+        </p:nvSpPr>
+        <p:spPr/>
+        <p:txBody>
+          <a:bodyPr/>
+          <a:lstStyle/>
+          <a:p>
+            <a:pPr>
+              <a:defRPr/>
+            </a:pPr>
+            <a:r>
+              <a:rPr lang="de-DE" dirty="0"/>
+              <a:t>13.12.2020</a:t>
+            </a:r>
+          </a:p>
+        </p:txBody>
+      </p:sp>
+      <p:sp>
+        <p:nvSpPr>
+          <p:cNvPr id="6" name="Foliennummernplatzhalter 5">
+            <a:extLst>
+              <a:ext uri="{FF2B5EF4-FFF2-40B4-BE49-F238E27FC236}">
+                <a16:creationId xmlns:a16="http://schemas.microsoft.com/office/drawing/2014/main" id="{760264E3-E673-44A3-96C9-F94D0F4E6546}"/>
+              </a:ext>
+            </a:extLst>
+          </p:cNvPr>
+          <p:cNvSpPr>
+            <a:spLocks noGrp="1"/>
+          </p:cNvSpPr>
+          <p:nvPr>
+            <p:ph type="sldNum" sz="quarter" idx="15"/>
+          </p:nvPr>
+        </p:nvSpPr>
+        <p:spPr/>
+        <p:txBody>
+          <a:bodyPr/>
+          <a:lstStyle/>
+          <a:p>
+            <a:r>
+              <a:rPr lang="de-DE" altLang="de-DE"/>
+              <a:t>Seite </a:t>
+            </a:r>
+            <a:fld id="{2EA3F71B-B629-4275-81DB-BFC15E41567D}" type="slidenum">
+              <a:rPr lang="de-DE" altLang="de-DE" smtClean="0"/>
+              <a:pPr/>
+              <a:t>2</a:t>
+            </a:fld>
+            <a:endParaRPr lang="de-DE" altLang="de-DE"/>
+          </a:p>
+        </p:txBody>
+      </p:sp>
+    </p:spTree>
+    <p:extLst>
+      <p:ext uri="{BB962C8B-B14F-4D97-AF65-F5344CB8AC3E}">
+        <p14:creationId xmlns:p14="http://schemas.microsoft.com/office/powerpoint/2010/main" val="562758075"/>
+      </p:ext>
+    </p:extLst>
+  </p:cSld>
+  <p:clrMapOvr>
+    <a:masterClrMapping/>
+  </p:clrMapOvr>
+</p:sld>
+</file>
+
+<file path=ppt/slides/slide3.xml><?xml version="1.0" encoding="utf-8"?>
+<p:sld xmlns:a="http://schemas.openxmlformats.org/drawingml/2006/main" xmlns:r="http://schemas.openxmlformats.org/officeDocument/2006/relationships" xmlns:p="http://schemas.openxmlformats.org/presentationml/2006/main">
+  <p:cSld>
+    <p:spTree>
+      <p:nvGrpSpPr>
+        <p:cNvPr id="1" name=""/>
+        <p:cNvGrpSpPr/>
+        <p:nvPr/>
+      </p:nvGrpSpPr>
+      <p:grpSpPr>
+        <a:xfrm>
+          <a:off x="0" y="0"/>
+          <a:ext cx="0" cy="0"/>
+          <a:chOff x="0" y="0"/>
+          <a:chExt cx="0" cy="0"/>
+        </a:xfrm>
+      </p:grpSpPr>
+      <p:sp>
+        <p:nvSpPr>
+          <p:cNvPr id="2" name="Titel 1">
+            <a:extLst>
+              <a:ext uri="{FF2B5EF4-FFF2-40B4-BE49-F238E27FC236}">
+                <a16:creationId xmlns:a16="http://schemas.microsoft.com/office/drawing/2014/main" id="{667BF9FF-6353-437B-ACAD-53067525F154}"/>
+              </a:ext>
+            </a:extLst>
+          </p:cNvPr>
+          <p:cNvSpPr>
+            <a:spLocks noGrp="1"/>
+          </p:cNvSpPr>
+          <p:nvPr>
+            <p:ph type="title"/>
+          </p:nvPr>
+        </p:nvSpPr>
+        <p:spPr/>
+        <p:txBody>
+          <a:bodyPr/>
+          <a:lstStyle/>
+          <a:p>
+            <a:r>
+              <a:rPr lang="de-DE" dirty="0"/>
+              <a:t> Domänenmodell Iteration 6.0</a:t>
+            </a:r>
+          </a:p>
+        </p:txBody>
+      </p:sp>
+      <p:sp>
+        <p:nvSpPr>
+          <p:cNvPr id="4" name="Textplatzhalter 3">
+            <a:extLst>
+              <a:ext uri="{FF2B5EF4-FFF2-40B4-BE49-F238E27FC236}">
+                <a16:creationId xmlns:a16="http://schemas.microsoft.com/office/drawing/2014/main" id="{C0C627C8-8F86-4C59-B5B7-94F9F940C124}"/>
+              </a:ext>
+            </a:extLst>
+          </p:cNvPr>
+          <p:cNvSpPr>
+            <a:spLocks noGrp="1"/>
+          </p:cNvSpPr>
+          <p:nvPr>
+            <p:ph type="body" idx="13"/>
+          </p:nvPr>
+        </p:nvSpPr>
+        <p:spPr/>
+        <p:txBody>
+          <a:bodyPr/>
+          <a:lstStyle/>
+          <a:p>
+            <a:endParaRPr lang="de-DE"/>
+          </a:p>
+        </p:txBody>
+      </p:sp>
+      <p:sp>
+        <p:nvSpPr>
+          <p:cNvPr id="5" name="Datumsplatzhalter 4">
+            <a:extLst>
+              <a:ext uri="{FF2B5EF4-FFF2-40B4-BE49-F238E27FC236}">
+                <a16:creationId xmlns:a16="http://schemas.microsoft.com/office/drawing/2014/main" id="{BDF47542-F935-4305-A172-83C77FAFC432}"/>
+              </a:ext>
+            </a:extLst>
+          </p:cNvPr>
+          <p:cNvSpPr>
+            <a:spLocks noGrp="1"/>
+          </p:cNvSpPr>
+          <p:nvPr>
+            <p:ph type="dt" sz="half" idx="14"/>
+          </p:nvPr>
+        </p:nvSpPr>
+        <p:spPr/>
+        <p:txBody>
+          <a:bodyPr/>
+          <a:lstStyle/>
+          <a:p>
+            <a:pPr>
+              <a:defRPr/>
+            </a:pPr>
+            <a:fld id="{EEB36982-DFDB-46D3-B7A3-EB8965E21BD5}" type="datetime1">
+              <a:rPr lang="de-DE" smtClean="0"/>
+              <a:pPr>
+                <a:defRPr/>
+              </a:pPr>
+              <a:t>13.12.2020</a:t>
+            </a:fld>
+            <a:endParaRPr lang="de-DE" dirty="0"/>
+          </a:p>
+        </p:txBody>
+      </p:sp>
+      <p:sp>
+        <p:nvSpPr>
+          <p:cNvPr id="6" name="Foliennummernplatzhalter 5">
+            <a:extLst>
+              <a:ext uri="{FF2B5EF4-FFF2-40B4-BE49-F238E27FC236}">
+                <a16:creationId xmlns:a16="http://schemas.microsoft.com/office/drawing/2014/main" id="{A8CA6DC5-D23F-4B66-A638-3186DDBFC47F}"/>
+              </a:ext>
+            </a:extLst>
+          </p:cNvPr>
+          <p:cNvSpPr>
+            <a:spLocks noGrp="1"/>
+          </p:cNvSpPr>
+          <p:nvPr>
+            <p:ph type="sldNum" sz="quarter" idx="15"/>
+          </p:nvPr>
+        </p:nvSpPr>
+        <p:spPr/>
+        <p:txBody>
+          <a:bodyPr/>
+          <a:lstStyle/>
+          <a:p>
+            <a:r>
+              <a:rPr lang="de-DE" altLang="de-DE"/>
+              <a:t>Seite </a:t>
+            </a:r>
+            <a:fld id="{2EA3F71B-B629-4275-81DB-BFC15E41567D}" type="slidenum">
+              <a:rPr lang="de-DE" altLang="de-DE" smtClean="0"/>
+              <a:pPr/>
+              <a:t>3</a:t>
+            </a:fld>
+            <a:endParaRPr lang="de-DE" altLang="de-DE"/>
+          </a:p>
+        </p:txBody>
+      </p:sp>
+      <p:pic>
+        <p:nvPicPr>
+          <p:cNvPr id="12" name="Inhaltsplatzhalter 11">
+            <a:extLst>
+              <a:ext uri="{FF2B5EF4-FFF2-40B4-BE49-F238E27FC236}">
+                <a16:creationId xmlns:a16="http://schemas.microsoft.com/office/drawing/2014/main" id="{5D6F116A-36E5-436A-870A-3C846A4980C1}"/>
+              </a:ext>
+            </a:extLst>
+          </p:cNvPr>
+          <p:cNvPicPr>
+            <a:picLocks noGrp="1" noChangeAspect="1"/>
+          </p:cNvPicPr>
+          <p:nvPr>
+            <p:ph sz="quarter" idx="12"/>
+          </p:nvPr>
+        </p:nvPicPr>
+        <p:blipFill>
+          <a:blip r:embed="rId3"/>
+          <a:stretch>
+            <a:fillRect/>
+          </a:stretch>
+        </p:blipFill>
+        <p:spPr>
+          <a:xfrm>
+            <a:off x="2252630" y="1357313"/>
+            <a:ext cx="5403914" cy="4319587"/>
+          </a:xfrm>
+        </p:spPr>
+      </p:pic>
+    </p:spTree>
+    <p:extLst>
+      <p:ext uri="{BB962C8B-B14F-4D97-AF65-F5344CB8AC3E}">
+        <p14:creationId xmlns:p14="http://schemas.microsoft.com/office/powerpoint/2010/main" val="2326174757"/>
+      </p:ext>
+    </p:extLst>
+  </p:cSld>
+  <p:clrMapOvr>
+    <a:masterClrMapping/>
+  </p:clrMapOvr>
+</p:sld>
+</file>
+
+<file path=ppt/slides/slide4.xml><?xml version="1.0" encoding="utf-8"?>
+<p:sld xmlns:a="http://schemas.openxmlformats.org/drawingml/2006/main" xmlns:r="http://schemas.openxmlformats.org/officeDocument/2006/relationships" xmlns:p="http://schemas.openxmlformats.org/presentationml/2006/main">
+  <p:cSld>
+    <p:spTree>
+      <p:nvGrpSpPr>
+        <p:cNvPr id="1" name=""/>
+        <p:cNvGrpSpPr/>
+        <p:nvPr/>
+      </p:nvGrpSpPr>
+      <p:grpSpPr>
+        <a:xfrm>
+          <a:off x="0" y="0"/>
+          <a:ext cx="0" cy="0"/>
+          <a:chOff x="0" y="0"/>
+          <a:chExt cx="0" cy="0"/>
+        </a:xfrm>
+      </p:grpSpPr>
+      <p:sp>
+        <p:nvSpPr>
+          <p:cNvPr id="2" name="Titel 1">
+            <a:extLst>
+              <a:ext uri="{FF2B5EF4-FFF2-40B4-BE49-F238E27FC236}">
+                <a16:creationId xmlns:a16="http://schemas.microsoft.com/office/drawing/2014/main" id="{D67FCC20-48EA-4016-85BE-5D65C17FC55E}"/>
+              </a:ext>
+            </a:extLst>
+          </p:cNvPr>
+          <p:cNvSpPr>
+            <a:spLocks noGrp="1"/>
+          </p:cNvSpPr>
+          <p:nvPr>
+            <p:ph type="title"/>
+          </p:nvPr>
+        </p:nvSpPr>
+        <p:spPr>
+          <a:xfrm>
+            <a:off x="606645" y="591176"/>
+            <a:ext cx="8684817" cy="712482"/>
+          </a:xfrm>
+        </p:spPr>
+        <p:txBody>
+          <a:bodyPr/>
+          <a:lstStyle/>
+          <a:p>
+            <a:r>
+              <a:rPr lang="de-DE" dirty="0"/>
+              <a:t>Domänenmodell Iteration 6.0 – Problemraum</a:t>
+            </a:r>
+          </a:p>
+        </p:txBody>
+      </p:sp>
+      <p:sp>
+        <p:nvSpPr>
+          <p:cNvPr id="4" name="Textplatzhalter 3">
+            <a:extLst>
+              <a:ext uri="{FF2B5EF4-FFF2-40B4-BE49-F238E27FC236}">
+                <a16:creationId xmlns:a16="http://schemas.microsoft.com/office/drawing/2014/main" id="{7345B9D0-955A-491F-9B25-AACDDC738DDC}"/>
+              </a:ext>
+            </a:extLst>
+          </p:cNvPr>
+          <p:cNvSpPr>
+            <a:spLocks noGrp="1"/>
+          </p:cNvSpPr>
+          <p:nvPr>
+            <p:ph type="body" idx="13"/>
+          </p:nvPr>
+        </p:nvSpPr>
+        <p:spPr/>
+        <p:txBody>
+          <a:bodyPr/>
+          <a:lstStyle/>
+          <a:p>
+            <a:endParaRPr lang="de-DE"/>
+          </a:p>
+        </p:txBody>
+      </p:sp>
+      <p:sp>
+        <p:nvSpPr>
+          <p:cNvPr id="5" name="Datumsplatzhalter 4">
+            <a:extLst>
+              <a:ext uri="{FF2B5EF4-FFF2-40B4-BE49-F238E27FC236}">
+                <a16:creationId xmlns:a16="http://schemas.microsoft.com/office/drawing/2014/main" id="{C201DC32-8B6A-4689-864B-D0B7E1719C43}"/>
+              </a:ext>
+            </a:extLst>
+          </p:cNvPr>
+          <p:cNvSpPr>
+            <a:spLocks noGrp="1"/>
+          </p:cNvSpPr>
+          <p:nvPr>
+            <p:ph type="dt" sz="half" idx="14"/>
+          </p:nvPr>
+        </p:nvSpPr>
+        <p:spPr/>
+        <p:txBody>
+          <a:bodyPr/>
+          <a:lstStyle/>
+          <a:p>
+            <a:pPr>
+              <a:defRPr/>
+            </a:pPr>
+            <a:fld id="{EEB36982-DFDB-46D3-B7A3-EB8965E21BD5}" type="datetime1">
+              <a:rPr lang="de-DE" smtClean="0"/>
+              <a:pPr>
+                <a:defRPr/>
+              </a:pPr>
+              <a:t>13.12.2020</a:t>
+            </a:fld>
+            <a:endParaRPr lang="de-DE" dirty="0"/>
+          </a:p>
+        </p:txBody>
+      </p:sp>
+      <p:sp>
+        <p:nvSpPr>
+          <p:cNvPr id="6" name="Foliennummernplatzhalter 5">
+            <a:extLst>
+              <a:ext uri="{FF2B5EF4-FFF2-40B4-BE49-F238E27FC236}">
+                <a16:creationId xmlns:a16="http://schemas.microsoft.com/office/drawing/2014/main" id="{8F5DD5FE-0C64-47FC-8897-EA1077D442E7}"/>
+              </a:ext>
+            </a:extLst>
+          </p:cNvPr>
+          <p:cNvSpPr>
+            <a:spLocks noGrp="1"/>
+          </p:cNvSpPr>
+          <p:nvPr>
+            <p:ph type="sldNum" sz="quarter" idx="15"/>
+          </p:nvPr>
+        </p:nvSpPr>
+        <p:spPr/>
+        <p:txBody>
+          <a:bodyPr/>
+          <a:lstStyle/>
+          <a:p>
+            <a:r>
+              <a:rPr lang="de-DE" altLang="de-DE"/>
+              <a:t>Seite </a:t>
+            </a:r>
+            <a:fld id="{2EA3F71B-B629-4275-81DB-BFC15E41567D}" type="slidenum">
+              <a:rPr lang="de-DE" altLang="de-DE" smtClean="0"/>
+              <a:pPr/>
+              <a:t>4</a:t>
+            </a:fld>
+            <a:endParaRPr lang="de-DE" altLang="de-DE"/>
+          </a:p>
+        </p:txBody>
+      </p:sp>
+      <p:pic>
+        <p:nvPicPr>
+          <p:cNvPr id="9" name="Inhaltsplatzhalter 8">
+            <a:extLst>
+              <a:ext uri="{FF2B5EF4-FFF2-40B4-BE49-F238E27FC236}">
+                <a16:creationId xmlns:a16="http://schemas.microsoft.com/office/drawing/2014/main" id="{3C177268-22DA-4328-B4A1-95C39B4DBF8E}"/>
+              </a:ext>
+            </a:extLst>
+          </p:cNvPr>
+          <p:cNvPicPr>
+            <a:picLocks noGrp="1" noChangeAspect="1"/>
+          </p:cNvPicPr>
+          <p:nvPr>
+            <p:ph sz="quarter" idx="12"/>
+          </p:nvPr>
+        </p:nvPicPr>
+        <p:blipFill rotWithShape="1">
+          <a:blip r:embed="rId3"/>
+          <a:srcRect t="44873" r="12310"/>
+          <a:stretch/>
+        </p:blipFill>
+        <p:spPr>
+          <a:xfrm>
+            <a:off x="319486" y="1388589"/>
+            <a:ext cx="8505028" cy="4273854"/>
+          </a:xfrm>
+        </p:spPr>
+      </p:pic>
+    </p:spTree>
+    <p:extLst>
+      <p:ext uri="{BB962C8B-B14F-4D97-AF65-F5344CB8AC3E}">
+        <p14:creationId xmlns:p14="http://schemas.microsoft.com/office/powerpoint/2010/main" val="1016091697"/>
+      </p:ext>
+    </p:extLst>
+  </p:cSld>
+  <p:clrMapOvr>
+    <a:masterClrMapping/>
+  </p:clrMapOvr>
+</p:sld>
+</file>
+
+<file path=ppt/slides/slide5.xml><?xml version="1.0" encoding="utf-8"?>
+<p:sld xmlns:a="http://schemas.openxmlformats.org/drawingml/2006/main" xmlns:r="http://schemas.openxmlformats.org/officeDocument/2006/relationships" xmlns:p="http://schemas.openxmlformats.org/presentationml/2006/main">
+  <p:cSld>
+    <p:spTree>
+      <p:nvGrpSpPr>
+        <p:cNvPr id="1" name=""/>
+        <p:cNvGrpSpPr/>
+        <p:nvPr/>
+      </p:nvGrpSpPr>
+      <p:grpSpPr>
+        <a:xfrm>
+          <a:off x="0" y="0"/>
+          <a:ext cx="0" cy="0"/>
+          <a:chOff x="0" y="0"/>
+          <a:chExt cx="0" cy="0"/>
+        </a:xfrm>
+      </p:grpSpPr>
+      <p:sp>
+        <p:nvSpPr>
+          <p:cNvPr id="2" name="Titel 1">
+            <a:extLst>
+              <a:ext uri="{FF2B5EF4-FFF2-40B4-BE49-F238E27FC236}">
+                <a16:creationId xmlns:a16="http://schemas.microsoft.com/office/drawing/2014/main" id="{600579E8-8746-41A1-AECE-8D74AC809108}"/>
+              </a:ext>
+            </a:extLst>
+          </p:cNvPr>
+          <p:cNvSpPr>
+            <a:spLocks noGrp="1"/>
+          </p:cNvSpPr>
+          <p:nvPr>
+            <p:ph type="title"/>
+          </p:nvPr>
+        </p:nvSpPr>
+        <p:spPr>
+          <a:xfrm>
+            <a:off x="903291" y="520701"/>
+            <a:ext cx="8101012" cy="712482"/>
+          </a:xfrm>
+        </p:spPr>
+        <p:txBody>
+          <a:bodyPr wrap="square" anchor="t">
+            <a:normAutofit/>
+          </a:bodyPr>
+          <a:lstStyle/>
+          <a:p>
+            <a:r>
+              <a:rPr lang="de-DE" dirty="0"/>
+              <a:t>Projektvorhaben</a:t>
+            </a:r>
+          </a:p>
+        </p:txBody>
+      </p:sp>
+      <p:sp>
+        <p:nvSpPr>
+          <p:cNvPr id="21" name="Text Placeholder 3">
+            <a:extLst>
+              <a:ext uri="{FF2B5EF4-FFF2-40B4-BE49-F238E27FC236}">
+                <a16:creationId xmlns:a16="http://schemas.microsoft.com/office/drawing/2014/main" id="{D7023FE2-08DB-48A1-A341-02D4054F8E96}"/>
+              </a:ext>
+            </a:extLst>
+          </p:cNvPr>
+          <p:cNvSpPr>
+            <a:spLocks noGrp="1"/>
+          </p:cNvSpPr>
+          <p:nvPr>
+            <p:ph type="body" idx="13"/>
+          </p:nvPr>
+        </p:nvSpPr>
+        <p:spPr>
+          <a:xfrm>
+            <a:off x="904501" y="150130"/>
+            <a:ext cx="8089107" cy="215165"/>
+          </a:xfrm>
+        </p:spPr>
+        <p:txBody>
+          <a:bodyPr/>
+          <a:lstStyle/>
+          <a:p>
+            <a:endParaRPr lang="en-US"/>
+          </a:p>
+        </p:txBody>
+      </p:sp>
+      <p:sp>
+        <p:nvSpPr>
+          <p:cNvPr id="5" name="Datumsplatzhalter 4">
+            <a:extLst>
+              <a:ext uri="{FF2B5EF4-FFF2-40B4-BE49-F238E27FC236}">
+                <a16:creationId xmlns:a16="http://schemas.microsoft.com/office/drawing/2014/main" id="{90573408-02CF-4051-A65D-76D88630959E}"/>
+              </a:ext>
+            </a:extLst>
+          </p:cNvPr>
+          <p:cNvSpPr>
+            <a:spLocks noGrp="1"/>
+          </p:cNvSpPr>
+          <p:nvPr>
+            <p:ph type="dt" sz="half" idx="14"/>
+          </p:nvPr>
+        </p:nvSpPr>
+        <p:spPr>
+          <a:xfrm>
+            <a:off x="904875" y="6011863"/>
+            <a:ext cx="971550" cy="179387"/>
+          </a:xfrm>
+        </p:spPr>
+        <p:txBody>
+          <a:bodyPr wrap="none" anchor="t">
+            <a:normAutofit/>
+          </a:bodyPr>
+          <a:lstStyle/>
+          <a:p>
+            <a:pPr>
+              <a:spcAft>
+                <a:spcPts val="600"/>
+              </a:spcAft>
+              <a:defRPr/>
+            </a:pPr>
+            <a:fld id="{EEB36982-DFDB-46D3-B7A3-EB8965E21BD5}" type="datetime1">
+              <a:rPr lang="de-DE" smtClean="0"/>
+              <a:pPr>
+                <a:spcAft>
+                  <a:spcPts val="600"/>
+                </a:spcAft>
+                <a:defRPr/>
+              </a:pPr>
+              <a:t>13.12.2020</a:t>
+            </a:fld>
+            <a:endParaRPr lang="de-DE"/>
+          </a:p>
+        </p:txBody>
+      </p:sp>
+      <p:sp>
+        <p:nvSpPr>
+          <p:cNvPr id="6" name="Foliennummernplatzhalter 5">
+            <a:extLst>
+              <a:ext uri="{FF2B5EF4-FFF2-40B4-BE49-F238E27FC236}">
+                <a16:creationId xmlns:a16="http://schemas.microsoft.com/office/drawing/2014/main" id="{8E92E07B-4B05-48DD-A3D3-ED7713EC2EE5}"/>
+              </a:ext>
+            </a:extLst>
+          </p:cNvPr>
+          <p:cNvSpPr>
+            <a:spLocks noGrp="1"/>
+          </p:cNvSpPr>
+          <p:nvPr>
+            <p:ph type="sldNum" sz="quarter" idx="15"/>
+          </p:nvPr>
+        </p:nvSpPr>
+        <p:spPr>
+          <a:xfrm>
+            <a:off x="904875" y="6361113"/>
+            <a:ext cx="971550" cy="214312"/>
+          </a:xfrm>
+        </p:spPr>
+        <p:txBody>
+          <a:bodyPr wrap="square" anchor="b">
+            <a:normAutofit/>
+          </a:bodyPr>
+          <a:lstStyle/>
+          <a:p>
+            <a:pPr>
+              <a:spcAft>
+                <a:spcPts val="600"/>
+              </a:spcAft>
+            </a:pPr>
+            <a:r>
+              <a:rPr lang="de-DE" altLang="de-DE"/>
+              <a:t>Seite </a:t>
+            </a:r>
+            <a:fld id="{2EA3F71B-B629-4275-81DB-BFC15E41567D}" type="slidenum">
+              <a:rPr lang="de-DE" altLang="de-DE" smtClean="0"/>
+              <a:pPr>
+                <a:spcAft>
+                  <a:spcPts val="600"/>
+                </a:spcAft>
+              </a:pPr>
+              <a:t>5</a:t>
+            </a:fld>
+            <a:endParaRPr lang="de-DE" altLang="de-DE"/>
+          </a:p>
+        </p:txBody>
+      </p:sp>
+      <p:graphicFrame>
+        <p:nvGraphicFramePr>
+          <p:cNvPr id="12" name="Inhaltsplatzhalter 2">
+            <a:extLst>
+              <a:ext uri="{FF2B5EF4-FFF2-40B4-BE49-F238E27FC236}">
+                <a16:creationId xmlns:a16="http://schemas.microsoft.com/office/drawing/2014/main" id="{77935B02-5476-4DE3-A73B-EE2224EBC694}"/>
+              </a:ext>
+            </a:extLst>
+          </p:cNvPr>
+          <p:cNvGraphicFramePr>
+            <a:graphicFrameLocks noGrp="1"/>
+          </p:cNvGraphicFramePr>
+          <p:nvPr>
+            <p:ph sz="quarter" idx="12"/>
+            <p:extLst>
+              <p:ext uri="{D42A27DB-BD31-4B8C-83A1-F6EECF244321}">
+                <p14:modId xmlns:p14="http://schemas.microsoft.com/office/powerpoint/2010/main" val="431857054"/>
+              </p:ext>
+            </p:extLst>
+          </p:nvPr>
+        </p:nvGraphicFramePr>
+        <p:xfrm>
+          <a:off x="904878" y="1357313"/>
+          <a:ext cx="8099823" cy="4320000"/>
+        </p:xfrm>
+        <a:graphic>
+          <a:graphicData uri="http://schemas.openxmlformats.org/drawingml/2006/diagram">
+            <dgm:relIds xmlns:dgm="http://schemas.openxmlformats.org/drawingml/2006/diagram" xmlns:r="http://schemas.openxmlformats.org/officeDocument/2006/relationships" r:dm="rId3" r:lo="rId4" r:qs="rId5" r:cs="rId6"/>
+          </a:graphicData>
+        </a:graphic>
+      </p:graphicFrame>
+    </p:spTree>
+    <p:extLst>
+      <p:ext uri="{BB962C8B-B14F-4D97-AF65-F5344CB8AC3E}">
+        <p14:creationId xmlns:p14="http://schemas.microsoft.com/office/powerpoint/2010/main" val="1696990409"/>
+      </p:ext>
+    </p:extLst>
+  </p:cSld>
+  <p:clrMapOvr>
+    <a:masterClrMapping/>
+  </p:clrMapOvr>
+</p:sld>
+</file>
+
+<file path=ppt/slides/slide6.xml><?xml version="1.0" encoding="utf-8"?>
+<p:sld xmlns:a="http://schemas.openxmlformats.org/drawingml/2006/main" xmlns:r="http://schemas.openxmlformats.org/officeDocument/2006/relationships" xmlns:p="http://schemas.openxmlformats.org/presentationml/2006/main">
+  <p:cSld>
+    <p:spTree>
+      <p:nvGrpSpPr>
+        <p:cNvPr id="1" name=""/>
+        <p:cNvGrpSpPr/>
+        <p:nvPr/>
+      </p:nvGrpSpPr>
+      <p:grpSpPr>
+        <a:xfrm>
+          <a:off x="0" y="0"/>
+          <a:ext cx="0" cy="0"/>
+          <a:chOff x="0" y="0"/>
+          <a:chExt cx="0" cy="0"/>
+        </a:xfrm>
+      </p:grpSpPr>
+      <p:sp>
+        <p:nvSpPr>
+          <p:cNvPr id="14" name="Text Placeholder 3">
+            <a:extLst>
+              <a:ext uri="{FF2B5EF4-FFF2-40B4-BE49-F238E27FC236}">
+                <a16:creationId xmlns:a16="http://schemas.microsoft.com/office/drawing/2014/main" id="{394F80CF-5040-4E69-9187-959B100C932C}"/>
+              </a:ext>
+            </a:extLst>
+          </p:cNvPr>
+          <p:cNvSpPr>
+            <a:spLocks noGrp="1"/>
+          </p:cNvSpPr>
+          <p:nvPr>
+            <p:ph type="body" idx="13"/>
+          </p:nvPr>
+        </p:nvSpPr>
+        <p:spPr>
+          <a:xfrm>
+            <a:off x="904501" y="150130"/>
+            <a:ext cx="8089107" cy="215165"/>
+          </a:xfrm>
+        </p:spPr>
+        <p:txBody>
+          <a:bodyPr/>
+          <a:lstStyle/>
+          <a:p>
+            <a:r>
+              <a:rPr lang="de-DE" dirty="0"/>
+              <a:t>Entwicklung der Nutzung der Verkehrsmittel</a:t>
+            </a:r>
+          </a:p>
+          <a:p>
+            <a:endParaRPr lang="en-US" dirty="0"/>
+          </a:p>
+        </p:txBody>
+      </p:sp>
+      <p:sp>
+        <p:nvSpPr>
+          <p:cNvPr id="5" name="Datumsplatzhalter 4">
+            <a:extLst>
+              <a:ext uri="{FF2B5EF4-FFF2-40B4-BE49-F238E27FC236}">
+                <a16:creationId xmlns:a16="http://schemas.microsoft.com/office/drawing/2014/main" id="{F67053C7-5C59-4E37-A624-686C22A5AEAD}"/>
+              </a:ext>
+            </a:extLst>
+          </p:cNvPr>
+          <p:cNvSpPr>
+            <a:spLocks noGrp="1"/>
+          </p:cNvSpPr>
+          <p:nvPr>
+            <p:ph type="dt" sz="half" idx="14"/>
+          </p:nvPr>
+        </p:nvSpPr>
+        <p:spPr>
+          <a:xfrm>
+            <a:off x="904875" y="6011863"/>
+            <a:ext cx="971550" cy="179387"/>
+          </a:xfrm>
+        </p:spPr>
+        <p:txBody>
+          <a:bodyPr wrap="none" anchor="t">
+            <a:normAutofit/>
+          </a:bodyPr>
+          <a:lstStyle/>
+          <a:p>
+            <a:pPr>
+              <a:spcAft>
+                <a:spcPts val="600"/>
+              </a:spcAft>
+              <a:defRPr/>
+            </a:pPr>
+            <a:fld id="{EEB36982-DFDB-46D3-B7A3-EB8965E21BD5}" type="datetime1">
+              <a:rPr lang="de-DE" smtClean="0"/>
+              <a:pPr>
+                <a:spcAft>
+                  <a:spcPts val="600"/>
+                </a:spcAft>
+                <a:defRPr/>
+              </a:pPr>
+              <a:t>13.12.2020</a:t>
+            </a:fld>
+            <a:endParaRPr lang="de-DE"/>
+          </a:p>
+        </p:txBody>
+      </p:sp>
+      <p:sp>
+        <p:nvSpPr>
+          <p:cNvPr id="6" name="Foliennummernplatzhalter 5">
+            <a:extLst>
+              <a:ext uri="{FF2B5EF4-FFF2-40B4-BE49-F238E27FC236}">
+                <a16:creationId xmlns:a16="http://schemas.microsoft.com/office/drawing/2014/main" id="{3A7D87EB-FF9B-4D77-943E-0A36403E28C3}"/>
+              </a:ext>
+            </a:extLst>
+          </p:cNvPr>
+          <p:cNvSpPr>
+            <a:spLocks noGrp="1"/>
+          </p:cNvSpPr>
+          <p:nvPr>
+            <p:ph type="sldNum" sz="quarter" idx="15"/>
+          </p:nvPr>
+        </p:nvSpPr>
+        <p:spPr>
+          <a:xfrm>
+            <a:off x="904875" y="6361113"/>
+            <a:ext cx="971550" cy="214312"/>
+          </a:xfrm>
+        </p:spPr>
+        <p:txBody>
+          <a:bodyPr wrap="square" anchor="b">
+            <a:normAutofit/>
+          </a:bodyPr>
+          <a:lstStyle/>
+          <a:p>
+            <a:pPr>
+              <a:spcAft>
+                <a:spcPts val="600"/>
+              </a:spcAft>
+            </a:pPr>
+            <a:r>
+              <a:rPr lang="de-DE" altLang="de-DE"/>
+              <a:t>Seite </a:t>
+            </a:r>
+            <a:fld id="{2EA3F71B-B629-4275-81DB-BFC15E41567D}" type="slidenum">
+              <a:rPr lang="de-DE" altLang="de-DE" smtClean="0"/>
+              <a:pPr>
+                <a:spcAft>
+                  <a:spcPts val="600"/>
+                </a:spcAft>
+              </a:pPr>
+              <a:t>6</a:t>
+            </a:fld>
+            <a:endParaRPr lang="de-DE" altLang="de-DE"/>
+          </a:p>
+        </p:txBody>
+      </p:sp>
+      <p:sp>
+        <p:nvSpPr>
+          <p:cNvPr id="2" name="Inhaltsplatzhalter 1">
+            <a:extLst>
+              <a:ext uri="{FF2B5EF4-FFF2-40B4-BE49-F238E27FC236}">
+                <a16:creationId xmlns:a16="http://schemas.microsoft.com/office/drawing/2014/main" id="{0FBE3455-B39C-47FE-9247-4297243E1B86}"/>
+              </a:ext>
+            </a:extLst>
+          </p:cNvPr>
+          <p:cNvSpPr>
+            <a:spLocks noGrp="1"/>
+          </p:cNvSpPr>
+          <p:nvPr>
+            <p:ph sz="quarter" idx="12"/>
+          </p:nvPr>
+        </p:nvSpPr>
+        <p:spPr/>
+        <p:txBody>
+          <a:bodyPr/>
+          <a:lstStyle/>
+          <a:p>
+            <a:pPr>
+              <a:buFont typeface="Wingdings" panose="05000000000000000000" pitchFamily="2" charset="2"/>
+              <a:buChar char="ü"/>
+            </a:pPr>
+            <a:endParaRPr lang="de-DE" dirty="0"/>
+          </a:p>
+          <a:p>
+            <a:pPr>
+              <a:buFont typeface="Wingdings" panose="05000000000000000000" pitchFamily="2" charset="2"/>
+              <a:buChar char="ü"/>
+            </a:pPr>
+            <a:endParaRPr lang="de-DE" dirty="0"/>
+          </a:p>
+          <a:p>
+            <a:pPr>
+              <a:buFont typeface="Wingdings" panose="05000000000000000000" pitchFamily="2" charset="2"/>
+              <a:buChar char="ü"/>
+            </a:pPr>
+            <a:r>
+              <a:rPr lang="de-DE" dirty="0"/>
+              <a:t>Eingabe von Obst Gemüse oder Herkunftsland</a:t>
+            </a:r>
+          </a:p>
+          <a:p>
+            <a:pPr>
+              <a:buFont typeface="Wingdings" panose="05000000000000000000" pitchFamily="2" charset="2"/>
+              <a:buChar char="ü"/>
+            </a:pPr>
+            <a:endParaRPr lang="de-DE" dirty="0"/>
+          </a:p>
+          <a:p>
+            <a:pPr>
+              <a:buFont typeface="Wingdings" panose="05000000000000000000" pitchFamily="2" charset="2"/>
+              <a:buChar char="ü"/>
+            </a:pPr>
+            <a:r>
+              <a:rPr lang="de-DE" dirty="0"/>
+              <a:t>Saisonkalender</a:t>
+            </a:r>
+          </a:p>
+          <a:p>
+            <a:pPr>
+              <a:buFont typeface="Wingdings" panose="05000000000000000000" pitchFamily="2" charset="2"/>
+              <a:buChar char="ü"/>
+            </a:pPr>
+            <a:endParaRPr lang="de-DE" dirty="0"/>
+          </a:p>
+          <a:p>
+            <a:pPr>
+              <a:buFont typeface="Wingdings" panose="05000000000000000000" pitchFamily="2" charset="2"/>
+              <a:buChar char="ü"/>
+            </a:pPr>
+            <a:r>
+              <a:rPr lang="de-DE" dirty="0"/>
+              <a:t>Farbliche Kennzeichnung von Freiland-, Lager- oder Gewächshausware </a:t>
+            </a:r>
+          </a:p>
+          <a:p>
+            <a:pPr>
+              <a:buFont typeface="Wingdings" panose="05000000000000000000" pitchFamily="2" charset="2"/>
+              <a:buChar char="ü"/>
+            </a:pPr>
+            <a:endParaRPr lang="de-DE" dirty="0"/>
+          </a:p>
+          <a:p>
+            <a:pPr>
+              <a:buFont typeface="Wingdings" panose="05000000000000000000" pitchFamily="2" charset="2"/>
+              <a:buChar char="ü"/>
+            </a:pPr>
+            <a:r>
+              <a:rPr lang="de-DE" dirty="0"/>
+              <a:t>Visuelle Darstellung der Herkunftsländer von Obst und Gemüse</a:t>
+            </a:r>
+          </a:p>
+          <a:p>
+            <a:pPr>
+              <a:buFont typeface="Wingdings" panose="05000000000000000000" pitchFamily="2" charset="2"/>
+              <a:buChar char="ü"/>
+            </a:pPr>
+            <a:endParaRPr lang="de-DE" dirty="0"/>
+          </a:p>
+          <a:p>
+            <a:pPr>
+              <a:buFont typeface="Wingdings" panose="05000000000000000000" pitchFamily="2" charset="2"/>
+              <a:buChar char="ü"/>
+            </a:pPr>
+            <a:r>
+              <a:rPr lang="de-DE" dirty="0"/>
+              <a:t>Vergleich der zurückgelegten Distanzen</a:t>
+            </a:r>
+          </a:p>
+          <a:p>
+            <a:pPr>
+              <a:buFont typeface="Wingdings" panose="05000000000000000000" pitchFamily="2" charset="2"/>
+              <a:buChar char="ü"/>
+            </a:pPr>
+            <a:endParaRPr lang="de-DE" dirty="0"/>
+          </a:p>
+          <a:p>
+            <a:pPr marL="0" indent="0"/>
+            <a:endParaRPr lang="de-DE" dirty="0"/>
+          </a:p>
+        </p:txBody>
+      </p:sp>
+      <p:sp>
+        <p:nvSpPr>
+          <p:cNvPr id="9" name="Titel 1">
+            <a:extLst>
+              <a:ext uri="{FF2B5EF4-FFF2-40B4-BE49-F238E27FC236}">
+                <a16:creationId xmlns:a16="http://schemas.microsoft.com/office/drawing/2014/main" id="{38B0D0DE-40DB-44FA-8B55-63191DFD6C96}"/>
+              </a:ext>
+            </a:extLst>
+          </p:cNvPr>
+          <p:cNvSpPr>
+            <a:spLocks noGrp="1"/>
+          </p:cNvSpPr>
+          <p:nvPr>
+            <p:ph type="title"/>
+          </p:nvPr>
+        </p:nvSpPr>
+        <p:spPr>
+          <a:xfrm>
+            <a:off x="903289" y="520701"/>
+            <a:ext cx="8099235" cy="720871"/>
+          </a:xfrm>
+        </p:spPr>
+        <p:txBody>
+          <a:bodyPr/>
+          <a:lstStyle/>
+          <a:p>
+            <a:r>
+              <a:rPr lang="de-DE" dirty="0"/>
+              <a:t>Alleinstellungsmerkmal</a:t>
+            </a:r>
+            <a:br>
+              <a:rPr lang="de-DE" sz="1800" b="1" kern="0" dirty="0">
+                <a:solidFill>
+                  <a:srgbClr val="2F5496"/>
+                </a:solidFill>
+                <a:effectLst/>
+                <a:latin typeface="Calibri Light" panose="020F0302020204030204" pitchFamily="34" charset="0"/>
+                <a:ea typeface="Times New Roman" panose="02020603050405020304" pitchFamily="18" charset="0"/>
+                <a:cs typeface="Times New Roman" panose="02020603050405020304" pitchFamily="18" charset="0"/>
+              </a:rPr>
+            </a:br>
+            <a:endParaRPr lang="de-DE" dirty="0"/>
+          </a:p>
+        </p:txBody>
+      </p:sp>
+    </p:spTree>
+    <p:extLst>
+      <p:ext uri="{BB962C8B-B14F-4D97-AF65-F5344CB8AC3E}">
+        <p14:creationId xmlns:p14="http://schemas.microsoft.com/office/powerpoint/2010/main" val="1626421243"/>
+      </p:ext>
+    </p:extLst>
+  </p:cSld>
+  <p:clrMapOvr>
+    <a:masterClrMapping/>
+  </p:clrMapOvr>
+</p:sld>
+</file>
+
+<file path=ppt/slides/slide7.xml><?xml version="1.0" encoding="utf-8"?>
+<p:sld xmlns:a="http://schemas.openxmlformats.org/drawingml/2006/main" xmlns:r="http://schemas.openxmlformats.org/officeDocument/2006/relationships" xmlns:p="http://schemas.openxmlformats.org/presentationml/2006/main">
+  <p:cSld>
+    <p:spTree>
+      <p:nvGrpSpPr>
+        <p:cNvPr id="1" name=""/>
+        <p:cNvGrpSpPr/>
+        <p:nvPr/>
+      </p:nvGrpSpPr>
+      <p:grpSpPr>
+        <a:xfrm>
+          <a:off x="0" y="0"/>
+          <a:ext cx="0" cy="0"/>
+          <a:chOff x="0" y="0"/>
+          <a:chExt cx="0" cy="0"/>
+        </a:xfrm>
+      </p:grpSpPr>
+      <p:sp>
+        <p:nvSpPr>
+          <p:cNvPr id="2" name="Titel 1">
+            <a:extLst>
+              <a:ext uri="{FF2B5EF4-FFF2-40B4-BE49-F238E27FC236}">
+                <a16:creationId xmlns:a16="http://schemas.microsoft.com/office/drawing/2014/main" id="{2EA8692E-33B1-42DB-9E56-F5CA697621CC}"/>
+              </a:ext>
+            </a:extLst>
+          </p:cNvPr>
+          <p:cNvSpPr>
+            <a:spLocks noGrp="1"/>
+          </p:cNvSpPr>
+          <p:nvPr>
+            <p:ph type="title"/>
+          </p:nvPr>
+        </p:nvSpPr>
+        <p:spPr/>
+        <p:txBody>
+          <a:bodyPr/>
+          <a:lstStyle/>
+          <a:p>
+            <a:r>
+              <a:rPr lang="de-DE" dirty="0"/>
+              <a:t>Zielhierarchie</a:t>
+            </a:r>
+          </a:p>
+        </p:txBody>
+      </p:sp>
+      <p:sp>
+        <p:nvSpPr>
+          <p:cNvPr id="4" name="Textplatzhalter 3">
+            <a:extLst>
+              <a:ext uri="{FF2B5EF4-FFF2-40B4-BE49-F238E27FC236}">
+                <a16:creationId xmlns:a16="http://schemas.microsoft.com/office/drawing/2014/main" id="{BB208497-AA55-4F4D-9D93-877DFECEC032}"/>
+              </a:ext>
+            </a:extLst>
+          </p:cNvPr>
+          <p:cNvSpPr>
+            <a:spLocks noGrp="1"/>
+          </p:cNvSpPr>
+          <p:nvPr>
+            <p:ph type="body" idx="13"/>
+          </p:nvPr>
+        </p:nvSpPr>
+        <p:spPr/>
+        <p:txBody>
+          <a:bodyPr/>
+          <a:lstStyle/>
+          <a:p>
+            <a:endParaRPr lang="de-DE"/>
+          </a:p>
+        </p:txBody>
+      </p:sp>
+      <p:sp>
+        <p:nvSpPr>
+          <p:cNvPr id="5" name="Datumsplatzhalter 4">
+            <a:extLst>
+              <a:ext uri="{FF2B5EF4-FFF2-40B4-BE49-F238E27FC236}">
+                <a16:creationId xmlns:a16="http://schemas.microsoft.com/office/drawing/2014/main" id="{61D48287-EA8A-4645-B4F1-6B8FCD51C659}"/>
+              </a:ext>
+            </a:extLst>
+          </p:cNvPr>
+          <p:cNvSpPr>
+            <a:spLocks noGrp="1"/>
+          </p:cNvSpPr>
+          <p:nvPr>
+            <p:ph type="dt" sz="half" idx="14"/>
+          </p:nvPr>
+        </p:nvSpPr>
+        <p:spPr/>
+        <p:txBody>
+          <a:bodyPr/>
+          <a:lstStyle/>
+          <a:p>
+            <a:pPr>
+              <a:defRPr/>
+            </a:pPr>
+            <a:fld id="{EEB36982-DFDB-46D3-B7A3-EB8965E21BD5}" type="datetime1">
+              <a:rPr lang="de-DE" smtClean="0"/>
+              <a:pPr>
+                <a:defRPr/>
+              </a:pPr>
+              <a:t>13.12.2020</a:t>
+            </a:fld>
+            <a:endParaRPr lang="de-DE" dirty="0"/>
+          </a:p>
+        </p:txBody>
+      </p:sp>
+      <p:sp>
+        <p:nvSpPr>
+          <p:cNvPr id="6" name="Foliennummernplatzhalter 5">
+            <a:extLst>
+              <a:ext uri="{FF2B5EF4-FFF2-40B4-BE49-F238E27FC236}">
+                <a16:creationId xmlns:a16="http://schemas.microsoft.com/office/drawing/2014/main" id="{820B65C1-6737-45A2-9790-4F70AF9CC587}"/>
+              </a:ext>
+            </a:extLst>
+          </p:cNvPr>
+          <p:cNvSpPr>
+            <a:spLocks noGrp="1"/>
+          </p:cNvSpPr>
+          <p:nvPr>
+            <p:ph type="sldNum" sz="quarter" idx="15"/>
+          </p:nvPr>
+        </p:nvSpPr>
+        <p:spPr/>
+        <p:txBody>
+          <a:bodyPr/>
+          <a:lstStyle/>
+          <a:p>
+            <a:r>
+              <a:rPr lang="de-DE" altLang="de-DE"/>
+              <a:t>Seite </a:t>
+            </a:r>
+            <a:fld id="{2EA3F71B-B629-4275-81DB-BFC15E41567D}" type="slidenum">
+              <a:rPr lang="de-DE" altLang="de-DE" smtClean="0"/>
+              <a:pPr/>
+              <a:t>7</a:t>
+            </a:fld>
+            <a:endParaRPr lang="de-DE" altLang="de-DE"/>
+          </a:p>
+        </p:txBody>
+      </p:sp>
+      <p:pic>
+        <p:nvPicPr>
+          <p:cNvPr id="2050" name="Picture 2">
+            <a:hlinkClick r:id="rId3"/>
+            <a:extLst>
+              <a:ext uri="{FF2B5EF4-FFF2-40B4-BE49-F238E27FC236}">
+                <a16:creationId xmlns:a16="http://schemas.microsoft.com/office/drawing/2014/main" id="{888802DE-941B-4776-A517-F360A28B54B1}"/>
+              </a:ext>
+            </a:extLst>
+          </p:cNvPr>
+          <p:cNvPicPr>
+            <a:picLocks noGrp="1" noChangeAspect="1" noChangeArrowheads="1"/>
+          </p:cNvPicPr>
+          <p:nvPr>
+            <p:ph sz="quarter" idx="12"/>
+          </p:nvPr>
+        </p:nvPicPr>
+        <p:blipFill>
+          <a:blip r:embed="rId4">
+            <a:extLst>
+              <a:ext uri="{28A0092B-C50C-407E-A947-70E740481C1C}">
+                <a14:useLocalDpi xmlns:a14="http://schemas.microsoft.com/office/drawing/2010/main" val="0"/>
+              </a:ext>
+            </a:extLst>
+          </a:blip>
+          <a:srcRect/>
+          <a:stretch>
+            <a:fillRect/>
+          </a:stretch>
+        </p:blipFill>
+        <p:spPr bwMode="auto">
+          <a:xfrm>
+            <a:off x="1660677" y="968036"/>
+            <a:ext cx="5822645" cy="4958895"/>
+          </a:xfrm>
+          <a:prstGeom prst="rect">
+            <a:avLst/>
+          </a:prstGeom>
+          <a:noFill/>
+          <a:extLst>
+            <a:ext uri="{909E8E84-426E-40DD-AFC4-6F175D3DCCD1}">
+              <a14:hiddenFill xmlns:a14="http://schemas.microsoft.com/office/drawing/2010/main">
+                <a:solidFill>
+                  <a:srgbClr val="FFFFFF"/>
+                </a:solidFill>
+              </a14:hiddenFill>
+            </a:ext>
+          </a:extLst>
+        </p:spPr>
+      </p:pic>
+    </p:spTree>
+    <p:extLst>
+      <p:ext uri="{BB962C8B-B14F-4D97-AF65-F5344CB8AC3E}">
+        <p14:creationId xmlns:p14="http://schemas.microsoft.com/office/powerpoint/2010/main" val="932187765"/>
+      </p:ext>
+    </p:extLst>
+  </p:cSld>
+  <p:clrMapOvr>
+    <a:masterClrMapping/>
+  </p:clrMapOvr>
+</p:sld>
+</file>
+
+<file path=ppt/slides/slide8.xml><?xml version="1.0" encoding="utf-8"?>
+<p:sld xmlns:a="http://schemas.openxmlformats.org/drawingml/2006/main" xmlns:r="http://schemas.openxmlformats.org/officeDocument/2006/relationships" xmlns:p="http://schemas.openxmlformats.org/presentationml/2006/main">
+  <p:cSld>
+    <p:spTree>
+      <p:nvGrpSpPr>
+        <p:cNvPr id="1" name=""/>
+        <p:cNvGrpSpPr/>
+        <p:nvPr/>
+      </p:nvGrpSpPr>
+      <p:grpSpPr>
+        <a:xfrm>
+          <a:off x="0" y="0"/>
+          <a:ext cx="0" cy="0"/>
+          <a:chOff x="0" y="0"/>
+          <a:chExt cx="0" cy="0"/>
+        </a:xfrm>
+      </p:grpSpPr>
+      <p:sp>
+        <p:nvSpPr>
+          <p:cNvPr id="5" name="Textplatzhalter 4">
+            <a:extLst>
+              <a:ext uri="{FF2B5EF4-FFF2-40B4-BE49-F238E27FC236}">
+                <a16:creationId xmlns:a16="http://schemas.microsoft.com/office/drawing/2014/main" id="{D4940289-9821-4FAF-9364-CAC988AD1C07}"/>
+              </a:ext>
+            </a:extLst>
+          </p:cNvPr>
+          <p:cNvSpPr>
+            <a:spLocks noGrp="1"/>
+          </p:cNvSpPr>
+          <p:nvPr>
+            <p:ph type="body" idx="14"/>
+          </p:nvPr>
+        </p:nvSpPr>
+        <p:spPr/>
+        <p:txBody>
+          <a:bodyPr/>
+          <a:lstStyle/>
+          <a:p>
+            <a:endParaRPr lang="de-DE" dirty="0"/>
+          </a:p>
+        </p:txBody>
+      </p:sp>
+      <p:sp>
+        <p:nvSpPr>
+          <p:cNvPr id="6" name="Datumsplatzhalter 5">
+            <a:extLst>
+              <a:ext uri="{FF2B5EF4-FFF2-40B4-BE49-F238E27FC236}">
+                <a16:creationId xmlns:a16="http://schemas.microsoft.com/office/drawing/2014/main" id="{BA3A6EE1-C5F1-4C1A-A615-5D80DD7E58AA}"/>
+              </a:ext>
+            </a:extLst>
+          </p:cNvPr>
+          <p:cNvSpPr>
+            <a:spLocks noGrp="1"/>
+          </p:cNvSpPr>
+          <p:nvPr>
+            <p:ph type="dt" sz="half" idx="15"/>
+          </p:nvPr>
+        </p:nvSpPr>
+        <p:spPr/>
+        <p:txBody>
+          <a:bodyPr/>
+          <a:lstStyle/>
+          <a:p>
+            <a:pPr>
+              <a:defRPr/>
+            </a:pPr>
+            <a:fld id="{EF9E97B5-ADEC-4228-AA07-B3E7F753FA2F}" type="datetime1">
+              <a:rPr lang="de-DE" smtClean="0"/>
+              <a:pPr>
+                <a:defRPr/>
+              </a:pPr>
+              <a:t>13.12.2020</a:t>
+            </a:fld>
+            <a:endParaRPr lang="de-DE" dirty="0"/>
+          </a:p>
+        </p:txBody>
+      </p:sp>
+      <p:sp>
+        <p:nvSpPr>
+          <p:cNvPr id="7" name="Foliennummernplatzhalter 6">
+            <a:extLst>
+              <a:ext uri="{FF2B5EF4-FFF2-40B4-BE49-F238E27FC236}">
+                <a16:creationId xmlns:a16="http://schemas.microsoft.com/office/drawing/2014/main" id="{C71013DE-E6B6-4696-92E2-A4CF9D037828}"/>
+              </a:ext>
+            </a:extLst>
+          </p:cNvPr>
+          <p:cNvSpPr>
+            <a:spLocks noGrp="1"/>
+          </p:cNvSpPr>
+          <p:nvPr>
+            <p:ph type="sldNum" sz="quarter" idx="16"/>
+          </p:nvPr>
+        </p:nvSpPr>
+        <p:spPr/>
+        <p:txBody>
+          <a:bodyPr/>
+          <a:lstStyle/>
+          <a:p>
+            <a:r>
+              <a:rPr lang="de-DE" altLang="de-DE"/>
+              <a:t>Seite </a:t>
+            </a:r>
+            <a:fld id="{36728528-806D-48C0-8F82-155BED4B854C}" type="slidenum">
+              <a:rPr lang="de-DE" altLang="de-DE" smtClean="0"/>
+              <a:pPr/>
+              <a:t>8</a:t>
+            </a:fld>
+            <a:endParaRPr lang="de-DE" altLang="de-DE"/>
+          </a:p>
+        </p:txBody>
+      </p:sp>
+      <p:sp>
+        <p:nvSpPr>
+          <p:cNvPr id="13" name="Titel 1">
+            <a:extLst>
+              <a:ext uri="{FF2B5EF4-FFF2-40B4-BE49-F238E27FC236}">
+                <a16:creationId xmlns:a16="http://schemas.microsoft.com/office/drawing/2014/main" id="{0281576A-CB1E-4F26-A969-9646212D2A7C}"/>
+              </a:ext>
+            </a:extLst>
+          </p:cNvPr>
+          <p:cNvSpPr>
+            <a:spLocks noGrp="1"/>
+          </p:cNvSpPr>
+          <p:nvPr>
+            <p:ph type="title"/>
+          </p:nvPr>
+        </p:nvSpPr>
+        <p:spPr>
+          <a:xfrm>
+            <a:off x="903289" y="520701"/>
+            <a:ext cx="8099235" cy="720871"/>
+          </a:xfrm>
+        </p:spPr>
+        <p:txBody>
+          <a:bodyPr/>
+          <a:lstStyle/>
+          <a:p>
+            <a:r>
+              <a:rPr lang="de-DE" dirty="0"/>
+              <a:t>Anforderungen – Produkt auf Deutschland</a:t>
+            </a:r>
+          </a:p>
+        </p:txBody>
+      </p:sp>
+      <p:sp>
+        <p:nvSpPr>
+          <p:cNvPr id="9" name="Textfeld 8">
+            <a:extLst>
+              <a:ext uri="{FF2B5EF4-FFF2-40B4-BE49-F238E27FC236}">
+                <a16:creationId xmlns:a16="http://schemas.microsoft.com/office/drawing/2014/main" id="{211B41F4-865D-4C3B-BAF7-905BDF3A27CE}"/>
+              </a:ext>
+            </a:extLst>
+          </p:cNvPr>
+          <p:cNvSpPr txBox="1"/>
+          <p:nvPr/>
+        </p:nvSpPr>
+        <p:spPr>
+          <a:xfrm>
+            <a:off x="368300" y="924178"/>
+            <a:ext cx="8255000" cy="5416868"/>
+          </a:xfrm>
+          <a:prstGeom prst="rect">
+            <a:avLst/>
+          </a:prstGeom>
+          <a:noFill/>
+        </p:spPr>
+        <p:txBody>
+          <a:bodyPr wrap="square">
+            <a:spAutoFit/>
+          </a:bodyPr>
+          <a:lstStyle/>
+          <a:p>
+            <a:pPr marL="457200" indent="457200" rtl="0">
+              <a:spcBef>
+                <a:spcPts val="0"/>
+              </a:spcBef>
+              <a:spcAft>
+                <a:spcPts val="0"/>
+              </a:spcAft>
+            </a:pPr>
+            <a:br>
+              <a:rPr lang="de-DE" sz="1400" b="0" dirty="0">
+                <a:effectLst/>
+              </a:rPr>
+            </a:br>
+            <a:r>
+              <a:rPr lang="de-DE" sz="1600" b="0" i="0" u="none" strike="noStrike" dirty="0">
+                <a:solidFill>
+                  <a:srgbClr val="000000"/>
+                </a:solidFill>
+                <a:effectLst/>
+                <a:latin typeface="Arial" panose="020B0604020202020204" pitchFamily="34" charset="0"/>
+              </a:rPr>
+              <a:t>2.5.1 Das System muss die </a:t>
+            </a:r>
+            <a:r>
+              <a:rPr lang="de-DE" sz="1600" b="0" i="0" u="none" strike="noStrike" dirty="0" err="1">
+                <a:solidFill>
+                  <a:srgbClr val="000000"/>
+                </a:solidFill>
+                <a:effectLst/>
+                <a:latin typeface="Arial" panose="020B0604020202020204" pitchFamily="34" charset="0"/>
+              </a:rPr>
+              <a:t>Anbauart</a:t>
+            </a:r>
+            <a:r>
+              <a:rPr lang="de-DE" sz="1600" b="0" i="0" u="none" strike="noStrike" dirty="0">
+                <a:solidFill>
+                  <a:srgbClr val="000000"/>
+                </a:solidFill>
+                <a:effectLst/>
+                <a:latin typeface="Arial" panose="020B0604020202020204" pitchFamily="34" charset="0"/>
+              </a:rPr>
+              <a:t> aus dem Produktkalender auswählen</a:t>
+            </a:r>
+            <a:endParaRPr lang="de-DE" sz="1600" b="0" dirty="0">
+              <a:effectLst/>
+            </a:endParaRPr>
+          </a:p>
+          <a:p>
+            <a:pPr marL="457200" indent="457200" rtl="0">
+              <a:spcBef>
+                <a:spcPts val="0"/>
+              </a:spcBef>
+              <a:spcAft>
+                <a:spcPts val="0"/>
+              </a:spcAft>
+            </a:pPr>
+            <a:br>
+              <a:rPr lang="de-DE" sz="1600" b="0" dirty="0">
+                <a:effectLst/>
+              </a:rPr>
+            </a:br>
+            <a:r>
+              <a:rPr lang="de-DE" sz="1600" b="0" i="0" u="none" strike="noStrike" dirty="0">
+                <a:solidFill>
+                  <a:srgbClr val="000000"/>
+                </a:solidFill>
+                <a:effectLst/>
+                <a:latin typeface="Arial" panose="020B0604020202020204" pitchFamily="34" charset="0"/>
+              </a:rPr>
+              <a:t>2.5.2 Das System muss auf der Karte Deutschland markieren</a:t>
+            </a:r>
+            <a:endParaRPr lang="de-DE" sz="1600" b="0" dirty="0">
+              <a:effectLst/>
+            </a:endParaRPr>
+          </a:p>
+          <a:p>
+            <a:pPr marL="1371600" rtl="0">
+              <a:spcBef>
+                <a:spcPts val="0"/>
+              </a:spcBef>
+              <a:spcAft>
+                <a:spcPts val="0"/>
+              </a:spcAft>
+            </a:pPr>
+            <a:br>
+              <a:rPr lang="de-DE" sz="1600" b="0" dirty="0">
+                <a:effectLst/>
+              </a:rPr>
+            </a:br>
+            <a:r>
+              <a:rPr lang="de-DE" sz="1600" b="0" i="0" u="none" strike="noStrike" dirty="0">
+                <a:solidFill>
+                  <a:srgbClr val="000000"/>
+                </a:solidFill>
+                <a:effectLst/>
+                <a:latin typeface="Arial" panose="020B0604020202020204" pitchFamily="34" charset="0"/>
+              </a:rPr>
+              <a:t>2.5.2.1 Das System muss Deutschland auf der Karte rot markieren, wenn das Produkt in einem beheizten Gewächshaus angebaut wurde</a:t>
+            </a:r>
+            <a:endParaRPr lang="de-DE" sz="1600" b="0" dirty="0">
+              <a:effectLst/>
+            </a:endParaRPr>
+          </a:p>
+          <a:p>
+            <a:pPr marL="1371600" rtl="0">
+              <a:spcBef>
+                <a:spcPts val="0"/>
+              </a:spcBef>
+              <a:spcAft>
+                <a:spcPts val="0"/>
+              </a:spcAft>
+            </a:pPr>
+            <a:br>
+              <a:rPr lang="de-DE" sz="1600" b="0" dirty="0">
+                <a:effectLst/>
+              </a:rPr>
+            </a:br>
+            <a:r>
+              <a:rPr lang="de-DE" sz="1600" b="0" i="0" u="none" strike="noStrike" dirty="0">
+                <a:solidFill>
+                  <a:srgbClr val="000000"/>
+                </a:solidFill>
+                <a:effectLst/>
+                <a:latin typeface="Arial" panose="020B0604020202020204" pitchFamily="34" charset="0"/>
+              </a:rPr>
+              <a:t>2.5.2.2 Das System muss Deutschland gelb markieren, falls das Produkt aus dem Lager, einem unbeheizten Gewächshaus oder dem abgedeckten Anbau stammt</a:t>
+            </a:r>
+            <a:endParaRPr lang="de-DE" sz="1600" b="0" dirty="0">
+              <a:effectLst/>
+            </a:endParaRPr>
+          </a:p>
+          <a:p>
+            <a:pPr marL="1371600" rtl="0">
+              <a:spcBef>
+                <a:spcPts val="0"/>
+              </a:spcBef>
+              <a:spcAft>
+                <a:spcPts val="0"/>
+              </a:spcAft>
+            </a:pPr>
+            <a:br>
+              <a:rPr lang="de-DE" sz="1600" b="0" dirty="0">
+                <a:effectLst/>
+              </a:rPr>
+            </a:br>
+            <a:r>
+              <a:rPr lang="de-DE" sz="1600" b="0" i="0" u="none" strike="noStrike" dirty="0">
+                <a:solidFill>
+                  <a:srgbClr val="000000"/>
+                </a:solidFill>
+                <a:effectLst/>
+                <a:latin typeface="Arial" panose="020B0604020202020204" pitchFamily="34" charset="0"/>
+              </a:rPr>
+              <a:t>2.5.2.3 Das System muss Deutschland grün markieren, falls das Produkt aus Freilandanbau stammt</a:t>
+            </a:r>
+            <a:endParaRPr lang="de-DE" sz="1600" b="0" dirty="0">
+              <a:effectLst/>
+            </a:endParaRPr>
+          </a:p>
+          <a:p>
+            <a:pPr marL="914400" rtl="0">
+              <a:spcBef>
+                <a:spcPts val="0"/>
+              </a:spcBef>
+              <a:spcAft>
+                <a:spcPts val="0"/>
+              </a:spcAft>
+            </a:pPr>
+            <a:br>
+              <a:rPr lang="de-DE" sz="1600" b="0" dirty="0">
+                <a:effectLst/>
+              </a:rPr>
+            </a:br>
+            <a:r>
+              <a:rPr lang="de-DE" sz="1600" b="0" i="0" u="none" strike="noStrike" dirty="0">
+                <a:solidFill>
+                  <a:srgbClr val="000000"/>
+                </a:solidFill>
+                <a:effectLst/>
+                <a:latin typeface="Arial" panose="020B0604020202020204" pitchFamily="34" charset="0"/>
+              </a:rPr>
+              <a:t>2.5.3 Das System soll den Teil des Produktkalenders auswählen, in dem die </a:t>
+            </a:r>
+            <a:r>
+              <a:rPr lang="de-DE" sz="1600" b="0" i="0" u="none" strike="noStrike" dirty="0" err="1">
+                <a:solidFill>
+                  <a:srgbClr val="000000"/>
+                </a:solidFill>
+                <a:effectLst/>
+                <a:latin typeface="Arial" panose="020B0604020202020204" pitchFamily="34" charset="0"/>
+              </a:rPr>
+              <a:t>Anbauart</a:t>
+            </a:r>
+            <a:r>
+              <a:rPr lang="de-DE" sz="1600" b="0" i="0" u="none" strike="noStrike" dirty="0">
+                <a:solidFill>
+                  <a:srgbClr val="000000"/>
+                </a:solidFill>
+                <a:effectLst/>
+                <a:latin typeface="Arial" panose="020B0604020202020204" pitchFamily="34" charset="0"/>
+              </a:rPr>
+              <a:t> Freiland ist. </a:t>
+            </a:r>
+            <a:endParaRPr lang="de-DE" sz="1600" b="0" dirty="0">
+              <a:effectLst/>
+            </a:endParaRPr>
+          </a:p>
+          <a:p>
+            <a:pPr marL="914400" rtl="0">
+              <a:spcBef>
+                <a:spcPts val="0"/>
+              </a:spcBef>
+              <a:spcAft>
+                <a:spcPts val="0"/>
+              </a:spcAft>
+            </a:pPr>
+            <a:br>
+              <a:rPr lang="de-DE" sz="1600" b="0" dirty="0">
+                <a:effectLst/>
+              </a:rPr>
+            </a:br>
+            <a:r>
+              <a:rPr lang="de-DE" sz="1600" b="0" i="0" u="none" strike="noStrike" dirty="0">
+                <a:solidFill>
+                  <a:srgbClr val="000000"/>
+                </a:solidFill>
+                <a:effectLst/>
+                <a:latin typeface="Arial" panose="020B0604020202020204" pitchFamily="34" charset="0"/>
+              </a:rPr>
+              <a:t>2.5.4 Das System soll dem Nutzer diesen Teil des Produktkalenders präsentieren.</a:t>
+            </a:r>
+            <a:endParaRPr lang="de-DE" sz="1600" b="0" dirty="0">
+              <a:effectLst/>
+            </a:endParaRPr>
+          </a:p>
+          <a:p>
+            <a:br>
+              <a:rPr lang="de-DE" sz="1400" dirty="0"/>
+            </a:br>
+            <a:endParaRPr lang="de-DE" sz="1400" dirty="0"/>
+          </a:p>
+        </p:txBody>
+      </p:sp>
+    </p:spTree>
+    <p:extLst>
+      <p:ext uri="{BB962C8B-B14F-4D97-AF65-F5344CB8AC3E}">
+        <p14:creationId xmlns:p14="http://schemas.microsoft.com/office/powerpoint/2010/main" val="1384904578"/>
+      </p:ext>
+    </p:extLst>
+  </p:cSld>
+  <p:clrMapOvr>
+    <a:masterClrMapping/>
+  </p:clrMapOvr>
+</p:sld>
+</file>
+
+<file path=ppt/slides/slide9.xml><?xml version="1.0" encoding="utf-8"?>
+<p:sld xmlns:a="http://schemas.openxmlformats.org/drawingml/2006/main" xmlns:r="http://schemas.openxmlformats.org/officeDocument/2006/relationships" xmlns:p="http://schemas.openxmlformats.org/presentationml/2006/main">
+  <p:cSld>
+    <p:spTree>
+      <p:nvGrpSpPr>
+        <p:cNvPr id="1" name=""/>
+        <p:cNvGrpSpPr/>
+        <p:nvPr/>
+      </p:nvGrpSpPr>
+      <p:grpSpPr>
+        <a:xfrm>
+          <a:off x="0" y="0"/>
+          <a:ext cx="0" cy="0"/>
+          <a:chOff x="0" y="0"/>
+          <a:chExt cx="0" cy="0"/>
+        </a:xfrm>
+      </p:grpSpPr>
+      <p:sp>
+        <p:nvSpPr>
+          <p:cNvPr id="14" name="Text Placeholder 3">
+            <a:extLst>
+              <a:ext uri="{FF2B5EF4-FFF2-40B4-BE49-F238E27FC236}">
+                <a16:creationId xmlns:a16="http://schemas.microsoft.com/office/drawing/2014/main" id="{394F80CF-5040-4E69-9187-959B100C932C}"/>
+              </a:ext>
+            </a:extLst>
+          </p:cNvPr>
+          <p:cNvSpPr>
+            <a:spLocks noGrp="1"/>
+          </p:cNvSpPr>
+          <p:nvPr>
+            <p:ph type="body" idx="13"/>
+          </p:nvPr>
+        </p:nvSpPr>
+        <p:spPr>
+          <a:xfrm>
+            <a:off x="904501" y="150130"/>
+            <a:ext cx="8089107" cy="215165"/>
+          </a:xfrm>
+        </p:spPr>
+        <p:txBody>
+          <a:bodyPr/>
+          <a:lstStyle/>
+          <a:p>
+            <a:r>
+              <a:rPr lang="de-DE" dirty="0"/>
+              <a:t>Entwicklung der Nutzung der Verkehrsmittel</a:t>
+            </a:r>
+          </a:p>
+          <a:p>
+            <a:endParaRPr lang="en-US" dirty="0"/>
+          </a:p>
+        </p:txBody>
+      </p:sp>
+      <p:sp>
+        <p:nvSpPr>
+          <p:cNvPr id="5" name="Datumsplatzhalter 4">
+            <a:extLst>
+              <a:ext uri="{FF2B5EF4-FFF2-40B4-BE49-F238E27FC236}">
+                <a16:creationId xmlns:a16="http://schemas.microsoft.com/office/drawing/2014/main" id="{F67053C7-5C59-4E37-A624-686C22A5AEAD}"/>
+              </a:ext>
+            </a:extLst>
+          </p:cNvPr>
+          <p:cNvSpPr>
+            <a:spLocks noGrp="1"/>
+          </p:cNvSpPr>
+          <p:nvPr>
+            <p:ph type="dt" sz="half" idx="14"/>
+          </p:nvPr>
+        </p:nvSpPr>
+        <p:spPr>
+          <a:xfrm>
+            <a:off x="904875" y="6011863"/>
+            <a:ext cx="971550" cy="179387"/>
+          </a:xfrm>
+        </p:spPr>
+        <p:txBody>
+          <a:bodyPr wrap="none" anchor="t">
+            <a:normAutofit/>
+          </a:bodyPr>
+          <a:lstStyle/>
+          <a:p>
+            <a:pPr>
+              <a:spcAft>
+                <a:spcPts val="600"/>
+              </a:spcAft>
+              <a:defRPr/>
+            </a:pPr>
+            <a:fld id="{EEB36982-DFDB-46D3-B7A3-EB8965E21BD5}" type="datetime1">
+              <a:rPr lang="de-DE" smtClean="0"/>
+              <a:pPr>
+                <a:spcAft>
+                  <a:spcPts val="600"/>
+                </a:spcAft>
+                <a:defRPr/>
+              </a:pPr>
+              <a:t>13.12.2020</a:t>
+            </a:fld>
+            <a:endParaRPr lang="de-DE"/>
+          </a:p>
+        </p:txBody>
+      </p:sp>
+      <p:sp>
+        <p:nvSpPr>
+          <p:cNvPr id="6" name="Foliennummernplatzhalter 5">
+            <a:extLst>
+              <a:ext uri="{FF2B5EF4-FFF2-40B4-BE49-F238E27FC236}">
+                <a16:creationId xmlns:a16="http://schemas.microsoft.com/office/drawing/2014/main" id="{3A7D87EB-FF9B-4D77-943E-0A36403E28C3}"/>
+              </a:ext>
+            </a:extLst>
+          </p:cNvPr>
+          <p:cNvSpPr>
+            <a:spLocks noGrp="1"/>
+          </p:cNvSpPr>
+          <p:nvPr>
+            <p:ph type="sldNum" sz="quarter" idx="15"/>
+          </p:nvPr>
+        </p:nvSpPr>
+        <p:spPr>
+          <a:xfrm>
+            <a:off x="904875" y="6361113"/>
+            <a:ext cx="971550" cy="214312"/>
+          </a:xfrm>
+        </p:spPr>
+        <p:txBody>
+          <a:bodyPr wrap="square" anchor="b">
+            <a:normAutofit/>
+          </a:bodyPr>
+          <a:lstStyle/>
+          <a:p>
+            <a:pPr>
+              <a:spcAft>
+                <a:spcPts val="600"/>
+              </a:spcAft>
+            </a:pPr>
+            <a:r>
+              <a:rPr lang="de-DE" altLang="de-DE"/>
+              <a:t>Seite </a:t>
+            </a:r>
+            <a:fld id="{2EA3F71B-B629-4275-81DB-BFC15E41567D}" type="slidenum">
+              <a:rPr lang="de-DE" altLang="de-DE" smtClean="0"/>
+              <a:pPr>
+                <a:spcAft>
+                  <a:spcPts val="600"/>
+                </a:spcAft>
+              </a:pPr>
+              <a:t>9</a:t>
+            </a:fld>
+            <a:endParaRPr lang="de-DE" altLang="de-DE"/>
+          </a:p>
+        </p:txBody>
+      </p:sp>
+      <p:sp>
+        <p:nvSpPr>
+          <p:cNvPr id="2" name="Inhaltsplatzhalter 1">
+            <a:extLst>
+              <a:ext uri="{FF2B5EF4-FFF2-40B4-BE49-F238E27FC236}">
+                <a16:creationId xmlns:a16="http://schemas.microsoft.com/office/drawing/2014/main" id="{0FBE3455-B39C-47FE-9247-4297243E1B86}"/>
+              </a:ext>
+            </a:extLst>
+          </p:cNvPr>
+          <p:cNvSpPr>
+            <a:spLocks noGrp="1"/>
+          </p:cNvSpPr>
+          <p:nvPr>
+            <p:ph sz="quarter" idx="12"/>
+          </p:nvPr>
+        </p:nvSpPr>
+        <p:spPr>
+          <a:xfrm>
+            <a:off x="904879" y="1357312"/>
+            <a:ext cx="8097646" cy="5350557"/>
+          </a:xfrm>
+        </p:spPr>
+        <p:txBody>
+          <a:bodyPr/>
+          <a:lstStyle/>
+          <a:p>
+            <a:pPr>
+              <a:lnSpc>
+                <a:spcPct val="107000"/>
+              </a:lnSpc>
+              <a:spcAft>
+                <a:spcPts val="800"/>
+              </a:spcAft>
+              <a:buAutoNum type="arabicPeriod"/>
+            </a:pPr>
+            <a:r>
+              <a:rPr lang="de-DE" sz="1800" b="1" spc="75" dirty="0">
+                <a:solidFill>
+                  <a:srgbClr val="5A5A5A"/>
+                </a:solidFill>
+                <a:effectLst/>
+                <a:latin typeface="Arial" panose="020B0604020202020204" pitchFamily="34" charset="0"/>
+                <a:ea typeface="Times New Roman" panose="02020603050405020304" pitchFamily="18" charset="0"/>
+                <a:cs typeface="Times New Roman" panose="02020603050405020304" pitchFamily="18" charset="0"/>
+              </a:rPr>
+              <a:t>Google Maps API</a:t>
+            </a:r>
+          </a:p>
+          <a:p>
+            <a:pPr marL="0" indent="0">
+              <a:lnSpc>
+                <a:spcPct val="107000"/>
+              </a:lnSpc>
+              <a:spcAft>
+                <a:spcPts val="800"/>
+              </a:spcAft>
+            </a:pPr>
+            <a:r>
+              <a:rPr lang="de-DE" sz="1800" b="1" spc="75" dirty="0">
+                <a:solidFill>
+                  <a:srgbClr val="5A5A5A"/>
+                </a:solidFill>
+                <a:latin typeface="Arial" panose="020B0604020202020204" pitchFamily="34" charset="0"/>
+                <a:ea typeface="Times New Roman" panose="02020603050405020304" pitchFamily="18" charset="0"/>
+                <a:cs typeface="Times New Roman" panose="02020603050405020304" pitchFamily="18" charset="0"/>
+              </a:rPr>
+              <a:t>	- für Android Entwicklung kostenlos</a:t>
+            </a:r>
+            <a:br>
+              <a:rPr lang="de-DE" sz="1800" b="1" spc="75" dirty="0">
+                <a:solidFill>
+                  <a:srgbClr val="5A5A5A"/>
+                </a:solidFill>
+                <a:latin typeface="Arial" panose="020B0604020202020204" pitchFamily="34" charset="0"/>
+                <a:ea typeface="Times New Roman" panose="02020603050405020304" pitchFamily="18" charset="0"/>
+                <a:cs typeface="Times New Roman" panose="02020603050405020304" pitchFamily="18" charset="0"/>
+              </a:rPr>
+            </a:br>
+            <a:r>
+              <a:rPr lang="de-DE" sz="1800" b="1" spc="75" dirty="0">
+                <a:solidFill>
+                  <a:srgbClr val="5A5A5A"/>
+                </a:solidFill>
+                <a:latin typeface="Arial" panose="020B0604020202020204" pitchFamily="34" charset="0"/>
+                <a:ea typeface="Times New Roman" panose="02020603050405020304" pitchFamily="18" charset="0"/>
+                <a:cs typeface="Times New Roman" panose="02020603050405020304" pitchFamily="18" charset="0"/>
+              </a:rPr>
+              <a:t>	</a:t>
+            </a:r>
+            <a:r>
+              <a:rPr lang="de-DE" sz="1800" b="1" spc="75" dirty="0">
+                <a:solidFill>
+                  <a:srgbClr val="5A5A5A"/>
+                </a:solidFill>
+                <a:effectLst/>
+                <a:latin typeface="Arial" panose="020B0604020202020204" pitchFamily="34" charset="0"/>
+                <a:ea typeface="Times New Roman" panose="02020603050405020304" pitchFamily="18" charset="0"/>
+                <a:cs typeface="Times New Roman" panose="02020603050405020304" pitchFamily="18" charset="0"/>
+              </a:rPr>
+              <a:t>- ausführliche Dokumentation	</a:t>
+            </a:r>
+            <a:br>
+              <a:rPr lang="de-DE" sz="1800" b="1" spc="75" dirty="0">
+                <a:solidFill>
+                  <a:srgbClr val="5A5A5A"/>
+                </a:solidFill>
+                <a:effectLst/>
+                <a:latin typeface="Arial" panose="020B0604020202020204" pitchFamily="34" charset="0"/>
+                <a:ea typeface="Times New Roman" panose="02020603050405020304" pitchFamily="18" charset="0"/>
+                <a:cs typeface="Times New Roman" panose="02020603050405020304" pitchFamily="18" charset="0"/>
+              </a:rPr>
+            </a:br>
+            <a:r>
+              <a:rPr lang="de-DE" sz="1800" b="1" spc="75" dirty="0">
+                <a:solidFill>
+                  <a:srgbClr val="5A5A5A"/>
+                </a:solidFill>
+                <a:effectLst/>
+                <a:latin typeface="Arial" panose="020B0604020202020204" pitchFamily="34" charset="0"/>
+                <a:ea typeface="Times New Roman" panose="02020603050405020304" pitchFamily="18" charset="0"/>
+                <a:cs typeface="Times New Roman" panose="02020603050405020304" pitchFamily="18" charset="0"/>
+              </a:rPr>
+              <a:t>	</a:t>
+            </a:r>
+            <a:r>
+              <a:rPr lang="de-DE" sz="1800" b="1" spc="75" dirty="0">
+                <a:solidFill>
+                  <a:srgbClr val="5A5A5A"/>
+                </a:solidFill>
+                <a:latin typeface="Arial" panose="020B0604020202020204" pitchFamily="34" charset="0"/>
+                <a:ea typeface="Times New Roman" panose="02020603050405020304" pitchFamily="18" charset="0"/>
+                <a:cs typeface="Times New Roman" panose="02020603050405020304" pitchFamily="18" charset="0"/>
+              </a:rPr>
+              <a:t>- Anpassungen der Karten möglich</a:t>
+            </a:r>
+            <a:endParaRPr lang="de-DE" dirty="0"/>
+          </a:p>
+          <a:p>
+            <a:pPr>
+              <a:lnSpc>
+                <a:spcPct val="107000"/>
+              </a:lnSpc>
+              <a:spcAft>
+                <a:spcPts val="800"/>
+              </a:spcAft>
+              <a:buAutoNum type="arabicPeriod" startAt="2"/>
+            </a:pPr>
+            <a:r>
+              <a:rPr lang="de-DE" sz="1800" b="1" spc="75" dirty="0">
+                <a:solidFill>
+                  <a:srgbClr val="5A5A5A"/>
+                </a:solidFill>
+                <a:latin typeface="Arial" panose="020B0604020202020204" pitchFamily="34" charset="0"/>
+                <a:cs typeface="Times New Roman" panose="02020603050405020304" pitchFamily="18" charset="0"/>
+              </a:rPr>
+              <a:t>WebGL Earth API</a:t>
+            </a:r>
+          </a:p>
+          <a:p>
+            <a:pPr marL="0" indent="0">
+              <a:lnSpc>
+                <a:spcPct val="107000"/>
+              </a:lnSpc>
+              <a:spcAft>
+                <a:spcPts val="800"/>
+              </a:spcAft>
+            </a:pPr>
+            <a:r>
+              <a:rPr lang="de-DE" sz="1800" b="1" spc="75" dirty="0">
+                <a:solidFill>
+                  <a:srgbClr val="5A5A5A"/>
+                </a:solidFill>
+                <a:latin typeface="Arial" panose="020B0604020202020204" pitchFamily="34" charset="0"/>
+                <a:cs typeface="Times New Roman" panose="02020603050405020304" pitchFamily="18" charset="0"/>
+              </a:rPr>
+              <a:t>	- kostenlos</a:t>
+            </a:r>
+          </a:p>
+          <a:p>
+            <a:pPr marL="0" indent="0">
+              <a:lnSpc>
+                <a:spcPct val="107000"/>
+              </a:lnSpc>
+              <a:spcAft>
+                <a:spcPts val="800"/>
+              </a:spcAft>
+            </a:pPr>
+            <a:r>
+              <a:rPr lang="de-DE" sz="1800" b="1" spc="75" dirty="0">
+                <a:solidFill>
+                  <a:srgbClr val="5A5A5A"/>
+                </a:solidFill>
+                <a:latin typeface="Arial" panose="020B0604020202020204" pitchFamily="34" charset="0"/>
+                <a:cs typeface="Times New Roman" panose="02020603050405020304" pitchFamily="18" charset="0"/>
+              </a:rPr>
+              <a:t>	- direkte Unterstützung von Längen- und Breitengraden</a:t>
+            </a:r>
+          </a:p>
+          <a:p>
+            <a:pPr marL="0" indent="0">
+              <a:lnSpc>
+                <a:spcPct val="107000"/>
+              </a:lnSpc>
+              <a:spcAft>
+                <a:spcPts val="800"/>
+              </a:spcAft>
+            </a:pPr>
+            <a:r>
+              <a:rPr lang="de-DE" sz="1800" b="1" spc="75" dirty="0">
+                <a:solidFill>
+                  <a:srgbClr val="5A5A5A"/>
+                </a:solidFill>
+                <a:latin typeface="Arial" panose="020B0604020202020204" pitchFamily="34" charset="0"/>
+                <a:cs typeface="Times New Roman" panose="02020603050405020304" pitchFamily="18" charset="0"/>
+              </a:rPr>
+              <a:t>	- Anpassungen der Karten möglich</a:t>
+            </a:r>
+            <a:endParaRPr lang="de-DE" dirty="0"/>
+          </a:p>
+          <a:p>
+            <a:pPr marL="0" indent="0">
+              <a:lnSpc>
+                <a:spcPct val="107000"/>
+              </a:lnSpc>
+              <a:spcAft>
+                <a:spcPts val="800"/>
+              </a:spcAft>
+            </a:pPr>
+            <a:r>
+              <a:rPr lang="de-DE" sz="1800" b="1" spc="75" dirty="0">
+                <a:solidFill>
+                  <a:srgbClr val="5A5A5A"/>
+                </a:solidFill>
+                <a:latin typeface="Arial" panose="020B0604020202020204" pitchFamily="34" charset="0"/>
+                <a:cs typeface="Times New Roman" panose="02020603050405020304" pitchFamily="18" charset="0"/>
+              </a:rPr>
+              <a:t>3. Trimble API</a:t>
+            </a:r>
+          </a:p>
+          <a:p>
+            <a:pPr marL="0" indent="0">
+              <a:lnSpc>
+                <a:spcPct val="107000"/>
+              </a:lnSpc>
+              <a:spcAft>
+                <a:spcPts val="800"/>
+              </a:spcAft>
+            </a:pPr>
+            <a:r>
+              <a:rPr lang="de-DE" sz="1800" b="1" spc="75" dirty="0">
+                <a:solidFill>
+                  <a:srgbClr val="5A5A5A"/>
+                </a:solidFill>
+                <a:latin typeface="Arial" panose="020B0604020202020204" pitchFamily="34" charset="0"/>
+                <a:cs typeface="Times New Roman" panose="02020603050405020304" pitchFamily="18" charset="0"/>
+              </a:rPr>
+              <a:t>	- kostenlos</a:t>
+            </a:r>
+            <a:br>
+              <a:rPr lang="de-DE" sz="1800" b="1" spc="75" dirty="0">
+                <a:solidFill>
+                  <a:srgbClr val="5A5A5A"/>
+                </a:solidFill>
+                <a:latin typeface="Arial" panose="020B0604020202020204" pitchFamily="34" charset="0"/>
+                <a:cs typeface="Times New Roman" panose="02020603050405020304" pitchFamily="18" charset="0"/>
+              </a:rPr>
+            </a:br>
+            <a:r>
+              <a:rPr lang="de-DE" sz="1800" b="1" spc="75" dirty="0">
+                <a:solidFill>
+                  <a:srgbClr val="5A5A5A"/>
+                </a:solidFill>
+                <a:latin typeface="Arial" panose="020B0604020202020204" pitchFamily="34" charset="0"/>
+                <a:cs typeface="Times New Roman" panose="02020603050405020304" pitchFamily="18" charset="0"/>
+              </a:rPr>
+              <a:t>	- für Anpassungen der Karte andere APIs zusätzlich notwendig	- hauptsächlich für Navigation gedacht</a:t>
+            </a:r>
+          </a:p>
+          <a:p>
+            <a:pPr marL="0" indent="0"/>
+            <a:endParaRPr lang="de-DE" dirty="0"/>
+          </a:p>
+        </p:txBody>
+      </p:sp>
+      <p:sp>
+        <p:nvSpPr>
+          <p:cNvPr id="9" name="Titel 1">
+            <a:extLst>
+              <a:ext uri="{FF2B5EF4-FFF2-40B4-BE49-F238E27FC236}">
+                <a16:creationId xmlns:a16="http://schemas.microsoft.com/office/drawing/2014/main" id="{38B0D0DE-40DB-44FA-8B55-63191DFD6C96}"/>
+              </a:ext>
+            </a:extLst>
+          </p:cNvPr>
+          <p:cNvSpPr>
+            <a:spLocks noGrp="1"/>
+          </p:cNvSpPr>
+          <p:nvPr>
+            <p:ph type="title"/>
+          </p:nvPr>
+        </p:nvSpPr>
+        <p:spPr>
+          <a:xfrm>
+            <a:off x="903289" y="520701"/>
+            <a:ext cx="8099235" cy="720871"/>
+          </a:xfrm>
+        </p:spPr>
+        <p:txBody>
+          <a:bodyPr/>
+          <a:lstStyle/>
+          <a:p>
+            <a:r>
+              <a:rPr lang="de-DE" dirty="0"/>
+              <a:t>API-Recherche</a:t>
+            </a:r>
+            <a:br>
+              <a:rPr lang="de-DE" sz="1800" b="1" kern="0" dirty="0">
+                <a:solidFill>
+                  <a:srgbClr val="2F5496"/>
+                </a:solidFill>
+                <a:effectLst/>
+                <a:latin typeface="Calibri Light" panose="020F0302020204030204" pitchFamily="34" charset="0"/>
+                <a:ea typeface="Times New Roman" panose="02020603050405020304" pitchFamily="18" charset="0"/>
+                <a:cs typeface="Times New Roman" panose="02020603050405020304" pitchFamily="18" charset="0"/>
+              </a:rPr>
+            </a:br>
+            <a:endParaRPr lang="de-DE" dirty="0"/>
+          </a:p>
+        </p:txBody>
+      </p:sp>
+    </p:spTree>
+    <p:extLst>
+      <p:ext uri="{BB962C8B-B14F-4D97-AF65-F5344CB8AC3E}">
+        <p14:creationId xmlns:p14="http://schemas.microsoft.com/office/powerpoint/2010/main" val="2049262750"/>
       </p:ext>
     </p:extLst>
   </p:cSld>
